--- a/facts_generator.pptx
+++ b/facts_generator.pptx
@@ -264,7 +264,7 @@
           <a:p>
             <a:fld id="{9DAAD987-707B-45DD-B209-9DA144D80CC9}" type="datetimeFigureOut">
               <a:rPr lang="en-US" smtClean="0"/>
-              <a:t>3/13/2021</a:t>
+              <a:t>4/25/2021</a:t>
             </a:fld>
             <a:endParaRPr lang="en-US"/>
           </a:p>
@@ -462,7 +462,7 @@
           <a:p>
             <a:fld id="{9DAAD987-707B-45DD-B209-9DA144D80CC9}" type="datetimeFigureOut">
               <a:rPr lang="en-US" smtClean="0"/>
-              <a:t>3/13/2021</a:t>
+              <a:t>4/25/2021</a:t>
             </a:fld>
             <a:endParaRPr lang="en-US"/>
           </a:p>
@@ -670,7 +670,7 @@
           <a:p>
             <a:fld id="{9DAAD987-707B-45DD-B209-9DA144D80CC9}" type="datetimeFigureOut">
               <a:rPr lang="en-US" smtClean="0"/>
-              <a:t>3/13/2021</a:t>
+              <a:t>4/25/2021</a:t>
             </a:fld>
             <a:endParaRPr lang="en-US"/>
           </a:p>
@@ -868,7 +868,7 @@
           <a:p>
             <a:fld id="{9DAAD987-707B-45DD-B209-9DA144D80CC9}" type="datetimeFigureOut">
               <a:rPr lang="en-US" smtClean="0"/>
-              <a:t>3/13/2021</a:t>
+              <a:t>4/25/2021</a:t>
             </a:fld>
             <a:endParaRPr lang="en-US"/>
           </a:p>
@@ -1143,7 +1143,7 @@
           <a:p>
             <a:fld id="{9DAAD987-707B-45DD-B209-9DA144D80CC9}" type="datetimeFigureOut">
               <a:rPr lang="en-US" smtClean="0"/>
-              <a:t>3/13/2021</a:t>
+              <a:t>4/25/2021</a:t>
             </a:fld>
             <a:endParaRPr lang="en-US"/>
           </a:p>
@@ -1408,7 +1408,7 @@
           <a:p>
             <a:fld id="{9DAAD987-707B-45DD-B209-9DA144D80CC9}" type="datetimeFigureOut">
               <a:rPr lang="en-US" smtClean="0"/>
-              <a:t>3/13/2021</a:t>
+              <a:t>4/25/2021</a:t>
             </a:fld>
             <a:endParaRPr lang="en-US"/>
           </a:p>
@@ -1820,7 +1820,7 @@
           <a:p>
             <a:fld id="{9DAAD987-707B-45DD-B209-9DA144D80CC9}" type="datetimeFigureOut">
               <a:rPr lang="en-US" smtClean="0"/>
-              <a:t>3/13/2021</a:t>
+              <a:t>4/25/2021</a:t>
             </a:fld>
             <a:endParaRPr lang="en-US"/>
           </a:p>
@@ -1961,7 +1961,7 @@
           <a:p>
             <a:fld id="{9DAAD987-707B-45DD-B209-9DA144D80CC9}" type="datetimeFigureOut">
               <a:rPr lang="en-US" smtClean="0"/>
-              <a:t>3/13/2021</a:t>
+              <a:t>4/25/2021</a:t>
             </a:fld>
             <a:endParaRPr lang="en-US"/>
           </a:p>
@@ -2074,7 +2074,7 @@
           <a:p>
             <a:fld id="{9DAAD987-707B-45DD-B209-9DA144D80CC9}" type="datetimeFigureOut">
               <a:rPr lang="en-US" smtClean="0"/>
-              <a:t>3/13/2021</a:t>
+              <a:t>4/25/2021</a:t>
             </a:fld>
             <a:endParaRPr lang="en-US"/>
           </a:p>
@@ -2385,7 +2385,7 @@
           <a:p>
             <a:fld id="{9DAAD987-707B-45DD-B209-9DA144D80CC9}" type="datetimeFigureOut">
               <a:rPr lang="en-US" smtClean="0"/>
-              <a:t>3/13/2021</a:t>
+              <a:t>4/25/2021</a:t>
             </a:fld>
             <a:endParaRPr lang="en-US"/>
           </a:p>
@@ -2673,7 +2673,7 @@
           <a:p>
             <a:fld id="{9DAAD987-707B-45DD-B209-9DA144D80CC9}" type="datetimeFigureOut">
               <a:rPr lang="en-US" smtClean="0"/>
-              <a:t>3/13/2021</a:t>
+              <a:t>4/25/2021</a:t>
             </a:fld>
             <a:endParaRPr lang="en-US"/>
           </a:p>
@@ -2914,7 +2914,7 @@
           <a:p>
             <a:fld id="{9DAAD987-707B-45DD-B209-9DA144D80CC9}" type="datetimeFigureOut">
               <a:rPr lang="en-US" smtClean="0"/>
-              <a:t>3/13/2021</a:t>
+              <a:t>4/25/2021</a:t>
             </a:fld>
             <a:endParaRPr lang="en-US"/>
           </a:p>
@@ -3317,6 +3317,14 @@
 <file path=ppt/slides/slide1.xml><?xml version="1.0" encoding="utf-8"?>
 <p:sld xmlns:a="http://schemas.openxmlformats.org/drawingml/2006/main" xmlns:r="http://schemas.openxmlformats.org/officeDocument/2006/relationships" xmlns:p="http://schemas.openxmlformats.org/presentationml/2006/main">
   <p:cSld>
+    <p:bg>
+      <p:bgPr>
+        <a:solidFill>
+          <a:schemeClr val="bg1"/>
+        </a:solidFill>
+        <a:effectLst/>
+      </p:bgPr>
+    </p:bg>
     <p:spTree>
       <p:nvGrpSpPr>
         <p:cNvPr id="1" name=""/>
@@ -3333,65 +3341,1225 @@
       </p:grpSpPr>
       <p:sp>
         <p:nvSpPr>
-          <p:cNvPr id="2" name="Title 1">
-            <a:extLst>
-              <a:ext uri="{FF2B5EF4-FFF2-40B4-BE49-F238E27FC236}">
-                <a16:creationId xmlns:a16="http://schemas.microsoft.com/office/drawing/2014/main" id="{F0A8DF5D-7865-410B-A3DA-C1546E6B8D9B}"/>
-              </a:ext>
-            </a:extLst>
-          </p:cNvPr>
-          <p:cNvSpPr>
-            <a:spLocks noGrp="1"/>
-          </p:cNvSpPr>
-          <p:nvPr>
-            <p:ph type="ctrTitle"/>
-          </p:nvPr>
-        </p:nvSpPr>
-        <p:spPr/>
-        <p:txBody>
-          <a:bodyPr/>
-          <a:lstStyle/>
-          <a:p>
-            <a:r>
-              <a:rPr lang="en-US" dirty="0" err="1"/>
-              <a:t>facts_generator</a:t>
-            </a:r>
-            <a:endParaRPr lang="en-US" dirty="0"/>
-          </a:p>
-        </p:txBody>
-      </p:sp>
-      <p:sp>
-        <p:nvSpPr>
-          <p:cNvPr id="3" name="Subtitle 2">
-            <a:extLst>
-              <a:ext uri="{FF2B5EF4-FFF2-40B4-BE49-F238E27FC236}">
-                <a16:creationId xmlns:a16="http://schemas.microsoft.com/office/drawing/2014/main" id="{9DBB03AE-64C4-430F-9FAD-2760DDBD42BC}"/>
-              </a:ext>
-            </a:extLst>
-          </p:cNvPr>
-          <p:cNvSpPr>
-            <a:spLocks noGrp="1"/>
-          </p:cNvSpPr>
-          <p:nvPr>
-            <p:ph type="subTitle" idx="1"/>
+          <p:cNvPr id="50" name="Rectangle 49">
+            <a:extLst>
+              <a:ext uri="{FF2B5EF4-FFF2-40B4-BE49-F238E27FC236}">
+                <a16:creationId xmlns:a16="http://schemas.microsoft.com/office/drawing/2014/main" id="{88294908-8B00-4F58-BBBA-20F71A40AA9E}"/>
+              </a:ext>
+              <a:ext uri="{C183D7F6-B498-43B3-948B-1728B52AA6E4}">
+                <adec:decorative xmlns:adec="http://schemas.microsoft.com/office/drawing/2017/decorative" val="1"/>
+              </a:ext>
+            </a:extLst>
+          </p:cNvPr>
+          <p:cNvSpPr>
+            <a:spLocks noGrp="1" noRot="1" noChangeAspect="1" noMove="1" noResize="1" noEditPoints="1" noAdjustHandles="1" noChangeArrowheads="1" noChangeShapeType="1" noTextEdit="1"/>
+          </p:cNvSpPr>
+          <p:nvPr>
+            <p:extLst>
+              <p:ext uri="{386F3935-93C4-4BCD-93E2-E3B085C9AB24}">
+                <p16:designElem xmlns:p16="http://schemas.microsoft.com/office/powerpoint/2015/main" val="1"/>
+              </p:ext>
+            </p:extLst>
           </p:nvPr>
         </p:nvSpPr>
         <p:spPr>
           <a:xfrm>
-            <a:off x="1524000" y="4882392"/>
-            <a:ext cx="9144000" cy="375407"/>
+            <a:off x="0" y="0"/>
+            <a:ext cx="12192000" cy="6858000"/>
           </a:xfrm>
+          <a:prstGeom prst="rect">
+            <a:avLst/>
+          </a:prstGeom>
+          <a:solidFill>
+            <a:schemeClr val="bg2"/>
+          </a:solidFill>
+          <a:ln>
+            <a:noFill/>
+          </a:ln>
         </p:spPr>
+        <p:style>
+          <a:lnRef idx="2">
+            <a:schemeClr val="accent1">
+              <a:shade val="50000"/>
+            </a:schemeClr>
+          </a:lnRef>
+          <a:fillRef idx="1">
+            <a:schemeClr val="accent1"/>
+          </a:fillRef>
+          <a:effectRef idx="0">
+            <a:schemeClr val="accent1"/>
+          </a:effectRef>
+          <a:fontRef idx="minor">
+            <a:schemeClr val="lt1"/>
+          </a:fontRef>
+        </p:style>
+        <p:txBody>
+          <a:bodyPr rtlCol="0" anchor="ctr"/>
+          <a:lstStyle/>
+          <a:p>
+            <a:pPr algn="ctr"/>
+            <a:endParaRPr lang="en-US" dirty="0"/>
+          </a:p>
+        </p:txBody>
+      </p:sp>
+      <p:sp>
+        <p:nvSpPr>
+          <p:cNvPr id="52" name="Freeform: Shape 51">
+            <a:extLst>
+              <a:ext uri="{FF2B5EF4-FFF2-40B4-BE49-F238E27FC236}">
+                <a16:creationId xmlns:a16="http://schemas.microsoft.com/office/drawing/2014/main" id="{4364C879-1404-4203-8E9D-CC5DE0A621A2}"/>
+              </a:ext>
+              <a:ext uri="{C183D7F6-B498-43B3-948B-1728B52AA6E4}">
+                <adec:decorative xmlns:adec="http://schemas.microsoft.com/office/drawing/2017/decorative" val="1"/>
+              </a:ext>
+            </a:extLst>
+          </p:cNvPr>
+          <p:cNvSpPr>
+            <a:spLocks noGrp="1" noRot="1" noChangeAspect="1" noMove="1" noResize="1" noEditPoints="1" noAdjustHandles="1" noChangeArrowheads="1" noChangeShapeType="1" noTextEdit="1"/>
+          </p:cNvSpPr>
+          <p:nvPr>
+            <p:extLst>
+              <p:ext uri="{386F3935-93C4-4BCD-93E2-E3B085C9AB24}">
+                <p16:designElem xmlns:p16="http://schemas.microsoft.com/office/powerpoint/2015/main" val="1"/>
+              </p:ext>
+            </p:extLst>
+          </p:nvPr>
+        </p:nvSpPr>
+        <p:spPr>
+          <a:xfrm rot="2700000">
+            <a:off x="82782" y="-1386168"/>
+            <a:ext cx="2424873" cy="3611191"/>
+          </a:xfrm>
+          <a:custGeom>
+            <a:avLst/>
+            <a:gdLst>
+              <a:gd name="connsiteX0" fmla="*/ 0 w 2424873"/>
+              <a:gd name="connsiteY0" fmla="*/ 2424874 h 3611191"/>
+              <a:gd name="connsiteX1" fmla="*/ 2424873 w 2424873"/>
+              <a:gd name="connsiteY1" fmla="*/ 0 h 3611191"/>
+              <a:gd name="connsiteX2" fmla="*/ 2424873 w 2424873"/>
+              <a:gd name="connsiteY2" fmla="*/ 3611191 h 3611191"/>
+              <a:gd name="connsiteX3" fmla="*/ 1186317 w 2424873"/>
+              <a:gd name="connsiteY3" fmla="*/ 3611191 h 3611191"/>
+            </a:gdLst>
+            <a:ahLst/>
+            <a:cxnLst>
+              <a:cxn ang="0">
+                <a:pos x="connsiteX0" y="connsiteY0"/>
+              </a:cxn>
+              <a:cxn ang="0">
+                <a:pos x="connsiteX1" y="connsiteY1"/>
+              </a:cxn>
+              <a:cxn ang="0">
+                <a:pos x="connsiteX2" y="connsiteY2"/>
+              </a:cxn>
+              <a:cxn ang="0">
+                <a:pos x="connsiteX3" y="connsiteY3"/>
+              </a:cxn>
+            </a:cxnLst>
+            <a:rect l="l" t="t" r="r" b="b"/>
+            <a:pathLst>
+              <a:path w="2424873" h="3611191">
+                <a:moveTo>
+                  <a:pt x="0" y="2424874"/>
+                </a:moveTo>
+                <a:lnTo>
+                  <a:pt x="2424873" y="0"/>
+                </a:lnTo>
+                <a:lnTo>
+                  <a:pt x="2424873" y="3611191"/>
+                </a:lnTo>
+                <a:lnTo>
+                  <a:pt x="1186317" y="3611191"/>
+                </a:lnTo>
+                <a:close/>
+              </a:path>
+            </a:pathLst>
+          </a:custGeom>
+          <a:solidFill>
+            <a:schemeClr val="accent4">
+              <a:alpha val="40000"/>
+            </a:schemeClr>
+          </a:solidFill>
+          <a:ln>
+            <a:noFill/>
+          </a:ln>
+        </p:spPr>
+        <p:style>
+          <a:lnRef idx="2">
+            <a:schemeClr val="accent1">
+              <a:shade val="50000"/>
+            </a:schemeClr>
+          </a:lnRef>
+          <a:fillRef idx="1">
+            <a:schemeClr val="accent1"/>
+          </a:fillRef>
+          <a:effectRef idx="0">
+            <a:schemeClr val="accent1"/>
+          </a:effectRef>
+          <a:fontRef idx="minor">
+            <a:schemeClr val="lt1"/>
+          </a:fontRef>
+        </p:style>
+        <p:txBody>
+          <a:bodyPr wrap="square" rtlCol="0" anchor="ctr">
+            <a:noAutofit/>
+          </a:bodyPr>
+          <a:lstStyle/>
+          <a:p>
+            <a:pPr algn="ctr"/>
+            <a:endParaRPr lang="en-US"/>
+          </a:p>
+        </p:txBody>
+      </p:sp>
+      <p:sp>
+        <p:nvSpPr>
+          <p:cNvPr id="54" name="Freeform: Shape 53">
+            <a:extLst>
+              <a:ext uri="{FF2B5EF4-FFF2-40B4-BE49-F238E27FC236}">
+                <a16:creationId xmlns:a16="http://schemas.microsoft.com/office/drawing/2014/main" id="{84617302-4B0D-4351-A6BB-6F0930D943AC}"/>
+              </a:ext>
+              <a:ext uri="{C183D7F6-B498-43B3-948B-1728B52AA6E4}">
+                <adec:decorative xmlns:adec="http://schemas.microsoft.com/office/drawing/2017/decorative" val="1"/>
+              </a:ext>
+            </a:extLst>
+          </p:cNvPr>
+          <p:cNvSpPr>
+            <a:spLocks noGrp="1" noRot="1" noChangeAspect="1" noMove="1" noResize="1" noEditPoints="1" noAdjustHandles="1" noChangeArrowheads="1" noChangeShapeType="1" noTextEdit="1"/>
+          </p:cNvSpPr>
+          <p:nvPr>
+            <p:extLst>
+              <p:ext uri="{386F3935-93C4-4BCD-93E2-E3B085C9AB24}">
+                <p16:designElem xmlns:p16="http://schemas.microsoft.com/office/powerpoint/2015/main" val="1"/>
+              </p:ext>
+            </p:extLst>
+          </p:nvPr>
+        </p:nvSpPr>
+        <p:spPr>
+          <a:xfrm rot="2700000">
+            <a:off x="1571000" y="-338582"/>
+            <a:ext cx="1635955" cy="1635955"/>
+          </a:xfrm>
+          <a:custGeom>
+            <a:avLst/>
+            <a:gdLst>
+              <a:gd name="connsiteX0" fmla="*/ 0 w 1635955"/>
+              <a:gd name="connsiteY0" fmla="*/ 957987 h 1635955"/>
+              <a:gd name="connsiteX1" fmla="*/ 957987 w 1635955"/>
+              <a:gd name="connsiteY1" fmla="*/ 0 h 1635955"/>
+              <a:gd name="connsiteX2" fmla="*/ 1635955 w 1635955"/>
+              <a:gd name="connsiteY2" fmla="*/ 0 h 1635955"/>
+              <a:gd name="connsiteX3" fmla="*/ 1635955 w 1635955"/>
+              <a:gd name="connsiteY3" fmla="*/ 1635955 h 1635955"/>
+              <a:gd name="connsiteX4" fmla="*/ 0 w 1635955"/>
+              <a:gd name="connsiteY4" fmla="*/ 1635955 h 1635955"/>
+            </a:gdLst>
+            <a:ahLst/>
+            <a:cxnLst>
+              <a:cxn ang="0">
+                <a:pos x="connsiteX0" y="connsiteY0"/>
+              </a:cxn>
+              <a:cxn ang="0">
+                <a:pos x="connsiteX1" y="connsiteY1"/>
+              </a:cxn>
+              <a:cxn ang="0">
+                <a:pos x="connsiteX2" y="connsiteY2"/>
+              </a:cxn>
+              <a:cxn ang="0">
+                <a:pos x="connsiteX3" y="connsiteY3"/>
+              </a:cxn>
+              <a:cxn ang="0">
+                <a:pos x="connsiteX4" y="connsiteY4"/>
+              </a:cxn>
+            </a:cxnLst>
+            <a:rect l="l" t="t" r="r" b="b"/>
+            <a:pathLst>
+              <a:path w="1635955" h="1635955">
+                <a:moveTo>
+                  <a:pt x="0" y="957987"/>
+                </a:moveTo>
+                <a:lnTo>
+                  <a:pt x="957987" y="0"/>
+                </a:lnTo>
+                <a:lnTo>
+                  <a:pt x="1635955" y="0"/>
+                </a:lnTo>
+                <a:lnTo>
+                  <a:pt x="1635955" y="1635955"/>
+                </a:lnTo>
+                <a:lnTo>
+                  <a:pt x="0" y="1635955"/>
+                </a:lnTo>
+                <a:close/>
+              </a:path>
+            </a:pathLst>
+          </a:custGeom>
+          <a:solidFill>
+            <a:schemeClr val="accent4">
+              <a:alpha val="40000"/>
+            </a:schemeClr>
+          </a:solidFill>
+          <a:ln>
+            <a:noFill/>
+          </a:ln>
+        </p:spPr>
+        <p:style>
+          <a:lnRef idx="2">
+            <a:schemeClr val="accent1">
+              <a:shade val="50000"/>
+            </a:schemeClr>
+          </a:lnRef>
+          <a:fillRef idx="1">
+            <a:schemeClr val="accent1"/>
+          </a:fillRef>
+          <a:effectRef idx="0">
+            <a:schemeClr val="accent1"/>
+          </a:effectRef>
+          <a:fontRef idx="minor">
+            <a:schemeClr val="lt1"/>
+          </a:fontRef>
+        </p:style>
+        <p:txBody>
+          <a:bodyPr wrap="square" rtlCol="0" anchor="ctr">
+            <a:noAutofit/>
+          </a:bodyPr>
+          <a:lstStyle/>
+          <a:p>
+            <a:pPr algn="ctr"/>
+            <a:endParaRPr lang="en-US"/>
+          </a:p>
+        </p:txBody>
+      </p:sp>
+      <p:sp>
+        <p:nvSpPr>
+          <p:cNvPr id="56" name="Freeform: Shape 55">
+            <a:extLst>
+              <a:ext uri="{FF2B5EF4-FFF2-40B4-BE49-F238E27FC236}">
+                <a16:creationId xmlns:a16="http://schemas.microsoft.com/office/drawing/2014/main" id="{DA2C7802-C2E0-4218-8F89-8DD7CCD2CD1C}"/>
+              </a:ext>
+              <a:ext uri="{C183D7F6-B498-43B3-948B-1728B52AA6E4}">
+                <adec:decorative xmlns:adec="http://schemas.microsoft.com/office/drawing/2017/decorative" val="1"/>
+              </a:ext>
+            </a:extLst>
+          </p:cNvPr>
+          <p:cNvSpPr>
+            <a:spLocks noGrp="1" noRot="1" noChangeAspect="1" noMove="1" noResize="1" noEditPoints="1" noAdjustHandles="1" noChangeArrowheads="1" noChangeShapeType="1" noTextEdit="1"/>
+          </p:cNvSpPr>
+          <p:nvPr>
+            <p:extLst>
+              <p:ext uri="{386F3935-93C4-4BCD-93E2-E3B085C9AB24}">
+                <p16:designElem xmlns:p16="http://schemas.microsoft.com/office/powerpoint/2015/main" val="1"/>
+              </p:ext>
+            </p:extLst>
+          </p:nvPr>
+        </p:nvSpPr>
+        <p:spPr>
+          <a:xfrm rot="2700000">
+            <a:off x="9627985" y="-6588"/>
+            <a:ext cx="4059393" cy="2548110"/>
+          </a:xfrm>
+          <a:custGeom>
+            <a:avLst/>
+            <a:gdLst>
+              <a:gd name="connsiteX0" fmla="*/ 0 w 4059393"/>
+              <a:gd name="connsiteY0" fmla="*/ 1511282 h 2548110"/>
+              <a:gd name="connsiteX1" fmla="*/ 1511282 w 4059393"/>
+              <a:gd name="connsiteY1" fmla="*/ 0 h 2548110"/>
+              <a:gd name="connsiteX2" fmla="*/ 4059393 w 4059393"/>
+              <a:gd name="connsiteY2" fmla="*/ 2548110 h 2548110"/>
+              <a:gd name="connsiteX3" fmla="*/ 0 w 4059393"/>
+              <a:gd name="connsiteY3" fmla="*/ 2548110 h 2548110"/>
+            </a:gdLst>
+            <a:ahLst/>
+            <a:cxnLst>
+              <a:cxn ang="0">
+                <a:pos x="connsiteX0" y="connsiteY0"/>
+              </a:cxn>
+              <a:cxn ang="0">
+                <a:pos x="connsiteX1" y="connsiteY1"/>
+              </a:cxn>
+              <a:cxn ang="0">
+                <a:pos x="connsiteX2" y="connsiteY2"/>
+              </a:cxn>
+              <a:cxn ang="0">
+                <a:pos x="connsiteX3" y="connsiteY3"/>
+              </a:cxn>
+            </a:cxnLst>
+            <a:rect l="l" t="t" r="r" b="b"/>
+            <a:pathLst>
+              <a:path w="4059393" h="2548110">
+                <a:moveTo>
+                  <a:pt x="0" y="1511282"/>
+                </a:moveTo>
+                <a:lnTo>
+                  <a:pt x="1511282" y="0"/>
+                </a:lnTo>
+                <a:lnTo>
+                  <a:pt x="4059393" y="2548110"/>
+                </a:lnTo>
+                <a:lnTo>
+                  <a:pt x="0" y="2548110"/>
+                </a:lnTo>
+                <a:close/>
+              </a:path>
+            </a:pathLst>
+          </a:custGeom>
+          <a:solidFill>
+            <a:schemeClr val="accent1">
+              <a:alpha val="30000"/>
+            </a:schemeClr>
+          </a:solidFill>
+          <a:ln>
+            <a:noFill/>
+          </a:ln>
+        </p:spPr>
+        <p:style>
+          <a:lnRef idx="2">
+            <a:schemeClr val="accent1">
+              <a:shade val="50000"/>
+            </a:schemeClr>
+          </a:lnRef>
+          <a:fillRef idx="1">
+            <a:schemeClr val="accent1"/>
+          </a:fillRef>
+          <a:effectRef idx="0">
+            <a:schemeClr val="accent1"/>
+          </a:effectRef>
+          <a:fontRef idx="minor">
+            <a:schemeClr val="lt1"/>
+          </a:fontRef>
+        </p:style>
+        <p:txBody>
+          <a:bodyPr wrap="square" rtlCol="0" anchor="ctr">
+            <a:noAutofit/>
+          </a:bodyPr>
+          <a:lstStyle/>
+          <a:p>
+            <a:pPr algn="ctr"/>
+            <a:endParaRPr lang="en-US"/>
+          </a:p>
+        </p:txBody>
+      </p:sp>
+      <p:sp>
+        <p:nvSpPr>
+          <p:cNvPr id="58" name="Rectangle 57">
+            <a:extLst>
+              <a:ext uri="{FF2B5EF4-FFF2-40B4-BE49-F238E27FC236}">
+                <a16:creationId xmlns:a16="http://schemas.microsoft.com/office/drawing/2014/main" id="{A6D7111A-21E5-4EE9-8A78-10E5530F0116}"/>
+              </a:ext>
+              <a:ext uri="{C183D7F6-B498-43B3-948B-1728B52AA6E4}">
+                <adec:decorative xmlns:adec="http://schemas.microsoft.com/office/drawing/2017/decorative" val="1"/>
+              </a:ext>
+            </a:extLst>
+          </p:cNvPr>
+          <p:cNvSpPr>
+            <a:spLocks noGrp="1" noRot="1" noChangeAspect="1" noMove="1" noResize="1" noEditPoints="1" noAdjustHandles="1" noChangeArrowheads="1" noChangeShapeType="1" noTextEdit="1"/>
+          </p:cNvSpPr>
+          <p:nvPr>
+            <p:extLst>
+              <p:ext uri="{386F3935-93C4-4BCD-93E2-E3B085C9AB24}">
+                <p16:designElem xmlns:p16="http://schemas.microsoft.com/office/powerpoint/2015/main" val="1"/>
+              </p:ext>
+            </p:extLst>
+          </p:nvPr>
+        </p:nvSpPr>
+        <p:spPr>
+          <a:xfrm rot="2700000">
+            <a:off x="10262924" y="1465780"/>
+            <a:ext cx="1185708" cy="1185708"/>
+          </a:xfrm>
+          <a:prstGeom prst="rect">
+            <a:avLst/>
+          </a:prstGeom>
+          <a:solidFill>
+            <a:schemeClr val="accent1">
+              <a:alpha val="30000"/>
+            </a:schemeClr>
+          </a:solidFill>
+          <a:ln>
+            <a:noFill/>
+          </a:ln>
+        </p:spPr>
+        <p:style>
+          <a:lnRef idx="2">
+            <a:schemeClr val="accent1">
+              <a:shade val="50000"/>
+            </a:schemeClr>
+          </a:lnRef>
+          <a:fillRef idx="1">
+            <a:schemeClr val="accent1"/>
+          </a:fillRef>
+          <a:effectRef idx="0">
+            <a:schemeClr val="accent1"/>
+          </a:effectRef>
+          <a:fontRef idx="minor">
+            <a:schemeClr val="lt1"/>
+          </a:fontRef>
+        </p:style>
+        <p:txBody>
+          <a:bodyPr wrap="square" rtlCol="0" anchor="ctr">
+            <a:noAutofit/>
+          </a:bodyPr>
+          <a:lstStyle/>
+          <a:p>
+            <a:pPr algn="ctr"/>
+            <a:endParaRPr lang="en-US"/>
+          </a:p>
+        </p:txBody>
+      </p:sp>
+      <p:sp>
+        <p:nvSpPr>
+          <p:cNvPr id="60" name="Freeform: Shape 59">
+            <a:extLst>
+              <a:ext uri="{FF2B5EF4-FFF2-40B4-BE49-F238E27FC236}">
+                <a16:creationId xmlns:a16="http://schemas.microsoft.com/office/drawing/2014/main" id="{A3969E80-A77B-49FC-9122-D89AFD5EE118}"/>
+              </a:ext>
+              <a:ext uri="{C183D7F6-B498-43B3-948B-1728B52AA6E4}">
+                <adec:decorative xmlns:adec="http://schemas.microsoft.com/office/drawing/2017/decorative" val="1"/>
+              </a:ext>
+            </a:extLst>
+          </p:cNvPr>
+          <p:cNvSpPr>
+            <a:spLocks noGrp="1" noRot="1" noChangeAspect="1" noMove="1" noResize="1" noEditPoints="1" noAdjustHandles="1" noChangeArrowheads="1" noChangeShapeType="1" noTextEdit="1"/>
+          </p:cNvSpPr>
+          <p:nvPr>
+            <p:extLst>
+              <p:ext uri="{386F3935-93C4-4BCD-93E2-E3B085C9AB24}">
+                <p16:designElem xmlns:p16="http://schemas.microsoft.com/office/powerpoint/2015/main" val="1"/>
+              </p:ext>
+            </p:extLst>
+          </p:nvPr>
+        </p:nvSpPr>
+        <p:spPr>
+          <a:xfrm rot="2700000">
+            <a:off x="-29557" y="5198743"/>
+            <a:ext cx="2444907" cy="2366116"/>
+          </a:xfrm>
+          <a:custGeom>
+            <a:avLst/>
+            <a:gdLst>
+              <a:gd name="connsiteX0" fmla="*/ 0 w 2203753"/>
+              <a:gd name="connsiteY0" fmla="*/ 0 h 2132734"/>
+              <a:gd name="connsiteX1" fmla="*/ 2203753 w 2203753"/>
+              <a:gd name="connsiteY1" fmla="*/ 0 h 2132734"/>
+              <a:gd name="connsiteX2" fmla="*/ 2203753 w 2203753"/>
+              <a:gd name="connsiteY2" fmla="*/ 576461 h 2132734"/>
+              <a:gd name="connsiteX3" fmla="*/ 647480 w 2203753"/>
+              <a:gd name="connsiteY3" fmla="*/ 2132734 h 2132734"/>
+              <a:gd name="connsiteX4" fmla="*/ 0 w 2203753"/>
+              <a:gd name="connsiteY4" fmla="*/ 1485255 h 2132734"/>
+            </a:gdLst>
+            <a:ahLst/>
+            <a:cxnLst>
+              <a:cxn ang="0">
+                <a:pos x="connsiteX0" y="connsiteY0"/>
+              </a:cxn>
+              <a:cxn ang="0">
+                <a:pos x="connsiteX1" y="connsiteY1"/>
+              </a:cxn>
+              <a:cxn ang="0">
+                <a:pos x="connsiteX2" y="connsiteY2"/>
+              </a:cxn>
+              <a:cxn ang="0">
+                <a:pos x="connsiteX3" y="connsiteY3"/>
+              </a:cxn>
+              <a:cxn ang="0">
+                <a:pos x="connsiteX4" y="connsiteY4"/>
+              </a:cxn>
+            </a:cxnLst>
+            <a:rect l="l" t="t" r="r" b="b"/>
+            <a:pathLst>
+              <a:path w="2203753" h="2132734">
+                <a:moveTo>
+                  <a:pt x="0" y="0"/>
+                </a:moveTo>
+                <a:lnTo>
+                  <a:pt x="2203753" y="0"/>
+                </a:lnTo>
+                <a:lnTo>
+                  <a:pt x="2203753" y="576461"/>
+                </a:lnTo>
+                <a:lnTo>
+                  <a:pt x="647480" y="2132734"/>
+                </a:lnTo>
+                <a:lnTo>
+                  <a:pt x="0" y="1485255"/>
+                </a:lnTo>
+                <a:close/>
+              </a:path>
+            </a:pathLst>
+          </a:custGeom>
+          <a:solidFill>
+            <a:schemeClr val="accent1">
+              <a:alpha val="30000"/>
+            </a:schemeClr>
+          </a:solidFill>
+          <a:ln>
+            <a:noFill/>
+          </a:ln>
+        </p:spPr>
+        <p:style>
+          <a:lnRef idx="2">
+            <a:schemeClr val="accent1">
+              <a:shade val="50000"/>
+            </a:schemeClr>
+          </a:lnRef>
+          <a:fillRef idx="1">
+            <a:schemeClr val="accent1"/>
+          </a:fillRef>
+          <a:effectRef idx="0">
+            <a:schemeClr val="accent1"/>
+          </a:effectRef>
+          <a:fontRef idx="minor">
+            <a:schemeClr val="lt1"/>
+          </a:fontRef>
+        </p:style>
+        <p:txBody>
+          <a:bodyPr wrap="square" rtlCol="0" anchor="ctr">
+            <a:noAutofit/>
+          </a:bodyPr>
+          <a:lstStyle/>
+          <a:p>
+            <a:pPr algn="ctr"/>
+            <a:endParaRPr lang="en-US"/>
+          </a:p>
+        </p:txBody>
+      </p:sp>
+      <p:sp>
+        <p:nvSpPr>
+          <p:cNvPr id="62" name="Rectangle 61">
+            <a:extLst>
+              <a:ext uri="{FF2B5EF4-FFF2-40B4-BE49-F238E27FC236}">
+                <a16:creationId xmlns:a16="http://schemas.microsoft.com/office/drawing/2014/main" id="{1849CA57-76BD-4CF2-80BA-D7A46A01B7B1}"/>
+              </a:ext>
+              <a:ext uri="{C183D7F6-B498-43B3-948B-1728B52AA6E4}">
+                <adec:decorative xmlns:adec="http://schemas.microsoft.com/office/drawing/2017/decorative" val="1"/>
+              </a:ext>
+            </a:extLst>
+          </p:cNvPr>
+          <p:cNvSpPr>
+            <a:spLocks noGrp="1" noRot="1" noChangeAspect="1" noMove="1" noResize="1" noEditPoints="1" noAdjustHandles="1" noChangeArrowheads="1" noChangeShapeType="1" noTextEdit="1"/>
+          </p:cNvSpPr>
+          <p:nvPr>
+            <p:extLst>
+              <p:ext uri="{386F3935-93C4-4BCD-93E2-E3B085C9AB24}">
+                <p16:designElem xmlns:p16="http://schemas.microsoft.com/office/powerpoint/2015/main" val="1"/>
+              </p:ext>
+            </p:extLst>
+          </p:nvPr>
+        </p:nvSpPr>
+        <p:spPr>
+          <a:xfrm rot="2700000">
+            <a:off x="1769787" y="5439893"/>
+            <a:ext cx="928467" cy="928467"/>
+          </a:xfrm>
+          <a:prstGeom prst="rect">
+            <a:avLst/>
+          </a:prstGeom>
+          <a:solidFill>
+            <a:schemeClr val="accent1">
+              <a:alpha val="30000"/>
+            </a:schemeClr>
+          </a:solidFill>
+          <a:ln>
+            <a:noFill/>
+          </a:ln>
+        </p:spPr>
+        <p:style>
+          <a:lnRef idx="2">
+            <a:schemeClr val="accent1">
+              <a:shade val="50000"/>
+            </a:schemeClr>
+          </a:lnRef>
+          <a:fillRef idx="1">
+            <a:schemeClr val="accent1"/>
+          </a:fillRef>
+          <a:effectRef idx="0">
+            <a:schemeClr val="accent1"/>
+          </a:effectRef>
+          <a:fontRef idx="minor">
+            <a:schemeClr val="lt1"/>
+          </a:fontRef>
+        </p:style>
+        <p:txBody>
+          <a:bodyPr wrap="square" rtlCol="0" anchor="ctr">
+            <a:noAutofit/>
+          </a:bodyPr>
+          <a:lstStyle/>
+          <a:p>
+            <a:pPr algn="ctr"/>
+            <a:endParaRPr lang="en-US">
+              <a:solidFill>
+                <a:srgbClr val="FFFFFF"/>
+              </a:solidFill>
+              <a:effectLst>
+                <a:outerShdw blurRad="38100" dist="38100" dir="2700000" algn="tl">
+                  <a:srgbClr val="000000">
+                    <a:alpha val="43137"/>
+                  </a:srgbClr>
+                </a:outerShdw>
+              </a:effectLst>
+            </a:endParaRPr>
+          </a:p>
+        </p:txBody>
+      </p:sp>
+      <p:sp>
+        <p:nvSpPr>
+          <p:cNvPr id="64" name="Freeform: Shape 63">
+            <a:extLst>
+              <a:ext uri="{FF2B5EF4-FFF2-40B4-BE49-F238E27FC236}">
+                <a16:creationId xmlns:a16="http://schemas.microsoft.com/office/drawing/2014/main" id="{35E9085E-E730-4768-83D4-6CB7E9897153}"/>
+              </a:ext>
+              <a:ext uri="{C183D7F6-B498-43B3-948B-1728B52AA6E4}">
+                <adec:decorative xmlns:adec="http://schemas.microsoft.com/office/drawing/2017/decorative" val="1"/>
+              </a:ext>
+            </a:extLst>
+          </p:cNvPr>
+          <p:cNvSpPr>
+            <a:spLocks noGrp="1" noRot="1" noChangeAspect="1" noMove="1" noResize="1" noEditPoints="1" noAdjustHandles="1" noChangeArrowheads="1" noChangeShapeType="1" noTextEdit="1"/>
+          </p:cNvSpPr>
+          <p:nvPr>
+            <p:extLst>
+              <p:ext uri="{386F3935-93C4-4BCD-93E2-E3B085C9AB24}">
+                <p16:designElem xmlns:p16="http://schemas.microsoft.com/office/powerpoint/2015/main" val="1"/>
+              </p:ext>
+            </p:extLst>
+          </p:nvPr>
+        </p:nvSpPr>
+        <p:spPr>
+          <a:xfrm rot="2700000">
+            <a:off x="3401311" y="734311"/>
+            <a:ext cx="5389379" cy="5389379"/>
+          </a:xfrm>
+          <a:custGeom>
+            <a:avLst/>
+            <a:gdLst>
+              <a:gd name="connsiteX0" fmla="*/ 0 w 5389379"/>
+              <a:gd name="connsiteY0" fmla="*/ 540040 h 5389379"/>
+              <a:gd name="connsiteX1" fmla="*/ 540040 w 5389379"/>
+              <a:gd name="connsiteY1" fmla="*/ 0 h 5389379"/>
+              <a:gd name="connsiteX2" fmla="*/ 5389379 w 5389379"/>
+              <a:gd name="connsiteY2" fmla="*/ 0 h 5389379"/>
+              <a:gd name="connsiteX3" fmla="*/ 5389379 w 5389379"/>
+              <a:gd name="connsiteY3" fmla="*/ 4838655 h 5389379"/>
+              <a:gd name="connsiteX4" fmla="*/ 4838655 w 5389379"/>
+              <a:gd name="connsiteY4" fmla="*/ 5389379 h 5389379"/>
+              <a:gd name="connsiteX5" fmla="*/ 0 w 5389379"/>
+              <a:gd name="connsiteY5" fmla="*/ 5389379 h 5389379"/>
+            </a:gdLst>
+            <a:ahLst/>
+            <a:cxnLst>
+              <a:cxn ang="0">
+                <a:pos x="connsiteX0" y="connsiteY0"/>
+              </a:cxn>
+              <a:cxn ang="0">
+                <a:pos x="connsiteX1" y="connsiteY1"/>
+              </a:cxn>
+              <a:cxn ang="0">
+                <a:pos x="connsiteX2" y="connsiteY2"/>
+              </a:cxn>
+              <a:cxn ang="0">
+                <a:pos x="connsiteX3" y="connsiteY3"/>
+              </a:cxn>
+              <a:cxn ang="0">
+                <a:pos x="connsiteX4" y="connsiteY4"/>
+              </a:cxn>
+              <a:cxn ang="0">
+                <a:pos x="connsiteX5" y="connsiteY5"/>
+              </a:cxn>
+            </a:cxnLst>
+            <a:rect l="l" t="t" r="r" b="b"/>
+            <a:pathLst>
+              <a:path w="5389379" h="5389379">
+                <a:moveTo>
+                  <a:pt x="0" y="540040"/>
+                </a:moveTo>
+                <a:lnTo>
+                  <a:pt x="540040" y="0"/>
+                </a:lnTo>
+                <a:lnTo>
+                  <a:pt x="5389379" y="0"/>
+                </a:lnTo>
+                <a:lnTo>
+                  <a:pt x="5389379" y="4838655"/>
+                </a:lnTo>
+                <a:lnTo>
+                  <a:pt x="4838655" y="5389379"/>
+                </a:lnTo>
+                <a:lnTo>
+                  <a:pt x="0" y="5389379"/>
+                </a:lnTo>
+                <a:close/>
+              </a:path>
+            </a:pathLst>
+          </a:custGeom>
+          <a:solidFill>
+            <a:srgbClr val="FFFFFF"/>
+          </a:solidFill>
+          <a:ln>
+            <a:noFill/>
+          </a:ln>
+        </p:spPr>
+        <p:style>
+          <a:lnRef idx="2">
+            <a:schemeClr val="accent1">
+              <a:shade val="50000"/>
+            </a:schemeClr>
+          </a:lnRef>
+          <a:fillRef idx="1">
+            <a:schemeClr val="accent1"/>
+          </a:fillRef>
+          <a:effectRef idx="0">
+            <a:schemeClr val="accent1"/>
+          </a:effectRef>
+          <a:fontRef idx="minor">
+            <a:schemeClr val="lt1"/>
+          </a:fontRef>
+        </p:style>
+        <p:txBody>
+          <a:bodyPr wrap="square" rtlCol="0" anchor="ctr">
+            <a:noAutofit/>
+          </a:bodyPr>
+          <a:lstStyle/>
+          <a:p>
+            <a:pPr algn="ctr"/>
+            <a:endParaRPr lang="en-US"/>
+          </a:p>
+        </p:txBody>
+      </p:sp>
+      <p:sp>
+        <p:nvSpPr>
+          <p:cNvPr id="66" name="Freeform: Shape 65">
+            <a:extLst>
+              <a:ext uri="{FF2B5EF4-FFF2-40B4-BE49-F238E27FC236}">
+                <a16:creationId xmlns:a16="http://schemas.microsoft.com/office/drawing/2014/main" id="{973272FE-A474-4CAE-8CA2-BCC8B476C3F4}"/>
+              </a:ext>
+              <a:ext uri="{C183D7F6-B498-43B3-948B-1728B52AA6E4}">
+                <adec:decorative xmlns:adec="http://schemas.microsoft.com/office/drawing/2017/decorative" val="1"/>
+              </a:ext>
+            </a:extLst>
+          </p:cNvPr>
+          <p:cNvSpPr>
+            <a:spLocks noGrp="1" noRot="1" noChangeAspect="1" noMove="1" noResize="1" noEditPoints="1" noAdjustHandles="1" noChangeArrowheads="1" noChangeShapeType="1" noTextEdit="1"/>
+          </p:cNvSpPr>
+          <p:nvPr>
+            <p:extLst>
+              <p:ext uri="{386F3935-93C4-4BCD-93E2-E3B085C9AB24}">
+                <p16:designElem xmlns:p16="http://schemas.microsoft.com/office/powerpoint/2015/main" val="1"/>
+              </p:ext>
+            </p:extLst>
+          </p:nvPr>
+        </p:nvSpPr>
+        <p:spPr>
+          <a:xfrm rot="2700000">
+            <a:off x="2700283" y="33283"/>
+            <a:ext cx="6791435" cy="6791435"/>
+          </a:xfrm>
+          <a:custGeom>
+            <a:avLst/>
+            <a:gdLst>
+              <a:gd name="connsiteX0" fmla="*/ 1860938 w 6791435"/>
+              <a:gd name="connsiteY0" fmla="*/ 81158 h 6791435"/>
+              <a:gd name="connsiteX1" fmla="*/ 1942096 w 6791435"/>
+              <a:gd name="connsiteY1" fmla="*/ 0 h 6791435"/>
+              <a:gd name="connsiteX2" fmla="*/ 6791435 w 6791435"/>
+              <a:gd name="connsiteY2" fmla="*/ 0 h 6791435"/>
+              <a:gd name="connsiteX3" fmla="*/ 6791435 w 6791435"/>
+              <a:gd name="connsiteY3" fmla="*/ 4838655 h 6791435"/>
+              <a:gd name="connsiteX4" fmla="*/ 6710277 w 6791435"/>
+              <a:gd name="connsiteY4" fmla="*/ 4919813 h 6791435"/>
+              <a:gd name="connsiteX5" fmla="*/ 6710277 w 6791435"/>
+              <a:gd name="connsiteY5" fmla="*/ 81158 h 6791435"/>
+              <a:gd name="connsiteX6" fmla="*/ 0 w 6791435"/>
+              <a:gd name="connsiteY6" fmla="*/ 1942096 h 6791435"/>
+              <a:gd name="connsiteX7" fmla="*/ 81158 w 6791435"/>
+              <a:gd name="connsiteY7" fmla="*/ 1860938 h 6791435"/>
+              <a:gd name="connsiteX8" fmla="*/ 81158 w 6791435"/>
+              <a:gd name="connsiteY8" fmla="*/ 6710277 h 6791435"/>
+              <a:gd name="connsiteX9" fmla="*/ 4919813 w 6791435"/>
+              <a:gd name="connsiteY9" fmla="*/ 6710277 h 6791435"/>
+              <a:gd name="connsiteX10" fmla="*/ 4838655 w 6791435"/>
+              <a:gd name="connsiteY10" fmla="*/ 6791435 h 6791435"/>
+              <a:gd name="connsiteX11" fmla="*/ 0 w 6791435"/>
+              <a:gd name="connsiteY11" fmla="*/ 6791435 h 6791435"/>
+            </a:gdLst>
+            <a:ahLst/>
+            <a:cxnLst>
+              <a:cxn ang="0">
+                <a:pos x="connsiteX0" y="connsiteY0"/>
+              </a:cxn>
+              <a:cxn ang="0">
+                <a:pos x="connsiteX1" y="connsiteY1"/>
+              </a:cxn>
+              <a:cxn ang="0">
+                <a:pos x="connsiteX2" y="connsiteY2"/>
+              </a:cxn>
+              <a:cxn ang="0">
+                <a:pos x="connsiteX3" y="connsiteY3"/>
+              </a:cxn>
+              <a:cxn ang="0">
+                <a:pos x="connsiteX4" y="connsiteY4"/>
+              </a:cxn>
+              <a:cxn ang="0">
+                <a:pos x="connsiteX5" y="connsiteY5"/>
+              </a:cxn>
+              <a:cxn ang="0">
+                <a:pos x="connsiteX6" y="connsiteY6"/>
+              </a:cxn>
+              <a:cxn ang="0">
+                <a:pos x="connsiteX7" y="connsiteY7"/>
+              </a:cxn>
+              <a:cxn ang="0">
+                <a:pos x="connsiteX8" y="connsiteY8"/>
+              </a:cxn>
+              <a:cxn ang="0">
+                <a:pos x="connsiteX9" y="connsiteY9"/>
+              </a:cxn>
+              <a:cxn ang="0">
+                <a:pos x="connsiteX10" y="connsiteY10"/>
+              </a:cxn>
+              <a:cxn ang="0">
+                <a:pos x="connsiteX11" y="connsiteY11"/>
+              </a:cxn>
+            </a:cxnLst>
+            <a:rect l="l" t="t" r="r" b="b"/>
+            <a:pathLst>
+              <a:path w="6791435" h="6791435">
+                <a:moveTo>
+                  <a:pt x="1860938" y="81158"/>
+                </a:moveTo>
+                <a:lnTo>
+                  <a:pt x="1942096" y="0"/>
+                </a:lnTo>
+                <a:lnTo>
+                  <a:pt x="6791435" y="0"/>
+                </a:lnTo>
+                <a:lnTo>
+                  <a:pt x="6791435" y="4838655"/>
+                </a:lnTo>
+                <a:lnTo>
+                  <a:pt x="6710277" y="4919813"/>
+                </a:lnTo>
+                <a:lnTo>
+                  <a:pt x="6710277" y="81158"/>
+                </a:lnTo>
+                <a:close/>
+                <a:moveTo>
+                  <a:pt x="0" y="1942096"/>
+                </a:moveTo>
+                <a:lnTo>
+                  <a:pt x="81158" y="1860938"/>
+                </a:lnTo>
+                <a:lnTo>
+                  <a:pt x="81158" y="6710277"/>
+                </a:lnTo>
+                <a:lnTo>
+                  <a:pt x="4919813" y="6710277"/>
+                </a:lnTo>
+                <a:lnTo>
+                  <a:pt x="4838655" y="6791435"/>
+                </a:lnTo>
+                <a:lnTo>
+                  <a:pt x="0" y="6791435"/>
+                </a:lnTo>
+                <a:close/>
+              </a:path>
+            </a:pathLst>
+          </a:custGeom>
+          <a:solidFill>
+            <a:srgbClr val="FFFFFF">
+              <a:alpha val="60000"/>
+            </a:srgbClr>
+          </a:solidFill>
+          <a:ln>
+            <a:noFill/>
+          </a:ln>
+        </p:spPr>
+        <p:style>
+          <a:lnRef idx="2">
+            <a:schemeClr val="accent1">
+              <a:shade val="50000"/>
+            </a:schemeClr>
+          </a:lnRef>
+          <a:fillRef idx="1">
+            <a:schemeClr val="accent1"/>
+          </a:fillRef>
+          <a:effectRef idx="0">
+            <a:schemeClr val="accent1"/>
+          </a:effectRef>
+          <a:fontRef idx="minor">
+            <a:schemeClr val="lt1"/>
+          </a:fontRef>
+        </p:style>
+        <p:txBody>
+          <a:bodyPr wrap="square" rtlCol="0" anchor="ctr">
+            <a:noAutofit/>
+          </a:bodyPr>
+          <a:lstStyle/>
+          <a:p>
+            <a:pPr algn="ctr"/>
+            <a:endParaRPr lang="en-US">
+              <a:solidFill>
+                <a:schemeClr val="tx1"/>
+              </a:solidFill>
+            </a:endParaRPr>
+          </a:p>
+        </p:txBody>
+      </p:sp>
+      <p:sp>
+        <p:nvSpPr>
+          <p:cNvPr id="3" name="Subtitle 2">
+            <a:extLst>
+              <a:ext uri="{FF2B5EF4-FFF2-40B4-BE49-F238E27FC236}">
+                <a16:creationId xmlns:a16="http://schemas.microsoft.com/office/drawing/2014/main" id="{9DBB03AE-64C4-430F-9FAD-2760DDBD42BC}"/>
+              </a:ext>
+            </a:extLst>
+          </p:cNvPr>
+          <p:cNvSpPr>
+            <a:spLocks noGrp="1"/>
+          </p:cNvSpPr>
+          <p:nvPr>
+            <p:ph type="subTitle" idx="1"/>
+          </p:nvPr>
+        </p:nvSpPr>
+        <p:spPr>
+          <a:xfrm>
+            <a:off x="4439633" y="4518923"/>
+            <a:ext cx="3312734" cy="1141851"/>
+          </a:xfrm>
+          <a:noFill/>
+        </p:spPr>
         <p:txBody>
           <a:bodyPr>
-            <a:normAutofit fontScale="92500" lnSpcReduction="10000"/>
+            <a:normAutofit/>
           </a:bodyPr>
           <a:lstStyle/>
           <a:p>
             <a:r>
-              <a:rPr lang="en-US" dirty="0"/>
+              <a:rPr lang="en-US" sz="2000">
+                <a:solidFill>
+                  <a:srgbClr val="080808"/>
+                </a:solidFill>
+              </a:rPr>
               <a:t>developed by [Aliasgar – ALI ]</a:t>
             </a:r>
+          </a:p>
+        </p:txBody>
+      </p:sp>
+      <p:sp>
+        <p:nvSpPr>
+          <p:cNvPr id="2" name="Title 1">
+            <a:extLst>
+              <a:ext uri="{FF2B5EF4-FFF2-40B4-BE49-F238E27FC236}">
+                <a16:creationId xmlns:a16="http://schemas.microsoft.com/office/drawing/2014/main" id="{F0A8DF5D-7865-410B-A3DA-C1546E6B8D9B}"/>
+              </a:ext>
+            </a:extLst>
+          </p:cNvPr>
+          <p:cNvSpPr>
+            <a:spLocks noGrp="1"/>
+          </p:cNvSpPr>
+          <p:nvPr>
+            <p:ph type="ctrTitle"/>
+          </p:nvPr>
+        </p:nvSpPr>
+        <p:spPr>
+          <a:xfrm>
+            <a:off x="3204642" y="2353641"/>
+            <a:ext cx="5782716" cy="2150719"/>
+          </a:xfrm>
+          <a:noFill/>
+        </p:spPr>
+        <p:txBody>
+          <a:bodyPr anchor="ctr">
+            <a:normAutofit/>
+          </a:bodyPr>
+          <a:lstStyle/>
+          <a:p>
+            <a:r>
+              <a:rPr lang="en-US" sz="3600">
+                <a:solidFill>
+                  <a:srgbClr val="080808"/>
+                </a:solidFill>
+              </a:rPr>
+              <a:t>facts_generator</a:t>
+            </a:r>
+          </a:p>
+        </p:txBody>
+      </p:sp>
+      <p:sp>
+        <p:nvSpPr>
+          <p:cNvPr id="68" name="Freeform: Shape 67">
+            <a:extLst>
+              <a:ext uri="{FF2B5EF4-FFF2-40B4-BE49-F238E27FC236}">
+                <a16:creationId xmlns:a16="http://schemas.microsoft.com/office/drawing/2014/main" id="{E07981EA-05A6-437C-88D7-B377B92B031D}"/>
+              </a:ext>
+              <a:ext uri="{C183D7F6-B498-43B3-948B-1728B52AA6E4}">
+                <adec:decorative xmlns:adec="http://schemas.microsoft.com/office/drawing/2017/decorative" val="1"/>
+              </a:ext>
+            </a:extLst>
+          </p:cNvPr>
+          <p:cNvSpPr>
+            <a:spLocks noGrp="1" noRot="1" noChangeAspect="1" noMove="1" noResize="1" noEditPoints="1" noAdjustHandles="1" noChangeArrowheads="1" noChangeShapeType="1" noTextEdit="1"/>
+          </p:cNvSpPr>
+          <p:nvPr>
+            <p:extLst>
+              <p:ext uri="{386F3935-93C4-4BCD-93E2-E3B085C9AB24}">
+                <p16:designElem xmlns:p16="http://schemas.microsoft.com/office/powerpoint/2015/main" val="1"/>
+              </p:ext>
+            </p:extLst>
+          </p:nvPr>
+        </p:nvSpPr>
+        <p:spPr>
+          <a:xfrm rot="2700000">
+            <a:off x="9629823" y="5457591"/>
+            <a:ext cx="2231794" cy="2568811"/>
+          </a:xfrm>
+          <a:custGeom>
+            <a:avLst/>
+            <a:gdLst>
+              <a:gd name="connsiteX0" fmla="*/ 0 w 2940086"/>
+              <a:gd name="connsiteY0" fmla="*/ 0 h 3384061"/>
+              <a:gd name="connsiteX1" fmla="*/ 2496112 w 2940086"/>
+              <a:gd name="connsiteY1" fmla="*/ 0 h 3384061"/>
+              <a:gd name="connsiteX2" fmla="*/ 2940086 w 2940086"/>
+              <a:gd name="connsiteY2" fmla="*/ 443975 h 3384061"/>
+              <a:gd name="connsiteX3" fmla="*/ 0 w 2940086"/>
+              <a:gd name="connsiteY3" fmla="*/ 3384061 h 3384061"/>
+            </a:gdLst>
+            <a:ahLst/>
+            <a:cxnLst>
+              <a:cxn ang="0">
+                <a:pos x="connsiteX0" y="connsiteY0"/>
+              </a:cxn>
+              <a:cxn ang="0">
+                <a:pos x="connsiteX1" y="connsiteY1"/>
+              </a:cxn>
+              <a:cxn ang="0">
+                <a:pos x="connsiteX2" y="connsiteY2"/>
+              </a:cxn>
+              <a:cxn ang="0">
+                <a:pos x="connsiteX3" y="connsiteY3"/>
+              </a:cxn>
+            </a:cxnLst>
+            <a:rect l="l" t="t" r="r" b="b"/>
+            <a:pathLst>
+              <a:path w="2940086" h="3384061">
+                <a:moveTo>
+                  <a:pt x="0" y="0"/>
+                </a:moveTo>
+                <a:lnTo>
+                  <a:pt x="2496112" y="0"/>
+                </a:lnTo>
+                <a:lnTo>
+                  <a:pt x="2940086" y="443975"/>
+                </a:lnTo>
+                <a:lnTo>
+                  <a:pt x="0" y="3384061"/>
+                </a:lnTo>
+                <a:close/>
+              </a:path>
+            </a:pathLst>
+          </a:custGeom>
+          <a:solidFill>
+            <a:schemeClr val="accent4">
+              <a:alpha val="40000"/>
+            </a:schemeClr>
+          </a:solidFill>
+          <a:ln>
+            <a:noFill/>
+          </a:ln>
+        </p:spPr>
+        <p:style>
+          <a:lnRef idx="2">
+            <a:schemeClr val="accent1">
+              <a:shade val="50000"/>
+            </a:schemeClr>
+          </a:lnRef>
+          <a:fillRef idx="1">
+            <a:schemeClr val="accent1"/>
+          </a:fillRef>
+          <a:effectRef idx="0">
+            <a:schemeClr val="accent1"/>
+          </a:effectRef>
+          <a:fontRef idx="minor">
+            <a:schemeClr val="lt1"/>
+          </a:fontRef>
+        </p:style>
+        <p:txBody>
+          <a:bodyPr wrap="square" rtlCol="0" anchor="ctr">
+            <a:noAutofit/>
+          </a:bodyPr>
+          <a:lstStyle/>
+          <a:p>
+            <a:pPr algn="ctr"/>
+            <a:endParaRPr lang="en-US"/>
+          </a:p>
+        </p:txBody>
+      </p:sp>
+      <p:sp>
+        <p:nvSpPr>
+          <p:cNvPr id="70" name="Rectangle 69">
+            <a:extLst>
+              <a:ext uri="{FF2B5EF4-FFF2-40B4-BE49-F238E27FC236}">
+                <a16:creationId xmlns:a16="http://schemas.microsoft.com/office/drawing/2014/main" id="{15E3C750-986E-4769-B1AE-49289FBEE757}"/>
+              </a:ext>
+              <a:ext uri="{C183D7F6-B498-43B3-948B-1728B52AA6E4}">
+                <adec:decorative xmlns:adec="http://schemas.microsoft.com/office/drawing/2017/decorative" val="1"/>
+              </a:ext>
+            </a:extLst>
+          </p:cNvPr>
+          <p:cNvSpPr>
+            <a:spLocks noGrp="1" noRot="1" noChangeAspect="1" noMove="1" noResize="1" noEditPoints="1" noAdjustHandles="1" noChangeArrowheads="1" noChangeShapeType="1" noTextEdit="1"/>
+          </p:cNvSpPr>
+          <p:nvPr>
+            <p:extLst>
+              <p:ext uri="{386F3935-93C4-4BCD-93E2-E3B085C9AB24}">
+                <p16:designElem xmlns:p16="http://schemas.microsoft.com/office/powerpoint/2015/main" val="1"/>
+              </p:ext>
+            </p:extLst>
+          </p:nvPr>
+        </p:nvSpPr>
+        <p:spPr>
+          <a:xfrm rot="2700000">
+            <a:off x="9720059" y="5243545"/>
+            <a:ext cx="959985" cy="959985"/>
+          </a:xfrm>
+          <a:prstGeom prst="rect">
+            <a:avLst/>
+          </a:prstGeom>
+          <a:solidFill>
+            <a:schemeClr val="accent4">
+              <a:alpha val="40000"/>
+            </a:schemeClr>
+          </a:solidFill>
+          <a:ln>
+            <a:noFill/>
+          </a:ln>
+        </p:spPr>
+        <p:style>
+          <a:lnRef idx="2">
+            <a:schemeClr val="accent1">
+              <a:shade val="50000"/>
+            </a:schemeClr>
+          </a:lnRef>
+          <a:fillRef idx="1">
+            <a:schemeClr val="accent1"/>
+          </a:fillRef>
+          <a:effectRef idx="0">
+            <a:schemeClr val="accent1"/>
+          </a:effectRef>
+          <a:fontRef idx="minor">
+            <a:schemeClr val="lt1"/>
+          </a:fontRef>
+        </p:style>
+        <p:txBody>
+          <a:bodyPr wrap="square" rtlCol="0" anchor="ctr">
+            <a:noAutofit/>
+          </a:bodyPr>
+          <a:lstStyle/>
+          <a:p>
+            <a:pPr algn="ctr"/>
+            <a:endParaRPr lang="en-US"/>
           </a:p>
         </p:txBody>
       </p:sp>
@@ -3411,6 +4579,14 @@
 <file path=ppt/slides/slide2.xml><?xml version="1.0" encoding="utf-8"?>
 <p:sld xmlns:a="http://schemas.openxmlformats.org/drawingml/2006/main" xmlns:r="http://schemas.openxmlformats.org/officeDocument/2006/relationships" xmlns:p="http://schemas.openxmlformats.org/presentationml/2006/main">
   <p:cSld>
+    <p:bg>
+      <p:bgPr>
+        <a:solidFill>
+          <a:schemeClr val="bg1"/>
+        </a:solidFill>
+        <a:effectLst/>
+      </p:bgPr>
+    </p:bg>
     <p:spTree>
       <p:nvGrpSpPr>
         <p:cNvPr id="1" name=""/>
@@ -3427,138 +4603,105 @@
       </p:grpSpPr>
       <p:sp>
         <p:nvSpPr>
-          <p:cNvPr id="2" name="Title 1">
-            <a:extLst>
-              <a:ext uri="{FF2B5EF4-FFF2-40B4-BE49-F238E27FC236}">
-                <a16:creationId xmlns:a16="http://schemas.microsoft.com/office/drawing/2014/main" id="{60DCE097-91BA-41DB-9D0A-1380F6FA0A25}"/>
-              </a:ext>
-            </a:extLst>
-          </p:cNvPr>
-          <p:cNvSpPr>
-            <a:spLocks noGrp="1"/>
-          </p:cNvSpPr>
-          <p:nvPr>
-            <p:ph type="title"/>
-          </p:nvPr>
-        </p:nvSpPr>
-        <p:spPr/>
-        <p:txBody>
-          <a:bodyPr/>
-          <a:lstStyle/>
-          <a:p>
-            <a:r>
-              <a:rPr lang="en-US" dirty="0"/>
-              <a:t>Install package using</a:t>
-            </a:r>
-          </a:p>
-        </p:txBody>
-      </p:sp>
-      <p:sp>
-        <p:nvSpPr>
-          <p:cNvPr id="3" name="Content Placeholder 2">
-            <a:extLst>
-              <a:ext uri="{FF2B5EF4-FFF2-40B4-BE49-F238E27FC236}">
-                <a16:creationId xmlns:a16="http://schemas.microsoft.com/office/drawing/2014/main" id="{B204BE82-E5BD-4A74-AF61-D905F3D58526}"/>
-              </a:ext>
-            </a:extLst>
-          </p:cNvPr>
-          <p:cNvSpPr>
-            <a:spLocks noGrp="1"/>
-          </p:cNvSpPr>
-          <p:nvPr>
-            <p:ph idx="1"/>
+          <p:cNvPr id="31" name="Rectangle 30">
+            <a:extLst>
+              <a:ext uri="{FF2B5EF4-FFF2-40B4-BE49-F238E27FC236}">
+                <a16:creationId xmlns:a16="http://schemas.microsoft.com/office/drawing/2014/main" id="{2B566528-1B12-4246-9431-5C2D7D081168}"/>
+              </a:ext>
+              <a:ext uri="{C183D7F6-B498-43B3-948B-1728B52AA6E4}">
+                <adec:decorative xmlns:adec="http://schemas.microsoft.com/office/drawing/2017/decorative" val="1"/>
+              </a:ext>
+            </a:extLst>
+          </p:cNvPr>
+          <p:cNvSpPr>
+            <a:spLocks noGrp="1" noRot="1" noChangeAspect="1" noMove="1" noResize="1" noEditPoints="1" noAdjustHandles="1" noChangeArrowheads="1" noChangeShapeType="1" noTextEdit="1"/>
+          </p:cNvSpPr>
+          <p:nvPr>
+            <p:extLst>
+              <p:ext uri="{386F3935-93C4-4BCD-93E2-E3B085C9AB24}">
+                <p16:designElem xmlns:p16="http://schemas.microsoft.com/office/powerpoint/2015/main" val="1"/>
+              </p:ext>
+            </p:extLst>
           </p:nvPr>
         </p:nvSpPr>
         <p:spPr>
           <a:xfrm>
-            <a:off x="838200" y="1339064"/>
-            <a:ext cx="10515600" cy="556848"/>
-          </a:xfrm>
-        </p:spPr>
-        <p:txBody>
-          <a:bodyPr/>
-          <a:lstStyle/>
-          <a:p>
-            <a:r>
-              <a:rPr lang="en-US" dirty="0">
-                <a:solidFill>
-                  <a:schemeClr val="accent1">
-                    <a:lumMod val="75000"/>
-                  </a:schemeClr>
-                </a:solidFill>
-              </a:rPr>
-              <a:t>pip install </a:t>
-            </a:r>
-            <a:r>
-              <a:rPr lang="en-US" dirty="0" err="1">
-                <a:solidFill>
-                  <a:schemeClr val="accent1">
-                    <a:lumMod val="75000"/>
-                  </a:schemeClr>
-                </a:solidFill>
-              </a:rPr>
-              <a:t>facts_generator</a:t>
-            </a:r>
-            <a:endParaRPr lang="en-US" dirty="0">
-              <a:solidFill>
-                <a:schemeClr val="accent1">
-                  <a:lumMod val="75000"/>
-                </a:schemeClr>
-              </a:solidFill>
-            </a:endParaRPr>
-          </a:p>
-        </p:txBody>
-      </p:sp>
-      <p:sp>
-        <p:nvSpPr>
-          <p:cNvPr id="4" name="Title 1">
-            <a:extLst>
-              <a:ext uri="{FF2B5EF4-FFF2-40B4-BE49-F238E27FC236}">
-                <a16:creationId xmlns:a16="http://schemas.microsoft.com/office/drawing/2014/main" id="{C8BEAC69-6C41-4C5E-894C-1AB2D304EA40}"/>
-              </a:ext>
-            </a:extLst>
-          </p:cNvPr>
-          <p:cNvSpPr txBox="1">
-            <a:spLocks/>
-          </p:cNvSpPr>
-          <p:nvPr/>
-        </p:nvSpPr>
-        <p:spPr>
-          <a:xfrm>
-            <a:off x="838200" y="1895912"/>
-            <a:ext cx="10515600" cy="1325563"/>
+            <a:off x="0" y="0"/>
+            <a:ext cx="12192000" cy="6858000"/>
           </a:xfrm>
           <a:prstGeom prst="rect">
             <a:avLst/>
           </a:prstGeom>
+          <a:solidFill>
+            <a:schemeClr val="bg1"/>
+          </a:solidFill>
+          <a:ln>
+            <a:noFill/>
+          </a:ln>
+        </p:spPr>
+        <p:style>
+          <a:lnRef idx="2">
+            <a:schemeClr val="accent1">
+              <a:shade val="50000"/>
+            </a:schemeClr>
+          </a:lnRef>
+          <a:fillRef idx="1">
+            <a:schemeClr val="accent1"/>
+          </a:fillRef>
+          <a:effectRef idx="0">
+            <a:schemeClr val="accent1"/>
+          </a:effectRef>
+          <a:fontRef idx="minor">
+            <a:schemeClr val="lt1"/>
+          </a:fontRef>
+        </p:style>
+        <p:txBody>
+          <a:bodyPr rtlCol="0" anchor="ctr"/>
+          <a:lstStyle/>
+          <a:p>
+            <a:pPr algn="ctr"/>
+            <a:endParaRPr lang="en-US" dirty="0"/>
+          </a:p>
+        </p:txBody>
+      </p:sp>
+      <p:sp>
+        <p:nvSpPr>
+          <p:cNvPr id="2" name="Title 1">
+            <a:extLst>
+              <a:ext uri="{FF2B5EF4-FFF2-40B4-BE49-F238E27FC236}">
+                <a16:creationId xmlns:a16="http://schemas.microsoft.com/office/drawing/2014/main" id="{60DCE097-91BA-41DB-9D0A-1380F6FA0A25}"/>
+              </a:ext>
+            </a:extLst>
+          </p:cNvPr>
+          <p:cNvSpPr>
+            <a:spLocks noGrp="1"/>
+          </p:cNvSpPr>
+          <p:nvPr>
+            <p:ph type="title"/>
+          </p:nvPr>
+        </p:nvSpPr>
+        <p:spPr>
+          <a:xfrm>
+            <a:off x="643467" y="321734"/>
+            <a:ext cx="10905066" cy="1135737"/>
+          </a:xfrm>
         </p:spPr>
         <p:txBody>
           <a:bodyPr vert="horz" lIns="91440" tIns="45720" rIns="91440" bIns="45720" rtlCol="0" anchor="ctr">
             <a:normAutofit/>
           </a:bodyPr>
-          <a:lstStyle>
-            <a:lvl1pPr algn="l" defTabSz="914400" rtl="0" eaLnBrk="1" latinLnBrk="0" hangingPunct="1">
-              <a:lnSpc>
-                <a:spcPct val="90000"/>
-              </a:lnSpc>
-              <a:spcBef>
-                <a:spcPct val="0"/>
-              </a:spcBef>
-              <a:buNone/>
-              <a:defRPr sz="4400" kern="1200">
+          <a:lstStyle/>
+          <a:p>
+            <a:r>
+              <a:rPr lang="en-US" sz="3600" kern="1200">
                 <a:solidFill>
                   <a:schemeClr val="tx1"/>
                 </a:solidFill>
                 <a:latin typeface="+mj-lt"/>
                 <a:ea typeface="+mj-ea"/>
                 <a:cs typeface="+mj-cs"/>
-              </a:defRPr>
-            </a:lvl1pPr>
-          </a:lstStyle>
-          <a:p>
-            <a:r>
-              <a:rPr lang="en-US" dirty="0"/>
-              <a:t>Requirements</a:t>
+              </a:rPr>
+              <a:t>Install guide and Requirements</a:t>
             </a:r>
           </a:p>
         </p:txBody>
@@ -3579,8 +4722,8 @@
         </p:nvSpPr>
         <p:spPr>
           <a:xfrm>
-            <a:off x="827015" y="2798748"/>
-            <a:ext cx="10515600" cy="556848"/>
+            <a:off x="643467" y="1782981"/>
+            <a:ext cx="10905066" cy="4393982"/>
           </a:xfrm>
           <a:prstGeom prst="rect">
             <a:avLst/>
@@ -3588,7 +4731,7 @@
         </p:spPr>
         <p:txBody>
           <a:bodyPr vert="horz" lIns="91440" tIns="45720" rIns="91440" bIns="45720" rtlCol="0">
-            <a:normAutofit fontScale="55000" lnSpcReduction="20000"/>
+            <a:normAutofit/>
           </a:bodyPr>
           <a:lstStyle>
             <a:lvl1pPr marL="228600" indent="-228600" algn="l" defTabSz="914400" rtl="0" eaLnBrk="1" latinLnBrk="0" hangingPunct="1">
@@ -3756,54 +4899,319 @@
           </a:lstStyle>
           <a:p>
             <a:r>
-              <a:rPr lang="en-US" dirty="0">
-                <a:solidFill>
-                  <a:schemeClr val="accent1">
-                    <a:lumMod val="75000"/>
-                  </a:schemeClr>
-                </a:solidFill>
-              </a:rPr>
-              <a:t>pandas and it’s </a:t>
-            </a:r>
-            <a:r>
-              <a:rPr lang="en-US" dirty="0" err="1">
-                <a:solidFill>
-                  <a:schemeClr val="accent1">
-                    <a:lumMod val="75000"/>
-                  </a:schemeClr>
-                </a:solidFill>
-              </a:rPr>
-              <a:t>dependant</a:t>
-            </a:r>
-            <a:r>
-              <a:rPr lang="en-US" dirty="0">
-                <a:solidFill>
-                  <a:schemeClr val="accent1">
-                    <a:lumMod val="75000"/>
-                  </a:schemeClr>
-                </a:solidFill>
-              </a:rPr>
-              <a:t> packages</a:t>
-            </a:r>
-          </a:p>
-          <a:p>
-            <a:r>
-              <a:rPr lang="en-US" dirty="0" err="1">
-                <a:solidFill>
-                  <a:schemeClr val="accent1">
-                    <a:lumMod val="75000"/>
-                  </a:schemeClr>
-                </a:solidFill>
-              </a:rPr>
+              <a:rPr lang="en-US" sz="2000" dirty="0"/>
+              <a:t>Install</a:t>
+            </a:r>
+          </a:p>
+          <a:p>
+            <a:pPr marL="0" lvl="1" indent="0">
+              <a:buNone/>
+            </a:pPr>
+            <a:r>
+              <a:rPr lang="en-US" sz="2000" dirty="0"/>
+              <a:t>	pip install </a:t>
+            </a:r>
+            <a:r>
+              <a:rPr lang="en-US" sz="2000" dirty="0" err="1"/>
+              <a:t>facts_generator</a:t>
+            </a:r>
+            <a:endParaRPr lang="en-US" sz="2000" dirty="0"/>
+          </a:p>
+          <a:p>
+            <a:endParaRPr lang="en-US" sz="2000" dirty="0"/>
+          </a:p>
+          <a:p>
+            <a:r>
+              <a:rPr lang="en-US" sz="2000" dirty="0"/>
+              <a:t>Requirements</a:t>
+            </a:r>
+          </a:p>
+          <a:p>
+            <a:pPr marL="457200" lvl="2" indent="0">
+              <a:buNone/>
+            </a:pPr>
+            <a:r>
+              <a:rPr lang="en-US" dirty="0"/>
+              <a:t>pandas and it’s dependent packages</a:t>
+            </a:r>
+          </a:p>
+          <a:p>
+            <a:pPr marL="457200" lvl="2" indent="0">
+              <a:buNone/>
+            </a:pPr>
+            <a:r>
+              <a:rPr lang="en-US" dirty="0" err="1"/>
               <a:t>nettoolkit</a:t>
             </a:r>
-            <a:endParaRPr lang="en-US" dirty="0">
-              <a:solidFill>
-                <a:schemeClr val="accent1">
-                  <a:lumMod val="75000"/>
-                </a:schemeClr>
-              </a:solidFill>
-            </a:endParaRPr>
+            <a:endParaRPr lang="en-US" dirty="0"/>
+          </a:p>
+        </p:txBody>
+      </p:sp>
+      <p:sp>
+        <p:nvSpPr>
+          <p:cNvPr id="33" name="Rectangle 32">
+            <a:extLst>
+              <a:ext uri="{FF2B5EF4-FFF2-40B4-BE49-F238E27FC236}">
+                <a16:creationId xmlns:a16="http://schemas.microsoft.com/office/drawing/2014/main" id="{2E80C965-DB6D-4F81-9E9E-B027384D0BD6}"/>
+              </a:ext>
+              <a:ext uri="{C183D7F6-B498-43B3-948B-1728B52AA6E4}">
+                <adec:decorative xmlns:adec="http://schemas.microsoft.com/office/drawing/2017/decorative" val="1"/>
+              </a:ext>
+            </a:extLst>
+          </p:cNvPr>
+          <p:cNvSpPr>
+            <a:spLocks noGrp="1" noRot="1" noChangeAspect="1" noMove="1" noResize="1" noEditPoints="1" noAdjustHandles="1" noChangeArrowheads="1" noChangeShapeType="1" noTextEdit="1"/>
+          </p:cNvSpPr>
+          <p:nvPr>
+            <p:extLst>
+              <p:ext uri="{386F3935-93C4-4BCD-93E2-E3B085C9AB24}">
+                <p16:designElem xmlns:p16="http://schemas.microsoft.com/office/powerpoint/2015/main" val="1"/>
+              </p:ext>
+            </p:extLst>
+          </p:nvPr>
+        </p:nvSpPr>
+        <p:spPr>
+          <a:xfrm rot="2700000">
+            <a:off x="11052629" y="2120024"/>
+            <a:ext cx="645368" cy="645368"/>
+          </a:xfrm>
+          <a:prstGeom prst="rect">
+            <a:avLst/>
+          </a:prstGeom>
+          <a:solidFill>
+            <a:schemeClr val="accent4">
+              <a:alpha val="30000"/>
+            </a:schemeClr>
+          </a:solidFill>
+          <a:ln>
+            <a:noFill/>
+          </a:ln>
+        </p:spPr>
+        <p:style>
+          <a:lnRef idx="2">
+            <a:schemeClr val="accent1">
+              <a:shade val="50000"/>
+            </a:schemeClr>
+          </a:lnRef>
+          <a:fillRef idx="1">
+            <a:schemeClr val="accent1"/>
+          </a:fillRef>
+          <a:effectRef idx="0">
+            <a:schemeClr val="accent1"/>
+          </a:effectRef>
+          <a:fontRef idx="minor">
+            <a:schemeClr val="lt1"/>
+          </a:fontRef>
+        </p:style>
+        <p:txBody>
+          <a:bodyPr rtlCol="0" anchor="ctr"/>
+          <a:lstStyle/>
+          <a:p>
+            <a:pPr algn="ctr"/>
+            <a:endParaRPr lang="en-US"/>
+          </a:p>
+        </p:txBody>
+      </p:sp>
+      <p:sp>
+        <p:nvSpPr>
+          <p:cNvPr id="35" name="Isosceles Triangle 34">
+            <a:extLst>
+              <a:ext uri="{FF2B5EF4-FFF2-40B4-BE49-F238E27FC236}">
+                <a16:creationId xmlns:a16="http://schemas.microsoft.com/office/drawing/2014/main" id="{A580F890-B085-4E95-96AA-55AEBEC5CE6E}"/>
+              </a:ext>
+              <a:ext uri="{C183D7F6-B498-43B3-948B-1728B52AA6E4}">
+                <adec:decorative xmlns:adec="http://schemas.microsoft.com/office/drawing/2017/decorative" val="1"/>
+              </a:ext>
+            </a:extLst>
+          </p:cNvPr>
+          <p:cNvSpPr>
+            <a:spLocks noGrp="1" noRot="1" noChangeAspect="1" noMove="1" noResize="1" noEditPoints="1" noAdjustHandles="1" noChangeArrowheads="1" noChangeShapeType="1" noTextEdit="1"/>
+          </p:cNvSpPr>
+          <p:nvPr>
+            <p:extLst>
+              <p:ext uri="{386F3935-93C4-4BCD-93E2-E3B085C9AB24}">
+                <p16:designElem xmlns:p16="http://schemas.microsoft.com/office/powerpoint/2015/main" val="1"/>
+              </p:ext>
+            </p:extLst>
+          </p:nvPr>
+        </p:nvSpPr>
+        <p:spPr>
+          <a:xfrm rot="16200000">
+            <a:off x="10289068" y="1343027"/>
+            <a:ext cx="2532832" cy="1273032"/>
+          </a:xfrm>
+          <a:prstGeom prst="triangle">
+            <a:avLst>
+              <a:gd name="adj" fmla="val 50000"/>
+            </a:avLst>
+          </a:prstGeom>
+          <a:solidFill>
+            <a:schemeClr val="accent4">
+              <a:alpha val="30000"/>
+            </a:schemeClr>
+          </a:solidFill>
+          <a:ln>
+            <a:noFill/>
+          </a:ln>
+        </p:spPr>
+        <p:style>
+          <a:lnRef idx="2">
+            <a:schemeClr val="accent1">
+              <a:shade val="50000"/>
+            </a:schemeClr>
+          </a:lnRef>
+          <a:fillRef idx="1">
+            <a:schemeClr val="accent1"/>
+          </a:fillRef>
+          <a:effectRef idx="0">
+            <a:schemeClr val="accent1"/>
+          </a:effectRef>
+          <a:fontRef idx="minor">
+            <a:schemeClr val="lt1"/>
+          </a:fontRef>
+        </p:style>
+        <p:txBody>
+          <a:bodyPr rtlCol="0" anchor="ctr"/>
+          <a:lstStyle/>
+          <a:p>
+            <a:pPr algn="ctr"/>
+            <a:endParaRPr lang="en-US"/>
+          </a:p>
+        </p:txBody>
+      </p:sp>
+      <p:sp>
+        <p:nvSpPr>
+          <p:cNvPr id="37" name="Isosceles Triangle 36">
+            <a:extLst>
+              <a:ext uri="{FF2B5EF4-FFF2-40B4-BE49-F238E27FC236}">
+                <a16:creationId xmlns:a16="http://schemas.microsoft.com/office/drawing/2014/main" id="{D3F51FEB-38FB-4F6C-9F7B-2F2AFAB65463}"/>
+              </a:ext>
+              <a:ext uri="{C183D7F6-B498-43B3-948B-1728B52AA6E4}">
+                <adec:decorative xmlns:adec="http://schemas.microsoft.com/office/drawing/2017/decorative" val="1"/>
+              </a:ext>
+            </a:extLst>
+          </p:cNvPr>
+          <p:cNvSpPr>
+            <a:spLocks noGrp="1" noRot="1" noChangeAspect="1" noMove="1" noResize="1" noEditPoints="1" noAdjustHandles="1" noChangeArrowheads="1" noChangeShapeType="1" noTextEdit="1"/>
+          </p:cNvSpPr>
+          <p:nvPr>
+            <p:extLst>
+              <p:ext uri="{386F3935-93C4-4BCD-93E2-E3B085C9AB24}">
+                <p16:designElem xmlns:p16="http://schemas.microsoft.com/office/powerpoint/2015/main" val="1"/>
+              </p:ext>
+            </p:extLst>
+          </p:nvPr>
+        </p:nvSpPr>
+        <p:spPr>
+          <a:xfrm rot="5400000">
+            <a:off x="-501760" y="5103257"/>
+            <a:ext cx="2017580" cy="1014060"/>
+          </a:xfrm>
+          <a:prstGeom prst="triangle">
+            <a:avLst>
+              <a:gd name="adj" fmla="val 50000"/>
+            </a:avLst>
+          </a:prstGeom>
+          <a:solidFill>
+            <a:schemeClr val="accent1">
+              <a:alpha val="30000"/>
+            </a:schemeClr>
+          </a:solidFill>
+          <a:ln>
+            <a:noFill/>
+          </a:ln>
+        </p:spPr>
+        <p:style>
+          <a:lnRef idx="2">
+            <a:schemeClr val="accent1">
+              <a:shade val="50000"/>
+            </a:schemeClr>
+          </a:lnRef>
+          <a:fillRef idx="1">
+            <a:schemeClr val="accent1"/>
+          </a:fillRef>
+          <a:effectRef idx="0">
+            <a:schemeClr val="accent1"/>
+          </a:effectRef>
+          <a:fontRef idx="minor">
+            <a:schemeClr val="lt1"/>
+          </a:fontRef>
+        </p:style>
+        <p:txBody>
+          <a:bodyPr wrap="square" rtlCol="0" anchor="ctr">
+            <a:noAutofit/>
+          </a:bodyPr>
+          <a:lstStyle/>
+          <a:p>
+            <a:pPr algn="ctr"/>
+            <a:endParaRPr lang="en-US"/>
+          </a:p>
+        </p:txBody>
+      </p:sp>
+      <p:sp>
+        <p:nvSpPr>
+          <p:cNvPr id="39" name="Rectangle 38">
+            <a:extLst>
+              <a:ext uri="{FF2B5EF4-FFF2-40B4-BE49-F238E27FC236}">
+                <a16:creationId xmlns:a16="http://schemas.microsoft.com/office/drawing/2014/main" id="{1E547BA6-BAE0-43BB-A7CA-60F69CE252F0}"/>
+              </a:ext>
+              <a:ext uri="{C183D7F6-B498-43B3-948B-1728B52AA6E4}">
+                <adec:decorative xmlns:adec="http://schemas.microsoft.com/office/drawing/2017/decorative" val="1"/>
+              </a:ext>
+            </a:extLst>
+          </p:cNvPr>
+          <p:cNvSpPr>
+            <a:spLocks noGrp="1" noRot="1" noChangeAspect="1" noMove="1" noResize="1" noEditPoints="1" noAdjustHandles="1" noChangeArrowheads="1" noChangeShapeType="1" noTextEdit="1"/>
+          </p:cNvSpPr>
+          <p:nvPr>
+            <p:extLst>
+              <p:ext uri="{386F3935-93C4-4BCD-93E2-E3B085C9AB24}">
+                <p16:designElem xmlns:p16="http://schemas.microsoft.com/office/powerpoint/2015/main" val="1"/>
+              </p:ext>
+            </p:extLst>
+          </p:nvPr>
+        </p:nvSpPr>
+        <p:spPr>
+          <a:xfrm rot="2700000">
+            <a:off x="427916" y="5728708"/>
+            <a:ext cx="485578" cy="485578"/>
+          </a:xfrm>
+          <a:prstGeom prst="rect">
+            <a:avLst/>
+          </a:prstGeom>
+          <a:solidFill>
+            <a:schemeClr val="accent1">
+              <a:alpha val="30000"/>
+            </a:schemeClr>
+          </a:solidFill>
+          <a:ln>
+            <a:noFill/>
+          </a:ln>
+        </p:spPr>
+        <p:style>
+          <a:lnRef idx="2">
+            <a:schemeClr val="accent1">
+              <a:shade val="50000"/>
+            </a:schemeClr>
+          </a:lnRef>
+          <a:fillRef idx="1">
+            <a:schemeClr val="accent1"/>
+          </a:fillRef>
+          <a:effectRef idx="0">
+            <a:schemeClr val="accent1"/>
+          </a:effectRef>
+          <a:fontRef idx="minor">
+            <a:schemeClr val="lt1"/>
+          </a:fontRef>
+        </p:style>
+        <p:txBody>
+          <a:bodyPr wrap="square" rtlCol="0" anchor="ctr">
+            <a:noAutofit/>
+          </a:bodyPr>
+          <a:lstStyle/>
+          <a:p>
+            <a:pPr algn="ctr"/>
+            <a:endParaRPr lang="en-US"/>
           </a:p>
         </p:txBody>
       </p:sp>
@@ -3823,6 +5231,14 @@
 <file path=ppt/slides/slide3.xml><?xml version="1.0" encoding="utf-8"?>
 <p:sld xmlns:a="http://schemas.openxmlformats.org/drawingml/2006/main" xmlns:r="http://schemas.openxmlformats.org/officeDocument/2006/relationships" xmlns:p="http://schemas.openxmlformats.org/presentationml/2006/main">
   <p:cSld>
+    <p:bg>
+      <p:bgPr>
+        <a:solidFill>
+          <a:schemeClr val="bg1"/>
+        </a:solidFill>
+        <a:effectLst/>
+      </p:bgPr>
+    </p:bg>
     <p:spTree>
       <p:nvGrpSpPr>
         <p:cNvPr id="1" name=""/>
@@ -3839,62 +5255,132 @@
       </p:grpSpPr>
       <p:sp>
         <p:nvSpPr>
-          <p:cNvPr id="2" name="Title 1">
-            <a:extLst>
-              <a:ext uri="{FF2B5EF4-FFF2-40B4-BE49-F238E27FC236}">
-                <a16:creationId xmlns:a16="http://schemas.microsoft.com/office/drawing/2014/main" id="{5016E772-CEE5-4684-AC41-A8E0FFCC47FE}"/>
-              </a:ext>
-            </a:extLst>
-          </p:cNvPr>
-          <p:cNvSpPr>
-            <a:spLocks noGrp="1"/>
-          </p:cNvSpPr>
-          <p:nvPr>
-            <p:ph type="title"/>
-          </p:nvPr>
-        </p:nvSpPr>
-        <p:spPr/>
-        <p:txBody>
-          <a:bodyPr/>
-          <a:lstStyle/>
-          <a:p>
-            <a:r>
-              <a:rPr lang="en-US" dirty="0"/>
-              <a:t>Facts File Generation</a:t>
-            </a:r>
-          </a:p>
-        </p:txBody>
-      </p:sp>
-      <p:sp>
-        <p:nvSpPr>
-          <p:cNvPr id="3" name="Content Placeholder 2">
-            <a:extLst>
-              <a:ext uri="{FF2B5EF4-FFF2-40B4-BE49-F238E27FC236}">
-                <a16:creationId xmlns:a16="http://schemas.microsoft.com/office/drawing/2014/main" id="{B0676D5E-CE40-4058-A696-C75940FF8CF5}"/>
-              </a:ext>
-            </a:extLst>
-          </p:cNvPr>
-          <p:cNvSpPr>
-            <a:spLocks noGrp="1"/>
-          </p:cNvSpPr>
-          <p:nvPr>
-            <p:ph idx="1"/>
+          <p:cNvPr id="29" name="Rectangle 28">
+            <a:extLst>
+              <a:ext uri="{FF2B5EF4-FFF2-40B4-BE49-F238E27FC236}">
+                <a16:creationId xmlns:a16="http://schemas.microsoft.com/office/drawing/2014/main" id="{2B566528-1B12-4246-9431-5C2D7D081168}"/>
+              </a:ext>
+              <a:ext uri="{C183D7F6-B498-43B3-948B-1728B52AA6E4}">
+                <adec:decorative xmlns:adec="http://schemas.microsoft.com/office/drawing/2017/decorative" val="1"/>
+              </a:ext>
+            </a:extLst>
+          </p:cNvPr>
+          <p:cNvSpPr>
+            <a:spLocks noGrp="1" noRot="1" noChangeAspect="1" noMove="1" noResize="1" noEditPoints="1" noAdjustHandles="1" noChangeArrowheads="1" noChangeShapeType="1" noTextEdit="1"/>
+          </p:cNvSpPr>
+          <p:nvPr>
+            <p:extLst>
+              <p:ext uri="{386F3935-93C4-4BCD-93E2-E3B085C9AB24}">
+                <p16:designElem xmlns:p16="http://schemas.microsoft.com/office/powerpoint/2015/main" val="1"/>
+              </p:ext>
+            </p:extLst>
           </p:nvPr>
         </p:nvSpPr>
         <p:spPr>
           <a:xfrm>
-            <a:off x="838200" y="1825625"/>
-            <a:ext cx="10515600" cy="4583564"/>
+            <a:off x="0" y="0"/>
+            <a:ext cx="12192000" cy="6858000"/>
+          </a:xfrm>
+          <a:prstGeom prst="rect">
+            <a:avLst/>
+          </a:prstGeom>
+          <a:solidFill>
+            <a:schemeClr val="bg1"/>
+          </a:solidFill>
+          <a:ln>
+            <a:noFill/>
+          </a:ln>
+        </p:spPr>
+        <p:style>
+          <a:lnRef idx="2">
+            <a:schemeClr val="accent1">
+              <a:shade val="50000"/>
+            </a:schemeClr>
+          </a:lnRef>
+          <a:fillRef idx="1">
+            <a:schemeClr val="accent1"/>
+          </a:fillRef>
+          <a:effectRef idx="0">
+            <a:schemeClr val="accent1"/>
+          </a:effectRef>
+          <a:fontRef idx="minor">
+            <a:schemeClr val="lt1"/>
+          </a:fontRef>
+        </p:style>
+        <p:txBody>
+          <a:bodyPr rtlCol="0" anchor="ctr"/>
+          <a:lstStyle/>
+          <a:p>
+            <a:pPr algn="ctr"/>
+            <a:endParaRPr lang="en-US" dirty="0"/>
+          </a:p>
+        </p:txBody>
+      </p:sp>
+      <p:sp>
+        <p:nvSpPr>
+          <p:cNvPr id="2" name="Title 1">
+            <a:extLst>
+              <a:ext uri="{FF2B5EF4-FFF2-40B4-BE49-F238E27FC236}">
+                <a16:creationId xmlns:a16="http://schemas.microsoft.com/office/drawing/2014/main" id="{5016E772-CEE5-4684-AC41-A8E0FFCC47FE}"/>
+              </a:ext>
+            </a:extLst>
+          </p:cNvPr>
+          <p:cNvSpPr>
+            <a:spLocks noGrp="1"/>
+          </p:cNvSpPr>
+          <p:nvPr>
+            <p:ph type="title"/>
+          </p:nvPr>
+        </p:nvSpPr>
+        <p:spPr>
+          <a:xfrm>
+            <a:off x="643467" y="321734"/>
+            <a:ext cx="10905066" cy="1135737"/>
           </a:xfrm>
         </p:spPr>
         <p:txBody>
           <a:bodyPr>
-            <a:normAutofit fontScale="62500" lnSpcReduction="20000"/>
+            <a:normAutofit/>
           </a:bodyPr>
           <a:lstStyle/>
           <a:p>
             <a:r>
-              <a:rPr lang="en-US" dirty="0"/>
+              <a:rPr lang="en-US" sz="3600"/>
+              <a:t>Facts File Generation</a:t>
+            </a:r>
+          </a:p>
+        </p:txBody>
+      </p:sp>
+      <p:sp>
+        <p:nvSpPr>
+          <p:cNvPr id="3" name="Content Placeholder 2">
+            <a:extLst>
+              <a:ext uri="{FF2B5EF4-FFF2-40B4-BE49-F238E27FC236}">
+                <a16:creationId xmlns:a16="http://schemas.microsoft.com/office/drawing/2014/main" id="{B0676D5E-CE40-4058-A696-C75940FF8CF5}"/>
+              </a:ext>
+            </a:extLst>
+          </p:cNvPr>
+          <p:cNvSpPr>
+            <a:spLocks noGrp="1"/>
+          </p:cNvSpPr>
+          <p:nvPr>
+            <p:ph idx="1"/>
+          </p:nvPr>
+        </p:nvSpPr>
+        <p:spPr>
+          <a:xfrm>
+            <a:off x="643467" y="1333335"/>
+            <a:ext cx="10905066" cy="5533053"/>
+          </a:xfrm>
+        </p:spPr>
+        <p:txBody>
+          <a:bodyPr>
+            <a:normAutofit/>
+          </a:bodyPr>
+          <a:lstStyle/>
+          <a:p>
+            <a:r>
+              <a:rPr lang="en-US" sz="1100" b="1" u="sng" dirty="0"/>
               <a:t>Usage Guidelines</a:t>
             </a:r>
           </a:p>
@@ -3903,61 +5389,27 @@
               <a:buNone/>
             </a:pPr>
             <a:r>
-              <a:rPr lang="en-US" sz="1600" dirty="0">
-                <a:solidFill>
-                  <a:schemeClr val="accent5">
-                    <a:lumMod val="75000"/>
-                  </a:schemeClr>
-                </a:solidFill>
-              </a:rPr>
+              <a:rPr lang="en-US" sz="1100" dirty="0"/>
               <a:t>&gt;&gt;&gt; from </a:t>
             </a:r>
             <a:r>
-              <a:rPr lang="en-US" sz="1600" dirty="0" err="1">
-                <a:solidFill>
-                  <a:schemeClr val="accent5">
-                    <a:lumMod val="75000"/>
-                  </a:schemeClr>
-                </a:solidFill>
-              </a:rPr>
+              <a:rPr lang="en-US" sz="1100" dirty="0" err="1"/>
               <a:t>facts_generator</a:t>
             </a:r>
             <a:r>
-              <a:rPr lang="en-US" sz="1600" dirty="0">
-                <a:solidFill>
-                  <a:schemeClr val="accent5">
-                    <a:lumMod val="75000"/>
-                  </a:schemeClr>
-                </a:solidFill>
-              </a:rPr>
+              <a:rPr lang="en-US" sz="1100" dirty="0"/>
               <a:t> import </a:t>
             </a:r>
             <a:r>
-              <a:rPr lang="en-US" sz="1600" dirty="0" err="1">
-                <a:solidFill>
-                  <a:schemeClr val="accent5">
-                    <a:lumMod val="75000"/>
-                  </a:schemeClr>
-                </a:solidFill>
-              </a:rPr>
+              <a:rPr lang="en-US" sz="1100" dirty="0" err="1"/>
               <a:t>facts_gen</a:t>
             </a:r>
             <a:r>
-              <a:rPr lang="en-US" sz="1600" dirty="0">
-                <a:solidFill>
-                  <a:schemeClr val="accent5">
-                    <a:lumMod val="75000"/>
-                  </a:schemeClr>
-                </a:solidFill>
-              </a:rPr>
+              <a:rPr lang="en-US" sz="1100" dirty="0"/>
               <a:t>                                                    </a:t>
             </a:r>
             <a:r>
-              <a:rPr lang="en-US" sz="1600" dirty="0">
-                <a:solidFill>
-                  <a:srgbClr val="00B050"/>
-                </a:solidFill>
-              </a:rPr>
+              <a:rPr lang="en-US" sz="1100" b="1" dirty="0"/>
               <a:t># import </a:t>
             </a:r>
           </a:p>
@@ -3966,22 +5418,8 @@
               <a:buNone/>
             </a:pPr>
             <a:r>
-              <a:rPr lang="en-US" sz="1600" dirty="0">
-                <a:solidFill>
-                  <a:schemeClr val="accent5">
-                    <a:lumMod val="75000"/>
-                  </a:schemeClr>
-                </a:solidFill>
-              </a:rPr>
-              <a:t>&gt;&gt;&gt; sh_run1 = "capture/running.log“                                                               </a:t>
-            </a:r>
-            <a:r>
-              <a:rPr lang="en-US" sz="1600" dirty="0">
-                <a:solidFill>
-                  <a:srgbClr val="00B050"/>
-                </a:solidFill>
-              </a:rPr>
-              <a:t># Capture Files with path</a:t>
+              <a:rPr lang="en-US" sz="1100" dirty="0"/>
+              <a:t>&gt;&gt;&gt; ###################### SET CAPTURE FILES FOR EACH DEVICE(S) ##############################</a:t>
             </a:r>
           </a:p>
           <a:p>
@@ -3989,14 +5427,12 @@
               <a:buNone/>
             </a:pPr>
             <a:r>
-              <a:rPr lang="en-US" sz="1600" dirty="0">
-                <a:solidFill>
-                  <a:schemeClr val="accent5">
-                    <a:lumMod val="75000"/>
-                  </a:schemeClr>
-                </a:solidFill>
-              </a:rPr>
-              <a:t>&gt;&gt;&gt; sh_int_status1 = "capture/int_status.log"</a:t>
+              <a:rPr lang="en-US" sz="1100" dirty="0"/>
+              <a:t>&gt;&gt;&gt; sh_run1 = "capture/sh_run.log“                                                               </a:t>
+            </a:r>
+            <a:r>
+              <a:rPr lang="en-US" sz="1100" b="1" dirty="0"/>
+              <a:t># Capture Files with path ( DEVICE1 : CISCO )</a:t>
             </a:r>
           </a:p>
           <a:p>
@@ -4004,14 +5440,8 @@
               <a:buNone/>
             </a:pPr>
             <a:r>
-              <a:rPr lang="en-US" sz="1600" dirty="0">
-                <a:solidFill>
-                  <a:schemeClr val="accent5">
-                    <a:lumMod val="75000"/>
-                  </a:schemeClr>
-                </a:solidFill>
-              </a:rPr>
-              <a:t>&gt;&gt;&gt; sh_lldp_nei1 = "capture/lldp_neigh.log"</a:t>
+              <a:rPr lang="en-US" sz="1100" dirty="0"/>
+              <a:t>&gt;&gt;&gt; sh_int1 = "capture/sh_int_status.log"</a:t>
             </a:r>
           </a:p>
           <a:p>
@@ -4019,44 +5449,38 @@
               <a:buNone/>
             </a:pPr>
             <a:r>
-              <a:rPr lang="en-US" sz="1600" dirty="0">
-                <a:solidFill>
-                  <a:schemeClr val="accent5">
-                    <a:lumMod val="75000"/>
-                  </a:schemeClr>
-                </a:solidFill>
-              </a:rPr>
+              <a:rPr lang="en-US" sz="1100" dirty="0"/>
+              <a:t>&gt;&gt;&gt; sh_lldp1 = "capture/sh_lldp_neigh.log"</a:t>
+            </a:r>
+          </a:p>
+          <a:p>
+            <a:pPr marL="457200" lvl="1" indent="0">
+              <a:buNone/>
+            </a:pPr>
+            <a:r>
+              <a:rPr lang="en-US" sz="1100" dirty="0"/>
               <a:t>&gt;&gt;&gt; cisco_swich_1 = {                                                                                          </a:t>
             </a:r>
             <a:r>
-              <a:rPr lang="en-US" sz="1600" dirty="0">
-                <a:solidFill>
-                  <a:srgbClr val="00B050"/>
-                </a:solidFill>
-              </a:rPr>
+              <a:rPr lang="en-US" sz="1100" b="1" dirty="0"/>
               <a:t># Reference Capture Files in a dictionary ( key strings should be provided as mentioned here ) </a:t>
             </a:r>
-            <a:endParaRPr lang="en-US" sz="1600" dirty="0">
-              <a:solidFill>
-                <a:schemeClr val="accent5">
-                  <a:lumMod val="75000"/>
-                </a:schemeClr>
-              </a:solidFill>
-            </a:endParaRPr>
           </a:p>
           <a:p>
             <a:pPr marL="457200" lvl="1" indent="0">
               <a:buNone/>
             </a:pPr>
             <a:r>
-              <a:rPr lang="en-US" sz="1600" dirty="0">
-                <a:solidFill>
-                  <a:schemeClr val="accent5">
-                    <a:lumMod val="75000"/>
-                  </a:schemeClr>
-                </a:solidFill>
-              </a:rPr>
-              <a:t>	'config': sh_run1,</a:t>
+              <a:rPr lang="en-US" sz="1100" dirty="0"/>
+              <a:t>	'config': </a:t>
+            </a:r>
+            <a:r>
+              <a:rPr lang="en-US" sz="1100" dirty="0" err="1"/>
+              <a:t>sh_run</a:t>
+            </a:r>
+            <a:r>
+              <a:rPr lang="en-US" sz="1100" dirty="0"/>
+              <a:t>,</a:t>
             </a:r>
           </a:p>
           <a:p>
@@ -4064,14 +5488,16 @@
               <a:buNone/>
             </a:pPr>
             <a:r>
-              <a:rPr lang="en-US" sz="1600" dirty="0">
-                <a:solidFill>
-                  <a:schemeClr val="accent5">
-                    <a:lumMod val="75000"/>
-                  </a:schemeClr>
-                </a:solidFill>
-              </a:rPr>
-              <a:t>	'interfaces': sh_int_status1,</a:t>
+              <a:rPr lang="en-US" sz="1100" dirty="0"/>
+              <a:t>	'interfaces': </a:t>
+            </a:r>
+            <a:r>
+              <a:rPr lang="en-US" sz="1100" dirty="0" err="1"/>
+              <a:t>sh_int_status</a:t>
+            </a:r>
+            <a:r>
+              <a:rPr lang="en-US" sz="1100" dirty="0"/>
+              <a:t>,</a:t>
             </a:r>
           </a:p>
           <a:p>
@@ -4079,34 +5505,24 @@
               <a:buNone/>
             </a:pPr>
             <a:r>
-              <a:rPr lang="en-US" sz="1600" dirty="0">
-                <a:solidFill>
-                  <a:schemeClr val="accent5">
-                    <a:lumMod val="75000"/>
-                  </a:schemeClr>
-                </a:solidFill>
-              </a:rPr>
+              <a:rPr lang="en-US" sz="1100" dirty="0"/>
               <a:t>	'</a:t>
             </a:r>
             <a:r>
-              <a:rPr lang="en-US" sz="1600" dirty="0" err="1">
-                <a:solidFill>
-                  <a:schemeClr val="accent5">
-                    <a:lumMod val="75000"/>
-                  </a:schemeClr>
-                </a:solidFill>
-              </a:rPr>
+              <a:rPr lang="en-US" sz="1100" dirty="0" err="1"/>
               <a:t>neighbour</a:t>
             </a:r>
             <a:r>
-              <a:rPr lang="en-US" sz="1600" dirty="0">
-                <a:solidFill>
-                  <a:schemeClr val="accent5">
-                    <a:lumMod val="75000"/>
-                  </a:schemeClr>
-                </a:solidFill>
-              </a:rPr>
-              <a:t>': sh_lldp_nei1,</a:t>
+              <a:rPr lang="en-US" sz="1100" dirty="0"/>
+              <a:t>': </a:t>
+            </a:r>
+            <a:r>
+              <a:rPr lang="en-US" sz="1100" dirty="0" err="1"/>
+              <a:t>sh_lldp_neigh</a:t>
+            </a:r>
+            <a:r>
+              <a:rPr lang="en-US" sz="1100" dirty="0"/>
+              <a:t>,</a:t>
             </a:r>
           </a:p>
           <a:p>
@@ -4114,13 +5530,7 @@
               <a:buNone/>
             </a:pPr>
             <a:r>
-              <a:rPr lang="en-US" sz="1600" dirty="0">
-                <a:solidFill>
-                  <a:schemeClr val="accent5">
-                    <a:lumMod val="75000"/>
-                  </a:schemeClr>
-                </a:solidFill>
-              </a:rPr>
+              <a:rPr lang="en-US" sz="1100" dirty="0"/>
               <a:t>	}</a:t>
             </a:r>
           </a:p>
@@ -4129,22 +5539,12 @@
               <a:buNone/>
             </a:pPr>
             <a:r>
-              <a:rPr lang="en-US" sz="1600" dirty="0">
-                <a:solidFill>
-                  <a:schemeClr val="accent5">
-                    <a:lumMod val="75000"/>
-                  </a:schemeClr>
-                </a:solidFill>
-              </a:rPr>
-              <a:t>&gt;&gt;&gt; sh_run2 = "capture/running_juniper.log“ </a:t>
-            </a:r>
-            <a:r>
-              <a:rPr lang="en-US" sz="1600" dirty="0">
-                <a:solidFill>
-                  <a:srgbClr val="00B050"/>
-                </a:solidFill>
-              </a:rPr>
-              <a:t>                                              # DEVICE:2</a:t>
+              <a:rPr lang="en-US" sz="1100" dirty="0"/>
+              <a:t>&gt;&gt;&gt; sh_run2 = "capture/sh_config_juniper.log“                                               </a:t>
+            </a:r>
+            <a:r>
+              <a:rPr lang="en-US" sz="1100" b="1" dirty="0"/>
+              <a:t># SIMILAR CAPTURE FILES FOR DEVICE: 2</a:t>
             </a:r>
           </a:p>
           <a:p>
@@ -4152,14 +5552,8 @@
               <a:buNone/>
             </a:pPr>
             <a:r>
-              <a:rPr lang="en-US" sz="1600" dirty="0">
-                <a:solidFill>
-                  <a:schemeClr val="accent5">
-                    <a:lumMod val="75000"/>
-                  </a:schemeClr>
-                </a:solidFill>
-              </a:rPr>
-              <a:t>&gt;&gt;&gt; sh_int_status2 = "capture/int_status_juniper.log"</a:t>
+              <a:rPr lang="en-US" sz="1100" dirty="0"/>
+              <a:t>&gt;&gt;&gt; sh_int_status2 = "capture/sh_int_description_juniper.log"</a:t>
             </a:r>
           </a:p>
           <a:p>
@@ -4167,14 +5561,8 @@
               <a:buNone/>
             </a:pPr>
             <a:r>
-              <a:rPr lang="en-US" sz="1600" dirty="0">
-                <a:solidFill>
-                  <a:schemeClr val="accent5">
-                    <a:lumMod val="75000"/>
-                  </a:schemeClr>
-                </a:solidFill>
-              </a:rPr>
-              <a:t>&gt;&gt;&gt; sh_lldp_nei2 = "capture/lldp_neigh_juniper.log"</a:t>
+              <a:rPr lang="en-US" sz="1100" dirty="0"/>
+              <a:t>&gt;&gt;&gt; sh_lldp_nei2 = "capture/sh_lldp_neigh_juniper.log"</a:t>
             </a:r>
           </a:p>
           <a:p>
@@ -4182,13 +5570,7 @@
               <a:buNone/>
             </a:pPr>
             <a:r>
-              <a:rPr lang="en-US" sz="1600" dirty="0">
-                <a:solidFill>
-                  <a:schemeClr val="accent5">
-                    <a:lumMod val="75000"/>
-                  </a:schemeClr>
-                </a:solidFill>
-              </a:rPr>
+              <a:rPr lang="en-US" sz="1100" dirty="0"/>
               <a:t>&gt;&gt;&gt; </a:t>
             </a:r>
           </a:p>
@@ -4197,13 +5579,7 @@
               <a:buNone/>
             </a:pPr>
             <a:r>
-              <a:rPr lang="en-US" sz="1600" dirty="0">
-                <a:solidFill>
-                  <a:schemeClr val="accent5">
-                    <a:lumMod val="75000"/>
-                  </a:schemeClr>
-                </a:solidFill>
-              </a:rPr>
+              <a:rPr lang="en-US" sz="1100" dirty="0"/>
               <a:t>&gt;&gt;&gt; juniper_switch_2 = {</a:t>
             </a:r>
           </a:p>
@@ -4212,14 +5588,16 @@
               <a:buNone/>
             </a:pPr>
             <a:r>
-              <a:rPr lang="en-US" sz="1600" dirty="0">
-                <a:solidFill>
-                  <a:schemeClr val="accent5">
-                    <a:lumMod val="75000"/>
-                  </a:schemeClr>
-                </a:solidFill>
-              </a:rPr>
-              <a:t>	'config': sh_run2,</a:t>
+              <a:rPr lang="en-US" sz="1100" dirty="0"/>
+              <a:t>	'config': </a:t>
+            </a:r>
+            <a:r>
+              <a:rPr lang="en-US" sz="1100" dirty="0" err="1"/>
+              <a:t>sh_config_juniper</a:t>
+            </a:r>
+            <a:r>
+              <a:rPr lang="en-US" sz="1100" dirty="0"/>
+              <a:t>,</a:t>
             </a:r>
           </a:p>
           <a:p>
@@ -4227,14 +5605,16 @@
               <a:buNone/>
             </a:pPr>
             <a:r>
-              <a:rPr lang="en-US" sz="1600" dirty="0">
-                <a:solidFill>
-                  <a:schemeClr val="accent5">
-                    <a:lumMod val="75000"/>
-                  </a:schemeClr>
-                </a:solidFill>
-              </a:rPr>
-              <a:t>	'interfaces': sh_int_status2,</a:t>
+              <a:rPr lang="en-US" sz="1100" dirty="0"/>
+              <a:t>	'interfaces': </a:t>
+            </a:r>
+            <a:r>
+              <a:rPr lang="en-US" sz="1100" dirty="0" err="1"/>
+              <a:t>sh_int_description_juniper</a:t>
+            </a:r>
+            <a:r>
+              <a:rPr lang="en-US" sz="1100" dirty="0"/>
+              <a:t>,</a:t>
             </a:r>
           </a:p>
           <a:p>
@@ -4242,34 +5622,24 @@
               <a:buNone/>
             </a:pPr>
             <a:r>
-              <a:rPr lang="en-US" sz="1600" dirty="0">
-                <a:solidFill>
-                  <a:schemeClr val="accent5">
-                    <a:lumMod val="75000"/>
-                  </a:schemeClr>
-                </a:solidFill>
-              </a:rPr>
+              <a:rPr lang="en-US" sz="1100" dirty="0"/>
               <a:t>	'</a:t>
             </a:r>
             <a:r>
-              <a:rPr lang="en-US" sz="1600" dirty="0" err="1">
-                <a:solidFill>
-                  <a:schemeClr val="accent5">
-                    <a:lumMod val="75000"/>
-                  </a:schemeClr>
-                </a:solidFill>
-              </a:rPr>
+              <a:rPr lang="en-US" sz="1100" dirty="0" err="1"/>
               <a:t>neighbour</a:t>
             </a:r>
             <a:r>
-              <a:rPr lang="en-US" sz="1600" dirty="0">
-                <a:solidFill>
-                  <a:schemeClr val="accent5">
-                    <a:lumMod val="75000"/>
-                  </a:schemeClr>
-                </a:solidFill>
-              </a:rPr>
-              <a:t>': sh_lldp_nei2,</a:t>
+              <a:rPr lang="en-US" sz="1100" dirty="0"/>
+              <a:t>': </a:t>
+            </a:r>
+            <a:r>
+              <a:rPr lang="en-US" sz="1100" dirty="0" err="1"/>
+              <a:t>sh_lldp_neigh_juniper</a:t>
+            </a:r>
+            <a:r>
+              <a:rPr lang="en-US" sz="1100" dirty="0"/>
+              <a:t>,</a:t>
             </a:r>
           </a:p>
           <a:p>
@@ -4277,13 +5647,7 @@
               <a:buNone/>
             </a:pPr>
             <a:r>
-              <a:rPr lang="en-US" sz="1600" dirty="0">
-                <a:solidFill>
-                  <a:schemeClr val="accent5">
-                    <a:lumMod val="75000"/>
-                  </a:schemeClr>
-                </a:solidFill>
-              </a:rPr>
+              <a:rPr lang="en-US" sz="1100" dirty="0"/>
               <a:t>	}</a:t>
             </a:r>
           </a:p>
@@ -4292,22 +5656,12 @@
               <a:buNone/>
             </a:pPr>
             <a:r>
-              <a:rPr lang="en-US" sz="1600" dirty="0">
-                <a:solidFill>
-                  <a:schemeClr val="accent5">
-                    <a:lumMod val="75000"/>
-                  </a:schemeClr>
-                </a:solidFill>
-              </a:rPr>
-              <a:t>&gt;&gt;&gt; captures = {                                                                                                 </a:t>
-            </a:r>
-            <a:r>
-              <a:rPr lang="en-US" sz="1600" dirty="0">
-                <a:solidFill>
-                  <a:srgbClr val="00B050"/>
-                </a:solidFill>
-              </a:rPr>
-              <a:t> # Put all devices capture dictionary in a common dictionary.</a:t>
+              <a:rPr lang="en-US" sz="1100" dirty="0"/>
+              <a:t>&gt;&gt;&gt; captures = {                                                                                                  </a:t>
+            </a:r>
+            <a:r>
+              <a:rPr lang="en-US" sz="1100" b="1" dirty="0"/>
+              <a:t># Put all devices capture dictionary in a common dictionary.</a:t>
             </a:r>
           </a:p>
           <a:p>
@@ -4315,41 +5669,11 @@
               <a:buNone/>
             </a:pPr>
             <a:r>
-              <a:rPr lang="en-US" sz="1600" dirty="0">
-                <a:solidFill>
-                  <a:schemeClr val="accent5">
-                    <a:lumMod val="75000"/>
-                  </a:schemeClr>
-                </a:solidFill>
-              </a:rPr>
-              <a:t>	"</a:t>
-            </a:r>
-            <a:r>
-              <a:rPr lang="en-US" sz="1600" dirty="0" err="1">
-                <a:solidFill>
-                  <a:schemeClr val="accent5">
-                    <a:lumMod val="75000"/>
-                  </a:schemeClr>
-                </a:solidFill>
-              </a:rPr>
-              <a:t>device_hostname_a</a:t>
-            </a:r>
-            <a:r>
-              <a:rPr lang="en-US" sz="1600" dirty="0">
-                <a:solidFill>
-                  <a:schemeClr val="accent5">
-                    <a:lumMod val="75000"/>
-                  </a:schemeClr>
-                </a:solidFill>
-              </a:rPr>
-              <a:t>": cisco_swich_1 ,                                         </a:t>
-            </a:r>
-            <a:r>
-              <a:rPr lang="en-US" sz="1600" dirty="0">
-                <a:solidFill>
-                  <a:srgbClr val="00B050"/>
-                </a:solidFill>
-              </a:rPr>
+              <a:rPr lang="en-US" sz="1100" dirty="0"/>
+              <a:t>	"device_1": cisco_swich_1 ,                                         </a:t>
+            </a:r>
+            <a:r>
+              <a:rPr lang="en-US" sz="1100" b="1" dirty="0"/>
               <a:t># where key is hostname of device and value is pointing to capture dictionary variable</a:t>
             </a:r>
           </a:p>
@@ -4358,34 +5682,8 @@
               <a:buNone/>
             </a:pPr>
             <a:r>
-              <a:rPr lang="en-US" sz="1600" dirty="0">
-                <a:solidFill>
-                  <a:schemeClr val="accent5">
-                    <a:lumMod val="75000"/>
-                  </a:schemeClr>
-                </a:solidFill>
-              </a:rPr>
-              <a:t>	"</a:t>
-            </a:r>
-            <a:r>
-              <a:rPr lang="en-US" sz="1600" dirty="0" err="1">
-                <a:solidFill>
-                  <a:schemeClr val="accent5">
-                    <a:lumMod val="75000"/>
-                  </a:schemeClr>
-                </a:solidFill>
-              </a:rPr>
-              <a:t>device_hostname_b</a:t>
-            </a:r>
-            <a:r>
-              <a:rPr lang="en-US" sz="1600" dirty="0">
-                <a:solidFill>
-                  <a:schemeClr val="accent5">
-                    <a:lumMod val="75000"/>
-                  </a:schemeClr>
-                </a:solidFill>
-              </a:rPr>
-              <a:t>": juniper_switch_2 ,</a:t>
+              <a:rPr lang="en-US" sz="1100" dirty="0"/>
+              <a:t>	"device_2": juniper_switch_2 ,</a:t>
             </a:r>
           </a:p>
           <a:p>
@@ -4393,14 +5691,8 @@
               <a:buNone/>
             </a:pPr>
             <a:r>
-              <a:rPr lang="en-US" sz="1600" dirty="0">
-                <a:solidFill>
-                  <a:schemeClr val="accent5">
-                    <a:lumMod val="75000"/>
-                  </a:schemeClr>
-                </a:solidFill>
-              </a:rPr>
-              <a:t>	}</a:t>
+              <a:rPr lang="en-US" sz="1100" dirty="0"/>
+              <a:t>	# … add more as need</a:t>
             </a:r>
           </a:p>
           <a:p>
@@ -4408,52 +5700,277 @@
               <a:buNone/>
             </a:pPr>
             <a:r>
-              <a:rPr lang="en-US" sz="1600" dirty="0">
-                <a:solidFill>
-                  <a:schemeClr val="accent5">
-                    <a:lumMod val="75000"/>
-                  </a:schemeClr>
-                </a:solidFill>
-              </a:rPr>
-              <a:t>&gt;&gt;&gt; </a:t>
-            </a:r>
-            <a:r>
-              <a:rPr lang="en-US" sz="1600" dirty="0" err="1">
-                <a:solidFill>
-                  <a:schemeClr val="accent5">
-                    <a:lumMod val="75000"/>
-                  </a:schemeClr>
-                </a:solidFill>
-              </a:rPr>
-              <a:t>output_path</a:t>
-            </a:r>
-            <a:r>
-              <a:rPr lang="en-US" sz="1600" dirty="0">
-                <a:solidFill>
-                  <a:schemeClr val="accent5">
-                    <a:lumMod val="75000"/>
-                  </a:schemeClr>
-                </a:solidFill>
-              </a:rPr>
-              <a:t> = "capture“                                                                          </a:t>
-            </a:r>
-            <a:r>
-              <a:rPr lang="en-US" sz="1600" dirty="0">
-                <a:solidFill>
-                  <a:srgbClr val="00B050"/>
-                </a:solidFill>
-              </a:rPr>
-              <a:t># Output path where facts file should be created. Facts file will be created with the name as hostname.xlsx</a:t>
-            </a:r>
-          </a:p>
-          <a:p>
-            <a:pPr marL="457200" lvl="1" indent="0">
-              <a:buNone/>
-            </a:pPr>
-            <a:r>
-              <a:rPr lang="en-US" sz="1600" dirty="0"/>
-              <a:t> continued…</a:t>
-            </a:r>
+              <a:rPr lang="en-US" sz="1100" dirty="0"/>
+              <a:t>	}									continued…</a:t>
+            </a:r>
+          </a:p>
+        </p:txBody>
+      </p:sp>
+      <p:sp>
+        <p:nvSpPr>
+          <p:cNvPr id="31" name="Rectangle 30">
+            <a:extLst>
+              <a:ext uri="{FF2B5EF4-FFF2-40B4-BE49-F238E27FC236}">
+                <a16:creationId xmlns:a16="http://schemas.microsoft.com/office/drawing/2014/main" id="{2E80C965-DB6D-4F81-9E9E-B027384D0BD6}"/>
+              </a:ext>
+              <a:ext uri="{C183D7F6-B498-43B3-948B-1728B52AA6E4}">
+                <adec:decorative xmlns:adec="http://schemas.microsoft.com/office/drawing/2017/decorative" val="1"/>
+              </a:ext>
+            </a:extLst>
+          </p:cNvPr>
+          <p:cNvSpPr>
+            <a:spLocks noGrp="1" noRot="1" noChangeAspect="1" noMove="1" noResize="1" noEditPoints="1" noAdjustHandles="1" noChangeArrowheads="1" noChangeShapeType="1" noTextEdit="1"/>
+          </p:cNvSpPr>
+          <p:nvPr>
+            <p:extLst>
+              <p:ext uri="{386F3935-93C4-4BCD-93E2-E3B085C9AB24}">
+                <p16:designElem xmlns:p16="http://schemas.microsoft.com/office/powerpoint/2015/main" val="1"/>
+              </p:ext>
+            </p:extLst>
+          </p:nvPr>
+        </p:nvSpPr>
+        <p:spPr>
+          <a:xfrm rot="2700000">
+            <a:off x="11052629" y="2120024"/>
+            <a:ext cx="645368" cy="645368"/>
+          </a:xfrm>
+          <a:prstGeom prst="rect">
+            <a:avLst/>
+          </a:prstGeom>
+          <a:solidFill>
+            <a:schemeClr val="accent4">
+              <a:alpha val="30000"/>
+            </a:schemeClr>
+          </a:solidFill>
+          <a:ln>
+            <a:noFill/>
+          </a:ln>
+        </p:spPr>
+        <p:style>
+          <a:lnRef idx="2">
+            <a:schemeClr val="accent1">
+              <a:shade val="50000"/>
+            </a:schemeClr>
+          </a:lnRef>
+          <a:fillRef idx="1">
+            <a:schemeClr val="accent1"/>
+          </a:fillRef>
+          <a:effectRef idx="0">
+            <a:schemeClr val="accent1"/>
+          </a:effectRef>
+          <a:fontRef idx="minor">
+            <a:schemeClr val="lt1"/>
+          </a:fontRef>
+        </p:style>
+        <p:txBody>
+          <a:bodyPr rtlCol="0" anchor="ctr"/>
+          <a:lstStyle/>
+          <a:p>
+            <a:pPr algn="ctr"/>
+            <a:endParaRPr lang="en-US"/>
+          </a:p>
+        </p:txBody>
+      </p:sp>
+      <p:sp>
+        <p:nvSpPr>
+          <p:cNvPr id="33" name="Isosceles Triangle 32">
+            <a:extLst>
+              <a:ext uri="{FF2B5EF4-FFF2-40B4-BE49-F238E27FC236}">
+                <a16:creationId xmlns:a16="http://schemas.microsoft.com/office/drawing/2014/main" id="{A580F890-B085-4E95-96AA-55AEBEC5CE6E}"/>
+              </a:ext>
+              <a:ext uri="{C183D7F6-B498-43B3-948B-1728B52AA6E4}">
+                <adec:decorative xmlns:adec="http://schemas.microsoft.com/office/drawing/2017/decorative" val="1"/>
+              </a:ext>
+            </a:extLst>
+          </p:cNvPr>
+          <p:cNvSpPr>
+            <a:spLocks noGrp="1" noRot="1" noChangeAspect="1" noMove="1" noResize="1" noEditPoints="1" noAdjustHandles="1" noChangeArrowheads="1" noChangeShapeType="1" noTextEdit="1"/>
+          </p:cNvSpPr>
+          <p:nvPr>
+            <p:extLst>
+              <p:ext uri="{386F3935-93C4-4BCD-93E2-E3B085C9AB24}">
+                <p16:designElem xmlns:p16="http://schemas.microsoft.com/office/powerpoint/2015/main" val="1"/>
+              </p:ext>
+            </p:extLst>
+          </p:nvPr>
+        </p:nvSpPr>
+        <p:spPr>
+          <a:xfrm rot="16200000">
+            <a:off x="10289068" y="1343027"/>
+            <a:ext cx="2532832" cy="1273032"/>
+          </a:xfrm>
+          <a:prstGeom prst="triangle">
+            <a:avLst>
+              <a:gd name="adj" fmla="val 50000"/>
+            </a:avLst>
+          </a:prstGeom>
+          <a:solidFill>
+            <a:schemeClr val="accent4">
+              <a:alpha val="30000"/>
+            </a:schemeClr>
+          </a:solidFill>
+          <a:ln>
+            <a:noFill/>
+          </a:ln>
+        </p:spPr>
+        <p:style>
+          <a:lnRef idx="2">
+            <a:schemeClr val="accent1">
+              <a:shade val="50000"/>
+            </a:schemeClr>
+          </a:lnRef>
+          <a:fillRef idx="1">
+            <a:schemeClr val="accent1"/>
+          </a:fillRef>
+          <a:effectRef idx="0">
+            <a:schemeClr val="accent1"/>
+          </a:effectRef>
+          <a:fontRef idx="minor">
+            <a:schemeClr val="lt1"/>
+          </a:fontRef>
+        </p:style>
+        <p:txBody>
+          <a:bodyPr rtlCol="0" anchor="ctr"/>
+          <a:lstStyle/>
+          <a:p>
+            <a:pPr algn="ctr"/>
+            <a:endParaRPr lang="en-US"/>
+          </a:p>
+        </p:txBody>
+      </p:sp>
+      <p:sp>
+        <p:nvSpPr>
+          <p:cNvPr id="35" name="Isosceles Triangle 34">
+            <a:extLst>
+              <a:ext uri="{FF2B5EF4-FFF2-40B4-BE49-F238E27FC236}">
+                <a16:creationId xmlns:a16="http://schemas.microsoft.com/office/drawing/2014/main" id="{D3F51FEB-38FB-4F6C-9F7B-2F2AFAB65463}"/>
+              </a:ext>
+              <a:ext uri="{C183D7F6-B498-43B3-948B-1728B52AA6E4}">
+                <adec:decorative xmlns:adec="http://schemas.microsoft.com/office/drawing/2017/decorative" val="1"/>
+              </a:ext>
+            </a:extLst>
+          </p:cNvPr>
+          <p:cNvSpPr>
+            <a:spLocks noGrp="1" noRot="1" noChangeAspect="1" noMove="1" noResize="1" noEditPoints="1" noAdjustHandles="1" noChangeArrowheads="1" noChangeShapeType="1" noTextEdit="1"/>
+          </p:cNvSpPr>
+          <p:nvPr>
+            <p:extLst>
+              <p:ext uri="{386F3935-93C4-4BCD-93E2-E3B085C9AB24}">
+                <p16:designElem xmlns:p16="http://schemas.microsoft.com/office/powerpoint/2015/main" val="1"/>
+              </p:ext>
+            </p:extLst>
+          </p:nvPr>
+        </p:nvSpPr>
+        <p:spPr>
+          <a:xfrm rot="5400000">
+            <a:off x="-501760" y="5103257"/>
+            <a:ext cx="2017580" cy="1014060"/>
+          </a:xfrm>
+          <a:prstGeom prst="triangle">
+            <a:avLst>
+              <a:gd name="adj" fmla="val 50000"/>
+            </a:avLst>
+          </a:prstGeom>
+          <a:solidFill>
+            <a:schemeClr val="accent1">
+              <a:alpha val="30000"/>
+            </a:schemeClr>
+          </a:solidFill>
+          <a:ln>
+            <a:noFill/>
+          </a:ln>
+        </p:spPr>
+        <p:style>
+          <a:lnRef idx="2">
+            <a:schemeClr val="accent1">
+              <a:shade val="50000"/>
+            </a:schemeClr>
+          </a:lnRef>
+          <a:fillRef idx="1">
+            <a:schemeClr val="accent1"/>
+          </a:fillRef>
+          <a:effectRef idx="0">
+            <a:schemeClr val="accent1"/>
+          </a:effectRef>
+          <a:fontRef idx="minor">
+            <a:schemeClr val="lt1"/>
+          </a:fontRef>
+        </p:style>
+        <p:txBody>
+          <a:bodyPr wrap="square" rtlCol="0" anchor="ctr">
+            <a:noAutofit/>
+          </a:bodyPr>
+          <a:lstStyle/>
+          <a:p>
+            <a:pPr algn="ctr"/>
+            <a:endParaRPr lang="en-US"/>
+          </a:p>
+        </p:txBody>
+      </p:sp>
+      <p:sp>
+        <p:nvSpPr>
+          <p:cNvPr id="37" name="Rectangle 36">
+            <a:extLst>
+              <a:ext uri="{FF2B5EF4-FFF2-40B4-BE49-F238E27FC236}">
+                <a16:creationId xmlns:a16="http://schemas.microsoft.com/office/drawing/2014/main" id="{1E547BA6-BAE0-43BB-A7CA-60F69CE252F0}"/>
+              </a:ext>
+              <a:ext uri="{C183D7F6-B498-43B3-948B-1728B52AA6E4}">
+                <adec:decorative xmlns:adec="http://schemas.microsoft.com/office/drawing/2017/decorative" val="1"/>
+              </a:ext>
+            </a:extLst>
+          </p:cNvPr>
+          <p:cNvSpPr>
+            <a:spLocks noGrp="1" noRot="1" noChangeAspect="1" noMove="1" noResize="1" noEditPoints="1" noAdjustHandles="1" noChangeArrowheads="1" noChangeShapeType="1" noTextEdit="1"/>
+          </p:cNvSpPr>
+          <p:nvPr>
+            <p:extLst>
+              <p:ext uri="{386F3935-93C4-4BCD-93E2-E3B085C9AB24}">
+                <p16:designElem xmlns:p16="http://schemas.microsoft.com/office/powerpoint/2015/main" val="1"/>
+              </p:ext>
+            </p:extLst>
+          </p:nvPr>
+        </p:nvSpPr>
+        <p:spPr>
+          <a:xfrm rot="2700000">
+            <a:off x="427916" y="5728708"/>
+            <a:ext cx="485578" cy="485578"/>
+          </a:xfrm>
+          <a:prstGeom prst="rect">
+            <a:avLst/>
+          </a:prstGeom>
+          <a:solidFill>
+            <a:schemeClr val="accent1">
+              <a:alpha val="30000"/>
+            </a:schemeClr>
+          </a:solidFill>
+          <a:ln>
+            <a:noFill/>
+          </a:ln>
+        </p:spPr>
+        <p:style>
+          <a:lnRef idx="2">
+            <a:schemeClr val="accent1">
+              <a:shade val="50000"/>
+            </a:schemeClr>
+          </a:lnRef>
+          <a:fillRef idx="1">
+            <a:schemeClr val="accent1"/>
+          </a:fillRef>
+          <a:effectRef idx="0">
+            <a:schemeClr val="accent1"/>
+          </a:effectRef>
+          <a:fontRef idx="minor">
+            <a:schemeClr val="lt1"/>
+          </a:fontRef>
+        </p:style>
+        <p:txBody>
+          <a:bodyPr wrap="square" rtlCol="0" anchor="ctr">
+            <a:noAutofit/>
+          </a:bodyPr>
+          <a:lstStyle/>
+          <a:p>
+            <a:pPr algn="ctr"/>
+            <a:endParaRPr lang="en-US"/>
           </a:p>
         </p:txBody>
       </p:sp>
@@ -4473,6 +5990,14 @@
 <file path=ppt/slides/slide4.xml><?xml version="1.0" encoding="utf-8"?>
 <p:sld xmlns:a="http://schemas.openxmlformats.org/drawingml/2006/main" xmlns:r="http://schemas.openxmlformats.org/officeDocument/2006/relationships" xmlns:p="http://schemas.openxmlformats.org/presentationml/2006/main">
   <p:cSld>
+    <p:bg>
+      <p:bgPr>
+        <a:solidFill>
+          <a:schemeClr val="bg1"/>
+        </a:solidFill>
+        <a:effectLst/>
+      </p:bgPr>
+    </p:bg>
     <p:spTree>
       <p:nvGrpSpPr>
         <p:cNvPr id="1" name=""/>
@@ -4489,43 +6014,73 @@
       </p:grpSpPr>
       <p:sp>
         <p:nvSpPr>
-          <p:cNvPr id="2" name="Title 1">
-            <a:extLst>
-              <a:ext uri="{FF2B5EF4-FFF2-40B4-BE49-F238E27FC236}">
-                <a16:creationId xmlns:a16="http://schemas.microsoft.com/office/drawing/2014/main" id="{5016E772-CEE5-4684-AC41-A8E0FFCC47FE}"/>
-              </a:ext>
-            </a:extLst>
-          </p:cNvPr>
-          <p:cNvSpPr>
-            <a:spLocks noGrp="1"/>
-          </p:cNvSpPr>
-          <p:nvPr>
-            <p:ph type="title"/>
+          <p:cNvPr id="29" name="Rectangle 28">
+            <a:extLst>
+              <a:ext uri="{FF2B5EF4-FFF2-40B4-BE49-F238E27FC236}">
+                <a16:creationId xmlns:a16="http://schemas.microsoft.com/office/drawing/2014/main" id="{2B566528-1B12-4246-9431-5C2D7D081168}"/>
+              </a:ext>
+              <a:ext uri="{C183D7F6-B498-43B3-948B-1728B52AA6E4}">
+                <adec:decorative xmlns:adec="http://schemas.microsoft.com/office/drawing/2017/decorative" val="1"/>
+              </a:ext>
+            </a:extLst>
+          </p:cNvPr>
+          <p:cNvSpPr>
+            <a:spLocks noGrp="1" noRot="1" noChangeAspect="1" noMove="1" noResize="1" noEditPoints="1" noAdjustHandles="1" noChangeArrowheads="1" noChangeShapeType="1" noTextEdit="1"/>
+          </p:cNvSpPr>
+          <p:nvPr>
+            <p:extLst>
+              <p:ext uri="{386F3935-93C4-4BCD-93E2-E3B085C9AB24}">
+                <p16:designElem xmlns:p16="http://schemas.microsoft.com/office/powerpoint/2015/main" val="1"/>
+              </p:ext>
+            </p:extLst>
           </p:nvPr>
         </p:nvSpPr>
         <p:spPr>
           <a:xfrm>
-            <a:off x="838200" y="365125"/>
-            <a:ext cx="10515600" cy="1325563"/>
+            <a:off x="0" y="0"/>
+            <a:ext cx="12192000" cy="6858000"/>
           </a:xfrm>
+          <a:prstGeom prst="rect">
+            <a:avLst/>
+          </a:prstGeom>
+          <a:solidFill>
+            <a:schemeClr val="bg1"/>
+          </a:solidFill>
+          <a:ln>
+            <a:noFill/>
+          </a:ln>
         </p:spPr>
-        <p:txBody>
-          <a:bodyPr/>
-          <a:lstStyle/>
-          <a:p>
-            <a:r>
-              <a:rPr lang="en-US" dirty="0"/>
-              <a:t>Facts File Generation</a:t>
-            </a:r>
-          </a:p>
-        </p:txBody>
-      </p:sp>
-      <p:sp>
-        <p:nvSpPr>
-          <p:cNvPr id="3" name="Content Placeholder 2">
-            <a:extLst>
-              <a:ext uri="{FF2B5EF4-FFF2-40B4-BE49-F238E27FC236}">
-                <a16:creationId xmlns:a16="http://schemas.microsoft.com/office/drawing/2014/main" id="{B0676D5E-CE40-4058-A696-C75940FF8CF5}"/>
+        <p:style>
+          <a:lnRef idx="2">
+            <a:schemeClr val="accent1">
+              <a:shade val="50000"/>
+            </a:schemeClr>
+          </a:lnRef>
+          <a:fillRef idx="1">
+            <a:schemeClr val="accent1"/>
+          </a:fillRef>
+          <a:effectRef idx="0">
+            <a:schemeClr val="accent1"/>
+          </a:effectRef>
+          <a:fontRef idx="minor">
+            <a:schemeClr val="lt1"/>
+          </a:fontRef>
+        </p:style>
+        <p:txBody>
+          <a:bodyPr rtlCol="0" anchor="ctr"/>
+          <a:lstStyle/>
+          <a:p>
+            <a:pPr algn="ctr"/>
+            <a:endParaRPr lang="en-US" dirty="0"/>
+          </a:p>
+        </p:txBody>
+      </p:sp>
+      <p:sp>
+        <p:nvSpPr>
+          <p:cNvPr id="2" name="Title 1">
+            <a:extLst>
+              <a:ext uri="{FF2B5EF4-FFF2-40B4-BE49-F238E27FC236}">
+                <a16:creationId xmlns:a16="http://schemas.microsoft.com/office/drawing/2014/main" id="{5016E772-CEE5-4684-AC41-A8E0FFCC47FE}"/>
               </a:ext>
             </a:extLst>
           </p:cNvPr>
@@ -4533,13 +6088,13 @@
             <a:spLocks noGrp="1"/>
           </p:cNvSpPr>
           <p:nvPr>
-            <p:ph idx="1"/>
+            <p:ph type="title"/>
           </p:nvPr>
         </p:nvSpPr>
         <p:spPr>
           <a:xfrm>
-            <a:off x="838200" y="1817236"/>
-            <a:ext cx="10515600" cy="4583564"/>
+            <a:off x="643467" y="321734"/>
+            <a:ext cx="10905066" cy="1135737"/>
           </a:xfrm>
         </p:spPr>
         <p:txBody>
@@ -4549,7 +6104,42 @@
           <a:lstStyle/>
           <a:p>
             <a:r>
-              <a:rPr lang="en-US" dirty="0"/>
+              <a:rPr lang="en-US" sz="3600"/>
+              <a:t>Facts File Generation</a:t>
+            </a:r>
+          </a:p>
+        </p:txBody>
+      </p:sp>
+      <p:sp>
+        <p:nvSpPr>
+          <p:cNvPr id="3" name="Content Placeholder 2">
+            <a:extLst>
+              <a:ext uri="{FF2B5EF4-FFF2-40B4-BE49-F238E27FC236}">
+                <a16:creationId xmlns:a16="http://schemas.microsoft.com/office/drawing/2014/main" id="{B0676D5E-CE40-4058-A696-C75940FF8CF5}"/>
+              </a:ext>
+            </a:extLst>
+          </p:cNvPr>
+          <p:cNvSpPr>
+            <a:spLocks noGrp="1"/>
+          </p:cNvSpPr>
+          <p:nvPr>
+            <p:ph idx="1"/>
+          </p:nvPr>
+        </p:nvSpPr>
+        <p:spPr>
+          <a:xfrm>
+            <a:off x="643467" y="1296955"/>
+            <a:ext cx="10905066" cy="5411756"/>
+          </a:xfrm>
+        </p:spPr>
+        <p:txBody>
+          <a:bodyPr>
+            <a:normAutofit/>
+          </a:bodyPr>
+          <a:lstStyle/>
+          <a:p>
+            <a:r>
+              <a:rPr lang="en-US" sz="1200" b="1" u="sng" dirty="0"/>
               <a:t>Usage Guidelines</a:t>
             </a:r>
           </a:p>
@@ -4558,7 +6148,7 @@
               <a:buNone/>
             </a:pPr>
             <a:r>
-              <a:rPr lang="en-US" sz="1600" dirty="0"/>
+              <a:rPr lang="en-US" sz="1200" dirty="0"/>
               <a:t>Continue from previous page…</a:t>
             </a:r>
           </a:p>
@@ -4566,96 +6156,561 @@
             <a:pPr marL="457200" lvl="1" indent="0">
               <a:buNone/>
             </a:pPr>
-            <a:endParaRPr lang="en-US" sz="1600" dirty="0"/>
+            <a:endParaRPr lang="en-US" sz="1200" dirty="0"/>
           </a:p>
           <a:p>
             <a:pPr marL="457200" lvl="1" indent="0">
               <a:buNone/>
             </a:pPr>
             <a:r>
-              <a:rPr lang="en-US" sz="1600" dirty="0">
-                <a:solidFill>
-                  <a:srgbClr val="00B0F0"/>
-                </a:solidFill>
+              <a:rPr lang="en-US" sz="1200" dirty="0"/>
+              <a:t>&gt;&gt;&gt; </a:t>
+            </a:r>
+            <a:r>
+              <a:rPr lang="en-US" sz="1200" dirty="0" err="1"/>
+              <a:t>output_path</a:t>
+            </a:r>
+            <a:r>
+              <a:rPr lang="en-US" sz="1200" dirty="0"/>
+              <a:t> = "capture“                                            </a:t>
+            </a:r>
+            <a:r>
+              <a:rPr lang="en-US" sz="1200" b="1" dirty="0"/>
+              <a:t># Output path where facts file should be created. Facts file will be created with the name as hostname.xlsx</a:t>
+            </a:r>
+          </a:p>
+          <a:p>
+            <a:pPr marL="457200" lvl="1" indent="0">
+              <a:buNone/>
+            </a:pPr>
+            <a:r>
+              <a:rPr lang="en-US" sz="1200" dirty="0"/>
+              <a:t>&gt;&gt;&gt; </a:t>
+            </a:r>
+            <a:r>
+              <a:rPr lang="en-US" sz="1200" dirty="0" err="1"/>
+              <a:t>map_sheet</a:t>
+            </a:r>
+            <a:r>
+              <a:rPr lang="en-US" sz="1200" dirty="0"/>
+              <a:t> = "std_custom_var_maps_att.xlsx“     </a:t>
+            </a:r>
+            <a:r>
+              <a:rPr lang="en-US" sz="1200" b="1" dirty="0"/>
+              <a:t># Custom variable replacements for ‘var’, ‘tables’ tabs</a:t>
+            </a:r>
+          </a:p>
+          <a:p>
+            <a:pPr marL="457200" lvl="1" indent="0">
+              <a:buNone/>
+            </a:pPr>
+            <a:endParaRPr lang="en-US" sz="1200" dirty="0"/>
+          </a:p>
+          <a:p>
+            <a:pPr marL="457200" lvl="1" indent="0">
+              <a:buNone/>
+            </a:pPr>
+            <a:r>
+              <a:rPr lang="en-US" sz="1200" dirty="0"/>
+              <a:t>&gt;&gt;&gt; </a:t>
+            </a:r>
+            <a:r>
+              <a:rPr lang="en-US" sz="1200" dirty="0" err="1"/>
+              <a:t>facts_gen</a:t>
+            </a:r>
+            <a:r>
+              <a:rPr lang="en-US" sz="1200" dirty="0"/>
+              <a:t>(captures,                                                    </a:t>
+            </a:r>
+            <a:r>
+              <a:rPr lang="en-US" sz="1200" b="1" dirty="0"/>
+              <a:t># execute the imported function with captures, </a:t>
+            </a:r>
+            <a:r>
+              <a:rPr lang="en-US" sz="1200" b="1" dirty="0" err="1"/>
+              <a:t>output_path</a:t>
+            </a:r>
+            <a:r>
+              <a:rPr lang="en-US" sz="1200" b="1" dirty="0"/>
+              <a:t>, [custom variable map file]</a:t>
+            </a:r>
+          </a:p>
+          <a:p>
+            <a:pPr marL="457200" lvl="1" indent="0">
+              <a:buNone/>
+            </a:pPr>
+            <a:r>
+              <a:rPr lang="en-US" sz="1200" dirty="0"/>
+              <a:t>	</a:t>
+            </a:r>
+            <a:r>
+              <a:rPr lang="en-US" sz="1200" dirty="0" err="1"/>
+              <a:t>output_path</a:t>
+            </a:r>
+            <a:r>
+              <a:rPr lang="en-US" sz="1200" dirty="0"/>
+              <a:t>= </a:t>
+            </a:r>
+            <a:r>
+              <a:rPr lang="en-US" sz="1200" dirty="0" err="1"/>
+              <a:t>output_path</a:t>
+            </a:r>
+            <a:r>
+              <a:rPr lang="en-US" sz="1200" dirty="0"/>
+              <a:t>,</a:t>
+            </a:r>
+          </a:p>
+          <a:p>
+            <a:pPr marL="457200" lvl="1" indent="0">
+              <a:buNone/>
+            </a:pPr>
+            <a:r>
+              <a:rPr lang="en-US" sz="1200" dirty="0"/>
+              <a:t>	</a:t>
+            </a:r>
+            <a:r>
+              <a:rPr lang="en-US" sz="1200" dirty="0" err="1"/>
+              <a:t>map_sheet</a:t>
+            </a:r>
+            <a:r>
+              <a:rPr lang="en-US" sz="1200" dirty="0"/>
+              <a:t>=</a:t>
+            </a:r>
+            <a:r>
+              <a:rPr lang="en-US" sz="1200" dirty="0" err="1"/>
+              <a:t>map_sheet</a:t>
+            </a:r>
+            <a:r>
+              <a:rPr lang="en-US" sz="1200" dirty="0"/>
+              <a:t>,		   </a:t>
+            </a:r>
+            <a:r>
+              <a:rPr lang="en-US" sz="1200" b="1" dirty="0"/>
+              <a:t># optional</a:t>
+            </a:r>
+          </a:p>
+          <a:p>
+            <a:pPr marL="457200" lvl="1" indent="0">
+              <a:buNone/>
+            </a:pPr>
+            <a:r>
+              <a:rPr lang="en-US" sz="1200" dirty="0"/>
+              <a:t>	)</a:t>
+            </a:r>
+          </a:p>
+          <a:p>
+            <a:pPr marL="457200" lvl="1" indent="0">
+              <a:buNone/>
+            </a:pPr>
+            <a:endParaRPr lang="en-US" sz="1200" dirty="0"/>
+          </a:p>
+          <a:p>
+            <a:pPr marL="457200" lvl="1" indent="0">
+              <a:buNone/>
+            </a:pPr>
+            <a:r>
+              <a:rPr lang="en-US" sz="1200" u="sng" dirty="0"/>
+              <a:t>Facts File (Excel) will be created in given path.</a:t>
+            </a:r>
+          </a:p>
+          <a:p>
+            <a:pPr marL="457200" lvl="1" indent="0">
+              <a:buNone/>
+            </a:pPr>
+            <a:endParaRPr lang="en-US" sz="1200" u="sng" dirty="0"/>
+          </a:p>
+          <a:p>
+            <a:pPr marL="457200" lvl="1" indent="0">
+              <a:buNone/>
+            </a:pPr>
+            <a:r>
+              <a:rPr lang="en-US" sz="1200" b="1" dirty="0"/>
+              <a:t>Note:</a:t>
+            </a:r>
+          </a:p>
+          <a:p>
+            <a:pPr marL="457200" lvl="1" indent="0">
+              <a:buNone/>
+            </a:pPr>
+            <a:r>
+              <a:rPr lang="en-US" sz="1200" u="sng" dirty="0"/>
+              <a:t>Cisco required command outputs are:</a:t>
+            </a:r>
+          </a:p>
+          <a:p>
+            <a:pPr marL="457200" lvl="1" indent="0">
+              <a:buNone/>
+            </a:pPr>
+            <a:r>
+              <a:rPr lang="en-US" sz="1200" dirty="0" err="1">
+                <a:highlight>
+                  <a:srgbClr val="FFFF00"/>
+                </a:highlight>
               </a:rPr>
-              <a:t>&gt;&gt;&gt; </a:t>
-            </a:r>
-            <a:r>
-              <a:rPr lang="en-US" sz="1600" dirty="0" err="1">
-                <a:solidFill>
-                  <a:srgbClr val="00B0F0"/>
-                </a:solidFill>
+              <a:t>sh</a:t>
+            </a:r>
+            <a:r>
+              <a:rPr lang="en-US" sz="1200" dirty="0">
+                <a:highlight>
+                  <a:srgbClr val="FFFF00"/>
+                </a:highlight>
               </a:rPr>
-              <a:t>facts_gen</a:t>
-            </a:r>
-            <a:r>
-              <a:rPr lang="en-US" sz="1600" dirty="0">
-                <a:solidFill>
-                  <a:srgbClr val="00B0F0"/>
-                </a:solidFill>
+              <a:t> run, </a:t>
+            </a:r>
+            <a:r>
+              <a:rPr lang="en-US" sz="1200" dirty="0" err="1">
+                <a:highlight>
+                  <a:srgbClr val="FFFF00"/>
+                </a:highlight>
               </a:rPr>
-              <a:t>(captures, </a:t>
-            </a:r>
-            <a:r>
-              <a:rPr lang="en-US" sz="1600" dirty="0" err="1">
-                <a:solidFill>
-                  <a:srgbClr val="00B0F0"/>
-                </a:solidFill>
+              <a:t>sh</a:t>
+            </a:r>
+            <a:r>
+              <a:rPr lang="en-US" sz="1200" dirty="0">
+                <a:highlight>
+                  <a:srgbClr val="FFFF00"/>
+                </a:highlight>
               </a:rPr>
-              <a:t>output_path</a:t>
-            </a:r>
-            <a:r>
-              <a:rPr lang="en-US" sz="1600" dirty="0">
-                <a:solidFill>
-                  <a:srgbClr val="00B0F0"/>
-                </a:solidFill>
+              <a:t> int status, </a:t>
+            </a:r>
+            <a:r>
+              <a:rPr lang="en-US" sz="1200" dirty="0" err="1">
+                <a:highlight>
+                  <a:srgbClr val="FFFF00"/>
+                </a:highlight>
               </a:rPr>
-              <a:t>)                       </a:t>
-            </a:r>
-            <a:r>
-              <a:rPr lang="en-US" sz="1600" dirty="0">
-                <a:solidFill>
-                  <a:srgbClr val="00B050"/>
-                </a:solidFill>
+              <a:t>sh</a:t>
+            </a:r>
+            <a:r>
+              <a:rPr lang="en-US" sz="1200" dirty="0">
+                <a:highlight>
+                  <a:srgbClr val="FFFF00"/>
+                </a:highlight>
               </a:rPr>
-              <a:t># execute the imported function with captures and </a:t>
-            </a:r>
-            <a:r>
-              <a:rPr lang="en-US" sz="1600" dirty="0" err="1">
-                <a:solidFill>
-                  <a:srgbClr val="00B050"/>
-                </a:solidFill>
+              <a:t> </a:t>
+            </a:r>
+            <a:r>
+              <a:rPr lang="en-US" sz="1200" dirty="0" err="1">
+                <a:highlight>
+                  <a:srgbClr val="FFFF00"/>
+                </a:highlight>
               </a:rPr>
-              <a:t>output_path</a:t>
-            </a:r>
-            <a:endParaRPr lang="en-US" sz="1600" dirty="0">
-              <a:solidFill>
-                <a:srgbClr val="00B050"/>
-              </a:solidFill>
-            </a:endParaRPr>
+              <a:t>lldp</a:t>
+            </a:r>
+            <a:r>
+              <a:rPr lang="en-US" sz="1200" dirty="0">
+                <a:highlight>
+                  <a:srgbClr val="FFFF00"/>
+                </a:highlight>
+              </a:rPr>
+              <a:t> neigh</a:t>
+            </a:r>
           </a:p>
           <a:p>
             <a:pPr marL="457200" lvl="1" indent="0">
               <a:buNone/>
             </a:pPr>
             <a:r>
-              <a:rPr lang="en-US" sz="1600" dirty="0">
-                <a:solidFill>
-                  <a:srgbClr val="00B050"/>
-                </a:solidFill>
+              <a:rPr lang="en-US" sz="1200" u="sng" dirty="0"/>
+              <a:t>Juniper required command outputs are:</a:t>
+            </a:r>
+          </a:p>
+          <a:p>
+            <a:pPr marL="457200" lvl="1" indent="0">
+              <a:buNone/>
+            </a:pPr>
+            <a:r>
+              <a:rPr lang="en-US" sz="1200" dirty="0">
+                <a:highlight>
+                  <a:srgbClr val="FFFF00"/>
+                </a:highlight>
               </a:rPr>
-              <a:t>Facts File will be created in given path.</a:t>
-            </a:r>
-          </a:p>
-          <a:p>
-            <a:pPr marL="457200" lvl="1" indent="0">
-              <a:buNone/>
-            </a:pPr>
-            <a:endParaRPr lang="en-US" sz="1600" dirty="0">
-              <a:solidFill>
-                <a:srgbClr val="00B050"/>
-              </a:solidFill>
-            </a:endParaRPr>
+              <a:t>show configurations | no-more, show interfaces description | no-more, show </a:t>
+            </a:r>
+            <a:r>
+              <a:rPr lang="en-US" sz="1200" dirty="0" err="1">
+                <a:highlight>
+                  <a:srgbClr val="FFFF00"/>
+                </a:highlight>
+              </a:rPr>
+              <a:t>lldp</a:t>
+            </a:r>
+            <a:r>
+              <a:rPr lang="en-US" sz="1200" dirty="0">
+                <a:highlight>
+                  <a:srgbClr val="FFFF00"/>
+                </a:highlight>
+              </a:rPr>
+              <a:t> neighbor | no-more</a:t>
+            </a:r>
+          </a:p>
+        </p:txBody>
+      </p:sp>
+      <p:sp>
+        <p:nvSpPr>
+          <p:cNvPr id="31" name="Rectangle 30">
+            <a:extLst>
+              <a:ext uri="{FF2B5EF4-FFF2-40B4-BE49-F238E27FC236}">
+                <a16:creationId xmlns:a16="http://schemas.microsoft.com/office/drawing/2014/main" id="{2E80C965-DB6D-4F81-9E9E-B027384D0BD6}"/>
+              </a:ext>
+              <a:ext uri="{C183D7F6-B498-43B3-948B-1728B52AA6E4}">
+                <adec:decorative xmlns:adec="http://schemas.microsoft.com/office/drawing/2017/decorative" val="1"/>
+              </a:ext>
+            </a:extLst>
+          </p:cNvPr>
+          <p:cNvSpPr>
+            <a:spLocks noGrp="1" noRot="1" noChangeAspect="1" noMove="1" noResize="1" noEditPoints="1" noAdjustHandles="1" noChangeArrowheads="1" noChangeShapeType="1" noTextEdit="1"/>
+          </p:cNvSpPr>
+          <p:nvPr>
+            <p:extLst>
+              <p:ext uri="{386F3935-93C4-4BCD-93E2-E3B085C9AB24}">
+                <p16:designElem xmlns:p16="http://schemas.microsoft.com/office/powerpoint/2015/main" val="1"/>
+              </p:ext>
+            </p:extLst>
+          </p:nvPr>
+        </p:nvSpPr>
+        <p:spPr>
+          <a:xfrm rot="2700000">
+            <a:off x="11052629" y="2120024"/>
+            <a:ext cx="645368" cy="645368"/>
+          </a:xfrm>
+          <a:prstGeom prst="rect">
+            <a:avLst/>
+          </a:prstGeom>
+          <a:solidFill>
+            <a:schemeClr val="accent4">
+              <a:alpha val="30000"/>
+            </a:schemeClr>
+          </a:solidFill>
+          <a:ln>
+            <a:noFill/>
+          </a:ln>
+        </p:spPr>
+        <p:style>
+          <a:lnRef idx="2">
+            <a:schemeClr val="accent1">
+              <a:shade val="50000"/>
+            </a:schemeClr>
+          </a:lnRef>
+          <a:fillRef idx="1">
+            <a:schemeClr val="accent1"/>
+          </a:fillRef>
+          <a:effectRef idx="0">
+            <a:schemeClr val="accent1"/>
+          </a:effectRef>
+          <a:fontRef idx="minor">
+            <a:schemeClr val="lt1"/>
+          </a:fontRef>
+        </p:style>
+        <p:txBody>
+          <a:bodyPr rtlCol="0" anchor="ctr"/>
+          <a:lstStyle/>
+          <a:p>
+            <a:pPr algn="ctr"/>
+            <a:endParaRPr lang="en-US"/>
+          </a:p>
+        </p:txBody>
+      </p:sp>
+      <p:sp>
+        <p:nvSpPr>
+          <p:cNvPr id="33" name="Isosceles Triangle 32">
+            <a:extLst>
+              <a:ext uri="{FF2B5EF4-FFF2-40B4-BE49-F238E27FC236}">
+                <a16:creationId xmlns:a16="http://schemas.microsoft.com/office/drawing/2014/main" id="{A580F890-B085-4E95-96AA-55AEBEC5CE6E}"/>
+              </a:ext>
+              <a:ext uri="{C183D7F6-B498-43B3-948B-1728B52AA6E4}">
+                <adec:decorative xmlns:adec="http://schemas.microsoft.com/office/drawing/2017/decorative" val="1"/>
+              </a:ext>
+            </a:extLst>
+          </p:cNvPr>
+          <p:cNvSpPr>
+            <a:spLocks noGrp="1" noRot="1" noChangeAspect="1" noMove="1" noResize="1" noEditPoints="1" noAdjustHandles="1" noChangeArrowheads="1" noChangeShapeType="1" noTextEdit="1"/>
+          </p:cNvSpPr>
+          <p:nvPr>
+            <p:extLst>
+              <p:ext uri="{386F3935-93C4-4BCD-93E2-E3B085C9AB24}">
+                <p16:designElem xmlns:p16="http://schemas.microsoft.com/office/powerpoint/2015/main" val="1"/>
+              </p:ext>
+            </p:extLst>
+          </p:nvPr>
+        </p:nvSpPr>
+        <p:spPr>
+          <a:xfrm rot="16200000">
+            <a:off x="10289068" y="1343027"/>
+            <a:ext cx="2532832" cy="1273032"/>
+          </a:xfrm>
+          <a:prstGeom prst="triangle">
+            <a:avLst>
+              <a:gd name="adj" fmla="val 50000"/>
+            </a:avLst>
+          </a:prstGeom>
+          <a:solidFill>
+            <a:schemeClr val="accent4">
+              <a:alpha val="30000"/>
+            </a:schemeClr>
+          </a:solidFill>
+          <a:ln>
+            <a:noFill/>
+          </a:ln>
+        </p:spPr>
+        <p:style>
+          <a:lnRef idx="2">
+            <a:schemeClr val="accent1">
+              <a:shade val="50000"/>
+            </a:schemeClr>
+          </a:lnRef>
+          <a:fillRef idx="1">
+            <a:schemeClr val="accent1"/>
+          </a:fillRef>
+          <a:effectRef idx="0">
+            <a:schemeClr val="accent1"/>
+          </a:effectRef>
+          <a:fontRef idx="minor">
+            <a:schemeClr val="lt1"/>
+          </a:fontRef>
+        </p:style>
+        <p:txBody>
+          <a:bodyPr rtlCol="0" anchor="ctr"/>
+          <a:lstStyle/>
+          <a:p>
+            <a:pPr algn="ctr"/>
+            <a:endParaRPr lang="en-US"/>
+          </a:p>
+        </p:txBody>
+      </p:sp>
+      <p:sp>
+        <p:nvSpPr>
+          <p:cNvPr id="35" name="Isosceles Triangle 34">
+            <a:extLst>
+              <a:ext uri="{FF2B5EF4-FFF2-40B4-BE49-F238E27FC236}">
+                <a16:creationId xmlns:a16="http://schemas.microsoft.com/office/drawing/2014/main" id="{D3F51FEB-38FB-4F6C-9F7B-2F2AFAB65463}"/>
+              </a:ext>
+              <a:ext uri="{C183D7F6-B498-43B3-948B-1728B52AA6E4}">
+                <adec:decorative xmlns:adec="http://schemas.microsoft.com/office/drawing/2017/decorative" val="1"/>
+              </a:ext>
+            </a:extLst>
+          </p:cNvPr>
+          <p:cNvSpPr>
+            <a:spLocks noGrp="1" noRot="1" noChangeAspect="1" noMove="1" noResize="1" noEditPoints="1" noAdjustHandles="1" noChangeArrowheads="1" noChangeShapeType="1" noTextEdit="1"/>
+          </p:cNvSpPr>
+          <p:nvPr>
+            <p:extLst>
+              <p:ext uri="{386F3935-93C4-4BCD-93E2-E3B085C9AB24}">
+                <p16:designElem xmlns:p16="http://schemas.microsoft.com/office/powerpoint/2015/main" val="1"/>
+              </p:ext>
+            </p:extLst>
+          </p:nvPr>
+        </p:nvSpPr>
+        <p:spPr>
+          <a:xfrm rot="5400000">
+            <a:off x="-501760" y="5103257"/>
+            <a:ext cx="2017580" cy="1014060"/>
+          </a:xfrm>
+          <a:prstGeom prst="triangle">
+            <a:avLst>
+              <a:gd name="adj" fmla="val 50000"/>
+            </a:avLst>
+          </a:prstGeom>
+          <a:solidFill>
+            <a:schemeClr val="accent1">
+              <a:alpha val="30000"/>
+            </a:schemeClr>
+          </a:solidFill>
+          <a:ln>
+            <a:noFill/>
+          </a:ln>
+        </p:spPr>
+        <p:style>
+          <a:lnRef idx="2">
+            <a:schemeClr val="accent1">
+              <a:shade val="50000"/>
+            </a:schemeClr>
+          </a:lnRef>
+          <a:fillRef idx="1">
+            <a:schemeClr val="accent1"/>
+          </a:fillRef>
+          <a:effectRef idx="0">
+            <a:schemeClr val="accent1"/>
+          </a:effectRef>
+          <a:fontRef idx="minor">
+            <a:schemeClr val="lt1"/>
+          </a:fontRef>
+        </p:style>
+        <p:txBody>
+          <a:bodyPr wrap="square" rtlCol="0" anchor="ctr">
+            <a:noAutofit/>
+          </a:bodyPr>
+          <a:lstStyle/>
+          <a:p>
+            <a:pPr algn="ctr"/>
+            <a:endParaRPr lang="en-US"/>
+          </a:p>
+        </p:txBody>
+      </p:sp>
+      <p:sp>
+        <p:nvSpPr>
+          <p:cNvPr id="37" name="Rectangle 36">
+            <a:extLst>
+              <a:ext uri="{FF2B5EF4-FFF2-40B4-BE49-F238E27FC236}">
+                <a16:creationId xmlns:a16="http://schemas.microsoft.com/office/drawing/2014/main" id="{1E547BA6-BAE0-43BB-A7CA-60F69CE252F0}"/>
+              </a:ext>
+              <a:ext uri="{C183D7F6-B498-43B3-948B-1728B52AA6E4}">
+                <adec:decorative xmlns:adec="http://schemas.microsoft.com/office/drawing/2017/decorative" val="1"/>
+              </a:ext>
+            </a:extLst>
+          </p:cNvPr>
+          <p:cNvSpPr>
+            <a:spLocks noGrp="1" noRot="1" noChangeAspect="1" noMove="1" noResize="1" noEditPoints="1" noAdjustHandles="1" noChangeArrowheads="1" noChangeShapeType="1" noTextEdit="1"/>
+          </p:cNvSpPr>
+          <p:nvPr>
+            <p:extLst>
+              <p:ext uri="{386F3935-93C4-4BCD-93E2-E3B085C9AB24}">
+                <p16:designElem xmlns:p16="http://schemas.microsoft.com/office/powerpoint/2015/main" val="1"/>
+              </p:ext>
+            </p:extLst>
+          </p:nvPr>
+        </p:nvSpPr>
+        <p:spPr>
+          <a:xfrm rot="2700000">
+            <a:off x="427916" y="5728708"/>
+            <a:ext cx="485578" cy="485578"/>
+          </a:xfrm>
+          <a:prstGeom prst="rect">
+            <a:avLst/>
+          </a:prstGeom>
+          <a:solidFill>
+            <a:schemeClr val="accent1">
+              <a:alpha val="30000"/>
+            </a:schemeClr>
+          </a:solidFill>
+          <a:ln>
+            <a:noFill/>
+          </a:ln>
+        </p:spPr>
+        <p:style>
+          <a:lnRef idx="2">
+            <a:schemeClr val="accent1">
+              <a:shade val="50000"/>
+            </a:schemeClr>
+          </a:lnRef>
+          <a:fillRef idx="1">
+            <a:schemeClr val="accent1"/>
+          </a:fillRef>
+          <a:effectRef idx="0">
+            <a:schemeClr val="accent1"/>
+          </a:effectRef>
+          <a:fontRef idx="minor">
+            <a:schemeClr val="lt1"/>
+          </a:fontRef>
+        </p:style>
+        <p:txBody>
+          <a:bodyPr wrap="square" rtlCol="0" anchor="ctr">
+            <a:noAutofit/>
+          </a:bodyPr>
+          <a:lstStyle/>
+          <a:p>
+            <a:pPr algn="ctr"/>
+            <a:endParaRPr lang="en-US"/>
           </a:p>
         </p:txBody>
       </p:sp>
@@ -4675,6 +6730,14 @@
 <file path=ppt/slides/slide5.xml><?xml version="1.0" encoding="utf-8"?>
 <p:sld xmlns:a="http://schemas.openxmlformats.org/drawingml/2006/main" xmlns:r="http://schemas.openxmlformats.org/officeDocument/2006/relationships" xmlns:p="http://schemas.openxmlformats.org/presentationml/2006/main">
   <p:cSld>
+    <p:bg>
+      <p:bgPr>
+        <a:solidFill>
+          <a:schemeClr val="bg1"/>
+        </a:solidFill>
+        <a:effectLst/>
+      </p:bgPr>
+    </p:bg>
     <p:spTree>
       <p:nvGrpSpPr>
         <p:cNvPr id="1" name=""/>
@@ -4691,65 +6754,135 @@
       </p:grpSpPr>
       <p:sp>
         <p:nvSpPr>
-          <p:cNvPr id="2" name="Title 1">
-            <a:extLst>
-              <a:ext uri="{FF2B5EF4-FFF2-40B4-BE49-F238E27FC236}">
-                <a16:creationId xmlns:a16="http://schemas.microsoft.com/office/drawing/2014/main" id="{5016E772-CEE5-4684-AC41-A8E0FFCC47FE}"/>
-              </a:ext>
-            </a:extLst>
-          </p:cNvPr>
-          <p:cNvSpPr>
-            <a:spLocks noGrp="1"/>
-          </p:cNvSpPr>
-          <p:nvPr>
-            <p:ph type="title"/>
-          </p:nvPr>
-        </p:nvSpPr>
-        <p:spPr/>
-        <p:txBody>
-          <a:bodyPr/>
-          <a:lstStyle/>
-          <a:p>
-            <a:r>
-              <a:rPr lang="en-US" dirty="0"/>
-              <a:t>Facts File Structure</a:t>
-            </a:r>
-          </a:p>
-        </p:txBody>
-      </p:sp>
-      <p:sp>
-        <p:nvSpPr>
-          <p:cNvPr id="3" name="Content Placeholder 2">
-            <a:extLst>
-              <a:ext uri="{FF2B5EF4-FFF2-40B4-BE49-F238E27FC236}">
-                <a16:creationId xmlns:a16="http://schemas.microsoft.com/office/drawing/2014/main" id="{B0676D5E-CE40-4058-A696-C75940FF8CF5}"/>
-              </a:ext>
-            </a:extLst>
-          </p:cNvPr>
-          <p:cNvSpPr>
-            <a:spLocks noGrp="1"/>
-          </p:cNvSpPr>
-          <p:nvPr>
-            <p:ph idx="1"/>
+          <p:cNvPr id="29" name="Rectangle 28">
+            <a:extLst>
+              <a:ext uri="{FF2B5EF4-FFF2-40B4-BE49-F238E27FC236}">
+                <a16:creationId xmlns:a16="http://schemas.microsoft.com/office/drawing/2014/main" id="{2B566528-1B12-4246-9431-5C2D7D081168}"/>
+              </a:ext>
+              <a:ext uri="{C183D7F6-B498-43B3-948B-1728B52AA6E4}">
+                <adec:decorative xmlns:adec="http://schemas.microsoft.com/office/drawing/2017/decorative" val="1"/>
+              </a:ext>
+            </a:extLst>
+          </p:cNvPr>
+          <p:cNvSpPr>
+            <a:spLocks noGrp="1" noRot="1" noChangeAspect="1" noMove="1" noResize="1" noEditPoints="1" noAdjustHandles="1" noChangeArrowheads="1" noChangeShapeType="1" noTextEdit="1"/>
+          </p:cNvSpPr>
+          <p:nvPr>
+            <p:extLst>
+              <p:ext uri="{386F3935-93C4-4BCD-93E2-E3B085C9AB24}">
+                <p16:designElem xmlns:p16="http://schemas.microsoft.com/office/powerpoint/2015/main" val="1"/>
+              </p:ext>
+            </p:extLst>
           </p:nvPr>
         </p:nvSpPr>
         <p:spPr>
           <a:xfrm>
-            <a:off x="838200" y="1817236"/>
-            <a:ext cx="10515600" cy="4583564"/>
+            <a:off x="0" y="0"/>
+            <a:ext cx="12192000" cy="6858000"/>
+          </a:xfrm>
+          <a:prstGeom prst="rect">
+            <a:avLst/>
+          </a:prstGeom>
+          <a:solidFill>
+            <a:schemeClr val="bg1"/>
+          </a:solidFill>
+          <a:ln>
+            <a:noFill/>
+          </a:ln>
+        </p:spPr>
+        <p:style>
+          <a:lnRef idx="2">
+            <a:schemeClr val="accent1">
+              <a:shade val="50000"/>
+            </a:schemeClr>
+          </a:lnRef>
+          <a:fillRef idx="1">
+            <a:schemeClr val="accent1"/>
+          </a:fillRef>
+          <a:effectRef idx="0">
+            <a:schemeClr val="accent1"/>
+          </a:effectRef>
+          <a:fontRef idx="minor">
+            <a:schemeClr val="lt1"/>
+          </a:fontRef>
+        </p:style>
+        <p:txBody>
+          <a:bodyPr rtlCol="0" anchor="ctr"/>
+          <a:lstStyle/>
+          <a:p>
+            <a:pPr algn="ctr"/>
+            <a:endParaRPr lang="en-US" dirty="0"/>
+          </a:p>
+        </p:txBody>
+      </p:sp>
+      <p:sp>
+        <p:nvSpPr>
+          <p:cNvPr id="2" name="Title 1">
+            <a:extLst>
+              <a:ext uri="{FF2B5EF4-FFF2-40B4-BE49-F238E27FC236}">
+                <a16:creationId xmlns:a16="http://schemas.microsoft.com/office/drawing/2014/main" id="{5016E772-CEE5-4684-AC41-A8E0FFCC47FE}"/>
+              </a:ext>
+            </a:extLst>
+          </p:cNvPr>
+          <p:cNvSpPr>
+            <a:spLocks noGrp="1"/>
+          </p:cNvSpPr>
+          <p:nvPr>
+            <p:ph type="title"/>
+          </p:nvPr>
+        </p:nvSpPr>
+        <p:spPr>
+          <a:xfrm>
+            <a:off x="643467" y="321734"/>
+            <a:ext cx="10905066" cy="1135737"/>
           </a:xfrm>
         </p:spPr>
         <p:txBody>
           <a:bodyPr>
-            <a:normAutofit lnSpcReduction="10000"/>
+            <a:normAutofit/>
           </a:bodyPr>
           <a:lstStyle/>
           <a:p>
+            <a:r>
+              <a:rPr lang="en-US" sz="3600"/>
+              <a:t>Facts File Structure</a:t>
+            </a:r>
+          </a:p>
+        </p:txBody>
+      </p:sp>
+      <p:sp>
+        <p:nvSpPr>
+          <p:cNvPr id="3" name="Content Placeholder 2">
+            <a:extLst>
+              <a:ext uri="{FF2B5EF4-FFF2-40B4-BE49-F238E27FC236}">
+                <a16:creationId xmlns:a16="http://schemas.microsoft.com/office/drawing/2014/main" id="{B0676D5E-CE40-4058-A696-C75940FF8CF5}"/>
+              </a:ext>
+            </a:extLst>
+          </p:cNvPr>
+          <p:cNvSpPr>
+            <a:spLocks noGrp="1"/>
+          </p:cNvSpPr>
+          <p:nvPr>
+            <p:ph idx="1"/>
+          </p:nvPr>
+        </p:nvSpPr>
+        <p:spPr>
+          <a:xfrm>
+            <a:off x="643467" y="1278294"/>
+            <a:ext cx="10905066" cy="5340783"/>
+          </a:xfrm>
+        </p:spPr>
+        <p:txBody>
+          <a:bodyPr>
+            <a:normAutofit/>
+          </a:bodyPr>
+          <a:lstStyle/>
+          <a:p>
             <a:pPr marL="457200" lvl="1" indent="0">
               <a:buNone/>
             </a:pPr>
             <a:r>
-              <a:rPr lang="en-US" sz="1600" dirty="0"/>
+              <a:rPr lang="en-US" sz="1200" dirty="0"/>
               <a:t>Generated Facts file will have two tabs on it.</a:t>
             </a:r>
           </a:p>
@@ -4758,11 +6891,7 @@
               <a:buAutoNum type="arabicPeriod"/>
             </a:pPr>
             <a:r>
-              <a:rPr lang="en-US" sz="1600" dirty="0">
-                <a:solidFill>
-                  <a:srgbClr val="00B0F0"/>
-                </a:solidFill>
-              </a:rPr>
+              <a:rPr lang="en-US" sz="1200" b="1" dirty="0"/>
               <a:t>var: </a:t>
             </a:r>
           </a:p>
@@ -4771,11 +6900,7 @@
               <a:buAutoNum type="arabicPeriod"/>
             </a:pPr>
             <a:r>
-              <a:rPr lang="en-US" sz="1200" dirty="0">
-                <a:solidFill>
-                  <a:srgbClr val="00B050"/>
-                </a:solidFill>
-              </a:rPr>
+              <a:rPr lang="en-US" sz="1200" dirty="0"/>
               <a:t>This will have one to one (Find/Replace) match replace combination key/value pairs</a:t>
             </a:r>
           </a:p>
@@ -4784,27 +6909,15 @@
               <a:buAutoNum type="arabicPeriod"/>
             </a:pPr>
             <a:r>
-              <a:rPr lang="en-US" sz="1200" dirty="0">
-                <a:solidFill>
-                  <a:srgbClr val="00B050"/>
-                </a:solidFill>
-              </a:rPr>
+              <a:rPr lang="en-US" sz="1200" dirty="0"/>
               <a:t>It can be used by </a:t>
             </a:r>
             <a:r>
-              <a:rPr lang="en-US" sz="1200" dirty="0" err="1">
-                <a:solidFill>
-                  <a:srgbClr val="00B050"/>
-                </a:solidFill>
-              </a:rPr>
+              <a:rPr lang="en-US" sz="1200" dirty="0" err="1"/>
               <a:t>configs_generator</a:t>
             </a:r>
             <a:r>
-              <a:rPr lang="en-US" sz="1200" dirty="0">
-                <a:solidFill>
-                  <a:srgbClr val="00B050"/>
-                </a:solidFill>
-              </a:rPr>
+              <a:rPr lang="en-US" sz="1200" dirty="0"/>
               <a:t> to quickly find/replace given variable in template and replace with value while generating text configuration</a:t>
             </a:r>
           </a:p>
@@ -4813,11 +6926,7 @@
               <a:buAutoNum type="arabicPeriod"/>
             </a:pPr>
             <a:r>
-              <a:rPr lang="en-US" sz="1600" dirty="0">
-                <a:solidFill>
-                  <a:srgbClr val="00B0F0"/>
-                </a:solidFill>
-              </a:rPr>
+              <a:rPr lang="en-US" sz="1200" b="1" dirty="0"/>
               <a:t>tables:</a:t>
             </a:r>
           </a:p>
@@ -4826,11 +6935,7 @@
               <a:buAutoNum type="arabicPeriod"/>
             </a:pPr>
             <a:r>
-              <a:rPr lang="en-US" sz="1200" dirty="0">
-                <a:solidFill>
-                  <a:srgbClr val="00B050"/>
-                </a:solidFill>
-              </a:rPr>
+              <a:rPr lang="en-US" sz="1200" dirty="0"/>
               <a:t>This tab will have multiple columns,  which can be used as ready reference (database) or summary of details.</a:t>
             </a:r>
           </a:p>
@@ -4839,27 +6944,15 @@
               <a:buAutoNum type="arabicPeriod"/>
             </a:pPr>
             <a:r>
-              <a:rPr lang="en-US" sz="1200" dirty="0">
-                <a:solidFill>
-                  <a:srgbClr val="00B050"/>
-                </a:solidFill>
-              </a:rPr>
+              <a:rPr lang="en-US" sz="1200" dirty="0"/>
               <a:t>It contains interfaces/</a:t>
             </a:r>
             <a:r>
-              <a:rPr lang="en-US" sz="1200" dirty="0" err="1">
-                <a:solidFill>
-                  <a:srgbClr val="00B050"/>
-                </a:solidFill>
-              </a:rPr>
+              <a:rPr lang="en-US" sz="1200" dirty="0" err="1"/>
               <a:t>vlan</a:t>
             </a:r>
             <a:r>
-              <a:rPr lang="en-US" sz="1200" dirty="0">
-                <a:solidFill>
-                  <a:srgbClr val="00B050"/>
-                </a:solidFill>
-              </a:rPr>
+              <a:rPr lang="en-US" sz="1200" dirty="0"/>
               <a:t>/subnet and much more details.</a:t>
             </a:r>
           </a:p>
@@ -4868,27 +6961,15 @@
               <a:buAutoNum type="arabicPeriod"/>
             </a:pPr>
             <a:r>
-              <a:rPr lang="en-US" sz="1200" dirty="0">
-                <a:solidFill>
-                  <a:srgbClr val="00B050"/>
-                </a:solidFill>
-              </a:rPr>
+              <a:rPr lang="en-US" sz="1200" dirty="0"/>
               <a:t>It can also be used for generating repetitive text configuration using </a:t>
             </a:r>
             <a:r>
-              <a:rPr lang="en-US" sz="1200" dirty="0" err="1">
-                <a:solidFill>
-                  <a:srgbClr val="00B050"/>
-                </a:solidFill>
-              </a:rPr>
+              <a:rPr lang="en-US" sz="1200" dirty="0" err="1"/>
               <a:t>configs_generator</a:t>
             </a:r>
             <a:r>
-              <a:rPr lang="en-US" sz="1200" dirty="0">
-                <a:solidFill>
-                  <a:srgbClr val="00B050"/>
-                </a:solidFill>
-              </a:rPr>
+              <a:rPr lang="en-US" sz="1200" dirty="0"/>
               <a:t>.</a:t>
             </a:r>
           </a:p>
@@ -4897,11 +6978,7 @@
               <a:buAutoNum type="arabicPeriod"/>
             </a:pPr>
             <a:r>
-              <a:rPr lang="en-US" sz="1200" dirty="0">
-                <a:solidFill>
-                  <a:srgbClr val="00B050"/>
-                </a:solidFill>
-              </a:rPr>
+              <a:rPr lang="en-US" sz="1200" dirty="0"/>
               <a:t>Column headers are to be use as variable and Column values will be considered as value for that each variable.</a:t>
             </a:r>
           </a:p>
@@ -4910,51 +6987,27 @@
               <a:buNone/>
             </a:pPr>
             <a:r>
-              <a:rPr lang="en-US" sz="1200" b="1" dirty="0">
-                <a:solidFill>
-                  <a:srgbClr val="00B050"/>
-                </a:solidFill>
-              </a:rPr>
+              <a:rPr lang="en-US" sz="1200" b="1" dirty="0"/>
               <a:t>See also:</a:t>
             </a:r>
             <a:r>
-              <a:rPr lang="en-US" sz="1200" dirty="0">
-                <a:solidFill>
-                  <a:srgbClr val="00B050"/>
-                </a:solidFill>
-              </a:rPr>
+              <a:rPr lang="en-US" sz="1200" dirty="0"/>
               <a:t> </a:t>
             </a:r>
             <a:r>
-              <a:rPr lang="en-US" sz="1200" dirty="0" err="1">
-                <a:solidFill>
-                  <a:srgbClr val="00B050"/>
-                </a:solidFill>
-              </a:rPr>
+              <a:rPr lang="en-US" sz="1200" dirty="0" err="1"/>
               <a:t>configs_generator</a:t>
             </a:r>
             <a:r>
-              <a:rPr lang="en-US" sz="1200" dirty="0">
-                <a:solidFill>
-                  <a:srgbClr val="00B050"/>
-                </a:solidFill>
-              </a:rPr>
+              <a:rPr lang="en-US" sz="1200" dirty="0"/>
               <a:t> for explanation on how to use fact file for generating </a:t>
             </a:r>
             <a:r>
-              <a:rPr lang="en-US" sz="1200" dirty="0" err="1">
-                <a:solidFill>
-                  <a:srgbClr val="00B050"/>
-                </a:solidFill>
-              </a:rPr>
+              <a:rPr lang="en-US" sz="1200" dirty="0" err="1"/>
               <a:t>configuations</a:t>
             </a:r>
             <a:r>
-              <a:rPr lang="en-US" sz="1200" dirty="0">
-                <a:solidFill>
-                  <a:srgbClr val="00B050"/>
-                </a:solidFill>
-              </a:rPr>
+              <a:rPr lang="en-US" sz="1200" dirty="0"/>
               <a:t>.</a:t>
             </a:r>
           </a:p>
@@ -4962,32 +7015,20 @@
             <a:pPr marL="914400" lvl="2" indent="0">
               <a:buNone/>
             </a:pPr>
-            <a:endParaRPr lang="en-US" sz="1200" dirty="0">
-              <a:solidFill>
-                <a:srgbClr val="00B050"/>
-              </a:solidFill>
-            </a:endParaRPr>
+            <a:endParaRPr lang="en-US" sz="1200" dirty="0"/>
           </a:p>
           <a:p>
             <a:pPr marL="914400" lvl="2" indent="0">
               <a:buNone/>
             </a:pPr>
-            <a:endParaRPr lang="en-US" sz="1200" dirty="0">
-              <a:solidFill>
-                <a:srgbClr val="00B050"/>
-              </a:solidFill>
-            </a:endParaRPr>
+            <a:endParaRPr lang="en-US" sz="1200" dirty="0"/>
           </a:p>
           <a:p>
             <a:pPr marL="457200" lvl="1" indent="0">
               <a:buNone/>
             </a:pPr>
             <a:r>
-              <a:rPr lang="en-US" sz="1600" dirty="0">
-                <a:solidFill>
-                  <a:srgbClr val="0070C0"/>
-                </a:solidFill>
-              </a:rPr>
+              <a:rPr lang="en-US" sz="1200" b="1" dirty="0"/>
               <a:t>Quick Tips:</a:t>
             </a:r>
           </a:p>
@@ -4996,27 +7037,15 @@
               <a:buAutoNum type="arabicPeriod"/>
             </a:pPr>
             <a:r>
-              <a:rPr lang="en-US" sz="1200" dirty="0">
-                <a:solidFill>
-                  <a:srgbClr val="7030A0"/>
-                </a:solidFill>
-              </a:rPr>
+              <a:rPr lang="en-US" sz="1200" dirty="0"/>
               <a:t>Edit tables tab interfaces for EOL Refresh device ( map port numbers for old device to new device ), and use the </a:t>
             </a:r>
             <a:r>
-              <a:rPr lang="en-US" sz="1200" dirty="0" err="1">
-                <a:solidFill>
-                  <a:srgbClr val="7030A0"/>
-                </a:solidFill>
-              </a:rPr>
+              <a:rPr lang="en-US" sz="1200" dirty="0" err="1"/>
               <a:t>configs_generator</a:t>
             </a:r>
             <a:r>
-              <a:rPr lang="en-US" sz="1200" dirty="0">
-                <a:solidFill>
-                  <a:srgbClr val="7030A0"/>
-                </a:solidFill>
-              </a:rPr>
+              <a:rPr lang="en-US" sz="1200" dirty="0"/>
               <a:t> with correct template, and config with new device will be ready.</a:t>
             </a:r>
           </a:p>
@@ -5025,43 +7054,23 @@
               <a:buAutoNum type="arabicPeriod"/>
             </a:pPr>
             <a:r>
-              <a:rPr lang="en-US" sz="1200" dirty="0">
-                <a:solidFill>
-                  <a:srgbClr val="7030A0"/>
-                </a:solidFill>
-              </a:rPr>
+              <a:rPr lang="en-US" sz="1200" dirty="0"/>
               <a:t>Can add more </a:t>
             </a:r>
             <a:r>
-              <a:rPr lang="en-US" sz="1200" dirty="0" err="1">
-                <a:solidFill>
-                  <a:srgbClr val="7030A0"/>
-                </a:solidFill>
-              </a:rPr>
+              <a:rPr lang="en-US" sz="1200" dirty="0" err="1"/>
               <a:t>find:replace</a:t>
             </a:r>
             <a:r>
-              <a:rPr lang="en-US" sz="1200" dirty="0">
-                <a:solidFill>
-                  <a:srgbClr val="7030A0"/>
-                </a:solidFill>
-              </a:rPr>
+              <a:rPr lang="en-US" sz="1200" dirty="0"/>
               <a:t> pairs in var tab as necessary and can be use for quick replacement of values whiles generating config using </a:t>
             </a:r>
             <a:r>
-              <a:rPr lang="en-US" sz="1200" dirty="0" err="1">
-                <a:solidFill>
-                  <a:srgbClr val="7030A0"/>
-                </a:solidFill>
-              </a:rPr>
+              <a:rPr lang="en-US" sz="1200" dirty="0" err="1"/>
               <a:t>configs_generator</a:t>
             </a:r>
             <a:r>
-              <a:rPr lang="en-US" sz="1200" dirty="0">
-                <a:solidFill>
-                  <a:srgbClr val="7030A0"/>
-                </a:solidFill>
-              </a:rPr>
+              <a:rPr lang="en-US" sz="1200" dirty="0"/>
               <a:t>.</a:t>
             </a:r>
           </a:p>
@@ -5070,27 +7079,15 @@
               <a:buAutoNum type="arabicPeriod"/>
             </a:pPr>
             <a:r>
-              <a:rPr lang="en-US" sz="1200" dirty="0">
-                <a:solidFill>
-                  <a:srgbClr val="7030A0"/>
-                </a:solidFill>
-              </a:rPr>
+              <a:rPr lang="en-US" sz="1200" dirty="0"/>
               <a:t>Can add/remove unwanted Row [i.e.: Interface/</a:t>
             </a:r>
             <a:r>
-              <a:rPr lang="en-US" sz="1200" dirty="0" err="1">
-                <a:solidFill>
-                  <a:srgbClr val="7030A0"/>
-                </a:solidFill>
-              </a:rPr>
+              <a:rPr lang="en-US" sz="1200" dirty="0" err="1"/>
               <a:t>vlans</a:t>
             </a:r>
             <a:r>
-              <a:rPr lang="en-US" sz="1200" dirty="0">
-                <a:solidFill>
-                  <a:srgbClr val="7030A0"/>
-                </a:solidFill>
-              </a:rPr>
+              <a:rPr lang="en-US" sz="1200" dirty="0"/>
               <a:t> etc..] to correctly reflect data in output.</a:t>
             </a:r>
           </a:p>
@@ -5099,11 +7096,7 @@
               <a:buAutoNum type="arabicPeriod"/>
             </a:pPr>
             <a:r>
-              <a:rPr lang="en-US" sz="1200" dirty="0">
-                <a:solidFill>
-                  <a:srgbClr val="7030A0"/>
-                </a:solidFill>
-              </a:rPr>
+              <a:rPr lang="en-US" sz="1200" dirty="0"/>
               <a:t>Can add additional columns with necessary details and use it while generating repetitive config generation.</a:t>
             </a:r>
           </a:p>
@@ -5112,33 +7105,302 @@
               <a:buAutoNum type="arabicPeriod"/>
             </a:pPr>
             <a:r>
-              <a:rPr lang="en-US" sz="1200" dirty="0">
-                <a:solidFill>
-                  <a:srgbClr val="7030A0"/>
-                </a:solidFill>
-              </a:rPr>
+              <a:rPr lang="en-US" sz="1200" dirty="0"/>
               <a:t>Two facts file generated pre/post change for the same device; can be use for comparison using </a:t>
             </a:r>
             <a:r>
-              <a:rPr lang="en-US" sz="1200" dirty="0" err="1">
-                <a:solidFill>
-                  <a:srgbClr val="7030A0"/>
-                </a:solidFill>
-              </a:rPr>
+              <a:rPr lang="en-US" sz="1200" dirty="0" err="1"/>
               <a:t>compare_it</a:t>
             </a:r>
             <a:r>
-              <a:rPr lang="en-US" sz="1200" dirty="0">
-                <a:solidFill>
-                  <a:srgbClr val="7030A0"/>
-                </a:solidFill>
-              </a:rPr>
-              <a:t>.  (try it out, if not done yet) to quickly check the differences</a:t>
-            </a:r>
-            <a:r>
               <a:rPr lang="en-US" sz="1200" dirty="0"/>
-              <a:t>.</a:t>
-            </a:r>
+              <a:t>.  (try it out, if not done yet) to quickly check the differences.</a:t>
+            </a:r>
+          </a:p>
+          <a:p>
+            <a:pPr lvl="2">
+              <a:buAutoNum type="arabicPeriod"/>
+            </a:pPr>
+            <a:r>
+              <a:rPr lang="en-US" sz="1200" dirty="0"/>
+              <a:t>Provide </a:t>
+            </a:r>
+            <a:r>
+              <a:rPr lang="en-US" sz="1200" b="1" dirty="0" err="1"/>
+              <a:t>map_sheet</a:t>
+            </a:r>
+            <a:r>
+              <a:rPr lang="en-US" sz="1200" dirty="0"/>
+              <a:t> as input to use custom variables instead of standard.</a:t>
+            </a:r>
+          </a:p>
+        </p:txBody>
+      </p:sp>
+      <p:sp>
+        <p:nvSpPr>
+          <p:cNvPr id="31" name="Rectangle 30">
+            <a:extLst>
+              <a:ext uri="{FF2B5EF4-FFF2-40B4-BE49-F238E27FC236}">
+                <a16:creationId xmlns:a16="http://schemas.microsoft.com/office/drawing/2014/main" id="{2E80C965-DB6D-4F81-9E9E-B027384D0BD6}"/>
+              </a:ext>
+              <a:ext uri="{C183D7F6-B498-43B3-948B-1728B52AA6E4}">
+                <adec:decorative xmlns:adec="http://schemas.microsoft.com/office/drawing/2017/decorative" val="1"/>
+              </a:ext>
+            </a:extLst>
+          </p:cNvPr>
+          <p:cNvSpPr>
+            <a:spLocks noGrp="1" noRot="1" noChangeAspect="1" noMove="1" noResize="1" noEditPoints="1" noAdjustHandles="1" noChangeArrowheads="1" noChangeShapeType="1" noTextEdit="1"/>
+          </p:cNvSpPr>
+          <p:nvPr>
+            <p:extLst>
+              <p:ext uri="{386F3935-93C4-4BCD-93E2-E3B085C9AB24}">
+                <p16:designElem xmlns:p16="http://schemas.microsoft.com/office/powerpoint/2015/main" val="1"/>
+              </p:ext>
+            </p:extLst>
+          </p:nvPr>
+        </p:nvSpPr>
+        <p:spPr>
+          <a:xfrm rot="2700000">
+            <a:off x="11052629" y="2120024"/>
+            <a:ext cx="645368" cy="645368"/>
+          </a:xfrm>
+          <a:prstGeom prst="rect">
+            <a:avLst/>
+          </a:prstGeom>
+          <a:solidFill>
+            <a:schemeClr val="accent4">
+              <a:alpha val="30000"/>
+            </a:schemeClr>
+          </a:solidFill>
+          <a:ln>
+            <a:noFill/>
+          </a:ln>
+        </p:spPr>
+        <p:style>
+          <a:lnRef idx="2">
+            <a:schemeClr val="accent1">
+              <a:shade val="50000"/>
+            </a:schemeClr>
+          </a:lnRef>
+          <a:fillRef idx="1">
+            <a:schemeClr val="accent1"/>
+          </a:fillRef>
+          <a:effectRef idx="0">
+            <a:schemeClr val="accent1"/>
+          </a:effectRef>
+          <a:fontRef idx="minor">
+            <a:schemeClr val="lt1"/>
+          </a:fontRef>
+        </p:style>
+        <p:txBody>
+          <a:bodyPr rtlCol="0" anchor="ctr"/>
+          <a:lstStyle/>
+          <a:p>
+            <a:pPr algn="ctr"/>
+            <a:endParaRPr lang="en-US"/>
+          </a:p>
+        </p:txBody>
+      </p:sp>
+      <p:sp>
+        <p:nvSpPr>
+          <p:cNvPr id="33" name="Isosceles Triangle 32">
+            <a:extLst>
+              <a:ext uri="{FF2B5EF4-FFF2-40B4-BE49-F238E27FC236}">
+                <a16:creationId xmlns:a16="http://schemas.microsoft.com/office/drawing/2014/main" id="{A580F890-B085-4E95-96AA-55AEBEC5CE6E}"/>
+              </a:ext>
+              <a:ext uri="{C183D7F6-B498-43B3-948B-1728B52AA6E4}">
+                <adec:decorative xmlns:adec="http://schemas.microsoft.com/office/drawing/2017/decorative" val="1"/>
+              </a:ext>
+            </a:extLst>
+          </p:cNvPr>
+          <p:cNvSpPr>
+            <a:spLocks noGrp="1" noRot="1" noChangeAspect="1" noMove="1" noResize="1" noEditPoints="1" noAdjustHandles="1" noChangeArrowheads="1" noChangeShapeType="1" noTextEdit="1"/>
+          </p:cNvSpPr>
+          <p:nvPr>
+            <p:extLst>
+              <p:ext uri="{386F3935-93C4-4BCD-93E2-E3B085C9AB24}">
+                <p16:designElem xmlns:p16="http://schemas.microsoft.com/office/powerpoint/2015/main" val="1"/>
+              </p:ext>
+            </p:extLst>
+          </p:nvPr>
+        </p:nvSpPr>
+        <p:spPr>
+          <a:xfrm rot="16200000">
+            <a:off x="10289068" y="1343027"/>
+            <a:ext cx="2532832" cy="1273032"/>
+          </a:xfrm>
+          <a:prstGeom prst="triangle">
+            <a:avLst>
+              <a:gd name="adj" fmla="val 50000"/>
+            </a:avLst>
+          </a:prstGeom>
+          <a:solidFill>
+            <a:schemeClr val="accent4">
+              <a:alpha val="30000"/>
+            </a:schemeClr>
+          </a:solidFill>
+          <a:ln>
+            <a:noFill/>
+          </a:ln>
+        </p:spPr>
+        <p:style>
+          <a:lnRef idx="2">
+            <a:schemeClr val="accent1">
+              <a:shade val="50000"/>
+            </a:schemeClr>
+          </a:lnRef>
+          <a:fillRef idx="1">
+            <a:schemeClr val="accent1"/>
+          </a:fillRef>
+          <a:effectRef idx="0">
+            <a:schemeClr val="accent1"/>
+          </a:effectRef>
+          <a:fontRef idx="minor">
+            <a:schemeClr val="lt1"/>
+          </a:fontRef>
+        </p:style>
+        <p:txBody>
+          <a:bodyPr rtlCol="0" anchor="ctr"/>
+          <a:lstStyle/>
+          <a:p>
+            <a:pPr algn="ctr"/>
+            <a:endParaRPr lang="en-US"/>
+          </a:p>
+        </p:txBody>
+      </p:sp>
+      <p:sp>
+        <p:nvSpPr>
+          <p:cNvPr id="35" name="Isosceles Triangle 34">
+            <a:extLst>
+              <a:ext uri="{FF2B5EF4-FFF2-40B4-BE49-F238E27FC236}">
+                <a16:creationId xmlns:a16="http://schemas.microsoft.com/office/drawing/2014/main" id="{D3F51FEB-38FB-4F6C-9F7B-2F2AFAB65463}"/>
+              </a:ext>
+              <a:ext uri="{C183D7F6-B498-43B3-948B-1728B52AA6E4}">
+                <adec:decorative xmlns:adec="http://schemas.microsoft.com/office/drawing/2017/decorative" val="1"/>
+              </a:ext>
+            </a:extLst>
+          </p:cNvPr>
+          <p:cNvSpPr>
+            <a:spLocks noGrp="1" noRot="1" noChangeAspect="1" noMove="1" noResize="1" noEditPoints="1" noAdjustHandles="1" noChangeArrowheads="1" noChangeShapeType="1" noTextEdit="1"/>
+          </p:cNvSpPr>
+          <p:nvPr>
+            <p:extLst>
+              <p:ext uri="{386F3935-93C4-4BCD-93E2-E3B085C9AB24}">
+                <p16:designElem xmlns:p16="http://schemas.microsoft.com/office/powerpoint/2015/main" val="1"/>
+              </p:ext>
+            </p:extLst>
+          </p:nvPr>
+        </p:nvSpPr>
+        <p:spPr>
+          <a:xfrm rot="5400000">
+            <a:off x="-501760" y="5103257"/>
+            <a:ext cx="2017580" cy="1014060"/>
+          </a:xfrm>
+          <a:prstGeom prst="triangle">
+            <a:avLst>
+              <a:gd name="adj" fmla="val 50000"/>
+            </a:avLst>
+          </a:prstGeom>
+          <a:solidFill>
+            <a:schemeClr val="accent1">
+              <a:alpha val="30000"/>
+            </a:schemeClr>
+          </a:solidFill>
+          <a:ln>
+            <a:noFill/>
+          </a:ln>
+        </p:spPr>
+        <p:style>
+          <a:lnRef idx="2">
+            <a:schemeClr val="accent1">
+              <a:shade val="50000"/>
+            </a:schemeClr>
+          </a:lnRef>
+          <a:fillRef idx="1">
+            <a:schemeClr val="accent1"/>
+          </a:fillRef>
+          <a:effectRef idx="0">
+            <a:schemeClr val="accent1"/>
+          </a:effectRef>
+          <a:fontRef idx="minor">
+            <a:schemeClr val="lt1"/>
+          </a:fontRef>
+        </p:style>
+        <p:txBody>
+          <a:bodyPr wrap="square" rtlCol="0" anchor="ctr">
+            <a:noAutofit/>
+          </a:bodyPr>
+          <a:lstStyle/>
+          <a:p>
+            <a:pPr algn="ctr"/>
+            <a:endParaRPr lang="en-US"/>
+          </a:p>
+        </p:txBody>
+      </p:sp>
+      <p:sp>
+        <p:nvSpPr>
+          <p:cNvPr id="37" name="Rectangle 36">
+            <a:extLst>
+              <a:ext uri="{FF2B5EF4-FFF2-40B4-BE49-F238E27FC236}">
+                <a16:creationId xmlns:a16="http://schemas.microsoft.com/office/drawing/2014/main" id="{1E547BA6-BAE0-43BB-A7CA-60F69CE252F0}"/>
+              </a:ext>
+              <a:ext uri="{C183D7F6-B498-43B3-948B-1728B52AA6E4}">
+                <adec:decorative xmlns:adec="http://schemas.microsoft.com/office/drawing/2017/decorative" val="1"/>
+              </a:ext>
+            </a:extLst>
+          </p:cNvPr>
+          <p:cNvSpPr>
+            <a:spLocks noGrp="1" noRot="1" noChangeAspect="1" noMove="1" noResize="1" noEditPoints="1" noAdjustHandles="1" noChangeArrowheads="1" noChangeShapeType="1" noTextEdit="1"/>
+          </p:cNvSpPr>
+          <p:nvPr>
+            <p:extLst>
+              <p:ext uri="{386F3935-93C4-4BCD-93E2-E3B085C9AB24}">
+                <p16:designElem xmlns:p16="http://schemas.microsoft.com/office/powerpoint/2015/main" val="1"/>
+              </p:ext>
+            </p:extLst>
+          </p:nvPr>
+        </p:nvSpPr>
+        <p:spPr>
+          <a:xfrm rot="2700000">
+            <a:off x="427916" y="5728708"/>
+            <a:ext cx="485578" cy="485578"/>
+          </a:xfrm>
+          <a:prstGeom prst="rect">
+            <a:avLst/>
+          </a:prstGeom>
+          <a:solidFill>
+            <a:schemeClr val="accent1">
+              <a:alpha val="30000"/>
+            </a:schemeClr>
+          </a:solidFill>
+          <a:ln>
+            <a:noFill/>
+          </a:ln>
+        </p:spPr>
+        <p:style>
+          <a:lnRef idx="2">
+            <a:schemeClr val="accent1">
+              <a:shade val="50000"/>
+            </a:schemeClr>
+          </a:lnRef>
+          <a:fillRef idx="1">
+            <a:schemeClr val="accent1"/>
+          </a:fillRef>
+          <a:effectRef idx="0">
+            <a:schemeClr val="accent1"/>
+          </a:effectRef>
+          <a:fontRef idx="minor">
+            <a:schemeClr val="lt1"/>
+          </a:fontRef>
+        </p:style>
+        <p:txBody>
+          <a:bodyPr wrap="square" rtlCol="0" anchor="ctr">
+            <a:noAutofit/>
+          </a:bodyPr>
+          <a:lstStyle/>
+          <a:p>
+            <a:pPr algn="ctr"/>
+            <a:endParaRPr lang="en-US"/>
           </a:p>
         </p:txBody>
       </p:sp>
@@ -5158,6 +7420,14 @@
 <file path=ppt/slides/slide6.xml><?xml version="1.0" encoding="utf-8"?>
 <p:sld xmlns:a="http://schemas.openxmlformats.org/drawingml/2006/main" xmlns:r="http://schemas.openxmlformats.org/officeDocument/2006/relationships" xmlns:p="http://schemas.openxmlformats.org/presentationml/2006/main">
   <p:cSld>
+    <p:bg>
+      <p:bgPr>
+        <a:solidFill>
+          <a:schemeClr val="bg1"/>
+        </a:solidFill>
+        <a:effectLst/>
+      </p:bgPr>
+    </p:bg>
     <p:spTree>
       <p:nvGrpSpPr>
         <p:cNvPr id="1" name=""/>
@@ -5174,111 +7444,838 @@
       </p:grpSpPr>
       <p:sp>
         <p:nvSpPr>
-          <p:cNvPr id="2" name="Title 1">
-            <a:extLst>
-              <a:ext uri="{FF2B5EF4-FFF2-40B4-BE49-F238E27FC236}">
-                <a16:creationId xmlns:a16="http://schemas.microsoft.com/office/drawing/2014/main" id="{5016E772-CEE5-4684-AC41-A8E0FFCC47FE}"/>
-              </a:ext>
-            </a:extLst>
-          </p:cNvPr>
-          <p:cNvSpPr>
-            <a:spLocks noGrp="1"/>
-          </p:cNvSpPr>
-          <p:nvPr>
-            <p:ph type="title"/>
-          </p:nvPr>
-        </p:nvSpPr>
-        <p:spPr/>
-        <p:txBody>
-          <a:bodyPr/>
-          <a:lstStyle/>
-          <a:p>
-            <a:r>
-              <a:rPr lang="en-US" dirty="0" err="1"/>
-              <a:t>facts_generator</a:t>
-            </a:r>
-            <a:endParaRPr lang="en-US" dirty="0"/>
-          </a:p>
-        </p:txBody>
-      </p:sp>
-      <p:sp>
-        <p:nvSpPr>
-          <p:cNvPr id="3" name="Content Placeholder 2">
-            <a:extLst>
-              <a:ext uri="{FF2B5EF4-FFF2-40B4-BE49-F238E27FC236}">
-                <a16:creationId xmlns:a16="http://schemas.microsoft.com/office/drawing/2014/main" id="{B0676D5E-CE40-4058-A696-C75940FF8CF5}"/>
-              </a:ext>
-            </a:extLst>
-          </p:cNvPr>
-          <p:cNvSpPr>
-            <a:spLocks noGrp="1"/>
-          </p:cNvSpPr>
-          <p:nvPr>
-            <p:ph idx="1"/>
+          <p:cNvPr id="35" name="Rectangle 25">
+            <a:extLst>
+              <a:ext uri="{FF2B5EF4-FFF2-40B4-BE49-F238E27FC236}">
+                <a16:creationId xmlns:a16="http://schemas.microsoft.com/office/drawing/2014/main" id="{C83F9D7D-8B7D-49DF-AA94-0A9A8D671027}"/>
+              </a:ext>
+              <a:ext uri="{C183D7F6-B498-43B3-948B-1728B52AA6E4}">
+                <adec:decorative xmlns:adec="http://schemas.microsoft.com/office/drawing/2017/decorative" val="1"/>
+              </a:ext>
+            </a:extLst>
+          </p:cNvPr>
+          <p:cNvSpPr>
+            <a:spLocks noGrp="1" noRot="1" noChangeAspect="1" noMove="1" noResize="1" noEditPoints="1" noAdjustHandles="1" noChangeArrowheads="1" noChangeShapeType="1" noTextEdit="1"/>
+          </p:cNvSpPr>
+          <p:nvPr>
+            <p:extLst>
+              <p:ext uri="{386F3935-93C4-4BCD-93E2-E3B085C9AB24}">
+                <p16:designElem xmlns:p16="http://schemas.microsoft.com/office/powerpoint/2015/main" val="1"/>
+              </p:ext>
+            </p:extLst>
           </p:nvPr>
         </p:nvSpPr>
         <p:spPr>
           <a:xfrm>
-            <a:off x="838200" y="1825625"/>
-            <a:ext cx="10515600" cy="4583564"/>
+            <a:off x="0" y="0"/>
+            <a:ext cx="12192000" cy="6858000"/>
           </a:xfrm>
+          <a:prstGeom prst="rect">
+            <a:avLst/>
+          </a:prstGeom>
+          <a:solidFill>
+            <a:schemeClr val="bg2"/>
+          </a:solidFill>
+          <a:ln>
+            <a:noFill/>
+          </a:ln>
         </p:spPr>
-        <p:txBody>
-          <a:bodyPr>
+        <p:style>
+          <a:lnRef idx="2">
+            <a:schemeClr val="accent1">
+              <a:shade val="50000"/>
+            </a:schemeClr>
+          </a:lnRef>
+          <a:fillRef idx="1">
+            <a:schemeClr val="accent1"/>
+          </a:fillRef>
+          <a:effectRef idx="0">
+            <a:schemeClr val="accent1"/>
+          </a:effectRef>
+          <a:fontRef idx="minor">
+            <a:schemeClr val="lt1"/>
+          </a:fontRef>
+        </p:style>
+        <p:txBody>
+          <a:bodyPr rtlCol="0" anchor="ctr"/>
+          <a:lstStyle/>
+          <a:p>
+            <a:pPr algn="ctr"/>
+            <a:endParaRPr lang="en-US" dirty="0"/>
+          </a:p>
+        </p:txBody>
+      </p:sp>
+      <p:sp>
+        <p:nvSpPr>
+          <p:cNvPr id="37" name="Rectangle 27">
+            <a:extLst>
+              <a:ext uri="{FF2B5EF4-FFF2-40B4-BE49-F238E27FC236}">
+                <a16:creationId xmlns:a16="http://schemas.microsoft.com/office/drawing/2014/main" id="{5707F116-8EC0-4822-9067-186AC8C96EB8}"/>
+              </a:ext>
+              <a:ext uri="{C183D7F6-B498-43B3-948B-1728B52AA6E4}">
+                <adec:decorative xmlns:adec="http://schemas.microsoft.com/office/drawing/2017/decorative" val="1"/>
+              </a:ext>
+            </a:extLst>
+          </p:cNvPr>
+          <p:cNvSpPr>
+            <a:spLocks noGrp="1" noRot="1" noChangeAspect="1" noMove="1" noResize="1" noEditPoints="1" noAdjustHandles="1" noChangeArrowheads="1" noChangeShapeType="1" noTextEdit="1"/>
+          </p:cNvSpPr>
+          <p:nvPr>
+            <p:extLst>
+              <p:ext uri="{386F3935-93C4-4BCD-93E2-E3B085C9AB24}">
+                <p16:designElem xmlns:p16="http://schemas.microsoft.com/office/powerpoint/2015/main" val="1"/>
+              </p:ext>
+            </p:extLst>
+          </p:nvPr>
+        </p:nvSpPr>
+        <p:spPr>
+          <a:xfrm rot="2700000">
+            <a:off x="1128268" y="1327668"/>
+            <a:ext cx="4225136" cy="4225134"/>
+          </a:xfrm>
+          <a:prstGeom prst="rect">
+            <a:avLst/>
+          </a:prstGeom>
+          <a:solidFill>
+            <a:srgbClr val="FFFFFF"/>
+          </a:solidFill>
+          <a:ln>
+            <a:noFill/>
+          </a:ln>
+        </p:spPr>
+        <p:style>
+          <a:lnRef idx="2">
+            <a:schemeClr val="accent1">
+              <a:shade val="50000"/>
+            </a:schemeClr>
+          </a:lnRef>
+          <a:fillRef idx="1">
+            <a:schemeClr val="accent1"/>
+          </a:fillRef>
+          <a:effectRef idx="0">
+            <a:schemeClr val="accent1"/>
+          </a:effectRef>
+          <a:fontRef idx="minor">
+            <a:schemeClr val="lt1"/>
+          </a:fontRef>
+        </p:style>
+        <p:txBody>
+          <a:bodyPr rtlCol="0" anchor="ctr"/>
+          <a:lstStyle/>
+          <a:p>
+            <a:pPr algn="ctr"/>
+            <a:endParaRPr lang="en-US" sz="1600"/>
+          </a:p>
+        </p:txBody>
+      </p:sp>
+      <p:sp>
+        <p:nvSpPr>
+          <p:cNvPr id="39" name="Freeform: Shape 29">
+            <a:extLst>
+              <a:ext uri="{FF2B5EF4-FFF2-40B4-BE49-F238E27FC236}">
+                <a16:creationId xmlns:a16="http://schemas.microsoft.com/office/drawing/2014/main" id="{49F1A7E4-819D-4D21-8E8B-32671A9F9853}"/>
+              </a:ext>
+              <a:ext uri="{C183D7F6-B498-43B3-948B-1728B52AA6E4}">
+                <adec:decorative xmlns:adec="http://schemas.microsoft.com/office/drawing/2017/decorative" val="1"/>
+              </a:ext>
+            </a:extLst>
+          </p:cNvPr>
+          <p:cNvSpPr>
+            <a:spLocks noGrp="1" noRot="1" noChangeAspect="1" noMove="1" noResize="1" noEditPoints="1" noAdjustHandles="1" noChangeArrowheads="1" noChangeShapeType="1" noTextEdit="1"/>
+          </p:cNvSpPr>
+          <p:nvPr>
+            <p:extLst>
+              <p:ext uri="{386F3935-93C4-4BCD-93E2-E3B085C9AB24}">
+                <p16:designElem xmlns:p16="http://schemas.microsoft.com/office/powerpoint/2015/main" val="1"/>
+              </p:ext>
+            </p:extLst>
+          </p:nvPr>
+        </p:nvSpPr>
+        <p:spPr>
+          <a:xfrm rot="2700000">
+            <a:off x="563919" y="753376"/>
+            <a:ext cx="5353835" cy="5353835"/>
+          </a:xfrm>
+          <a:custGeom>
+            <a:avLst/>
+            <a:gdLst>
+              <a:gd name="connsiteX0" fmla="*/ 690507 w 5353835"/>
+              <a:gd name="connsiteY0" fmla="*/ 5273742 h 5353835"/>
+              <a:gd name="connsiteX1" fmla="*/ 4938299 w 5353835"/>
+              <a:gd name="connsiteY1" fmla="*/ 5273742 h 5353835"/>
+              <a:gd name="connsiteX2" fmla="*/ 4858206 w 5353835"/>
+              <a:gd name="connsiteY2" fmla="*/ 5353835 h 5353835"/>
+              <a:gd name="connsiteX3" fmla="*/ 770600 w 5353835"/>
+              <a:gd name="connsiteY3" fmla="*/ 5353835 h 5353835"/>
+              <a:gd name="connsiteX4" fmla="*/ 433255 w 5353835"/>
+              <a:gd name="connsiteY4" fmla="*/ 80093 h 5353835"/>
+              <a:gd name="connsiteX5" fmla="*/ 513348 w 5353835"/>
+              <a:gd name="connsiteY5" fmla="*/ 0 h 5353835"/>
+              <a:gd name="connsiteX6" fmla="*/ 5353835 w 5353835"/>
+              <a:gd name="connsiteY6" fmla="*/ 0 h 5353835"/>
+              <a:gd name="connsiteX7" fmla="*/ 5353835 w 5353835"/>
+              <a:gd name="connsiteY7" fmla="*/ 4858206 h 5353835"/>
+              <a:gd name="connsiteX8" fmla="*/ 5273742 w 5353835"/>
+              <a:gd name="connsiteY8" fmla="*/ 4938299 h 5353835"/>
+              <a:gd name="connsiteX9" fmla="*/ 5273742 w 5353835"/>
+              <a:gd name="connsiteY9" fmla="*/ 80093 h 5353835"/>
+              <a:gd name="connsiteX10" fmla="*/ 0 w 5353835"/>
+              <a:gd name="connsiteY10" fmla="*/ 513348 h 5353835"/>
+              <a:gd name="connsiteX11" fmla="*/ 80093 w 5353835"/>
+              <a:gd name="connsiteY11" fmla="*/ 433255 h 5353835"/>
+              <a:gd name="connsiteX12" fmla="*/ 80093 w 5353835"/>
+              <a:gd name="connsiteY12" fmla="*/ 4663328 h 5353835"/>
+              <a:gd name="connsiteX13" fmla="*/ 0 w 5353835"/>
+              <a:gd name="connsiteY13" fmla="*/ 4583235 h 5353835"/>
+            </a:gdLst>
+            <a:ahLst/>
+            <a:cxnLst>
+              <a:cxn ang="0">
+                <a:pos x="connsiteX0" y="connsiteY0"/>
+              </a:cxn>
+              <a:cxn ang="0">
+                <a:pos x="connsiteX1" y="connsiteY1"/>
+              </a:cxn>
+              <a:cxn ang="0">
+                <a:pos x="connsiteX2" y="connsiteY2"/>
+              </a:cxn>
+              <a:cxn ang="0">
+                <a:pos x="connsiteX3" y="connsiteY3"/>
+              </a:cxn>
+              <a:cxn ang="0">
+                <a:pos x="connsiteX4" y="connsiteY4"/>
+              </a:cxn>
+              <a:cxn ang="0">
+                <a:pos x="connsiteX5" y="connsiteY5"/>
+              </a:cxn>
+              <a:cxn ang="0">
+                <a:pos x="connsiteX6" y="connsiteY6"/>
+              </a:cxn>
+              <a:cxn ang="0">
+                <a:pos x="connsiteX7" y="connsiteY7"/>
+              </a:cxn>
+              <a:cxn ang="0">
+                <a:pos x="connsiteX8" y="connsiteY8"/>
+              </a:cxn>
+              <a:cxn ang="0">
+                <a:pos x="connsiteX9" y="connsiteY9"/>
+              </a:cxn>
+              <a:cxn ang="0">
+                <a:pos x="connsiteX10" y="connsiteY10"/>
+              </a:cxn>
+              <a:cxn ang="0">
+                <a:pos x="connsiteX11" y="connsiteY11"/>
+              </a:cxn>
+              <a:cxn ang="0">
+                <a:pos x="connsiteX12" y="connsiteY12"/>
+              </a:cxn>
+              <a:cxn ang="0">
+                <a:pos x="connsiteX13" y="connsiteY13"/>
+              </a:cxn>
+            </a:cxnLst>
+            <a:rect l="l" t="t" r="r" b="b"/>
+            <a:pathLst>
+              <a:path w="5353835" h="5353835">
+                <a:moveTo>
+                  <a:pt x="690507" y="5273742"/>
+                </a:moveTo>
+                <a:lnTo>
+                  <a:pt x="4938299" y="5273742"/>
+                </a:lnTo>
+                <a:lnTo>
+                  <a:pt x="4858206" y="5353835"/>
+                </a:lnTo>
+                <a:lnTo>
+                  <a:pt x="770600" y="5353835"/>
+                </a:lnTo>
+                <a:close/>
+                <a:moveTo>
+                  <a:pt x="433255" y="80093"/>
+                </a:moveTo>
+                <a:lnTo>
+                  <a:pt x="513348" y="0"/>
+                </a:lnTo>
+                <a:lnTo>
+                  <a:pt x="5353835" y="0"/>
+                </a:lnTo>
+                <a:lnTo>
+                  <a:pt x="5353835" y="4858206"/>
+                </a:lnTo>
+                <a:lnTo>
+                  <a:pt x="5273742" y="4938299"/>
+                </a:lnTo>
+                <a:lnTo>
+                  <a:pt x="5273742" y="80093"/>
+                </a:lnTo>
+                <a:close/>
+                <a:moveTo>
+                  <a:pt x="0" y="513348"/>
+                </a:moveTo>
+                <a:lnTo>
+                  <a:pt x="80093" y="433255"/>
+                </a:lnTo>
+                <a:lnTo>
+                  <a:pt x="80093" y="4663328"/>
+                </a:lnTo>
+                <a:lnTo>
+                  <a:pt x="0" y="4583235"/>
+                </a:lnTo>
+                <a:close/>
+              </a:path>
+            </a:pathLst>
+          </a:custGeom>
+          <a:solidFill>
+            <a:srgbClr val="FFFFFF">
+              <a:alpha val="60000"/>
+            </a:srgbClr>
+          </a:solidFill>
+          <a:ln>
+            <a:noFill/>
+          </a:ln>
+        </p:spPr>
+        <p:style>
+          <a:lnRef idx="2">
+            <a:schemeClr val="accent1">
+              <a:shade val="50000"/>
+            </a:schemeClr>
+          </a:lnRef>
+          <a:fillRef idx="1">
+            <a:schemeClr val="accent1"/>
+          </a:fillRef>
+          <a:effectRef idx="0">
+            <a:schemeClr val="accent1"/>
+          </a:effectRef>
+          <a:fontRef idx="minor">
+            <a:schemeClr val="lt1"/>
+          </a:fontRef>
+        </p:style>
+        <p:txBody>
+          <a:bodyPr wrap="square" rtlCol="0" anchor="ctr">
+            <a:noAutofit/>
+          </a:bodyPr>
+          <a:lstStyle/>
+          <a:p>
+            <a:pPr algn="ctr"/>
+            <a:endParaRPr lang="en-US">
+              <a:solidFill>
+                <a:schemeClr val="tx1"/>
+              </a:solidFill>
+            </a:endParaRPr>
+          </a:p>
+        </p:txBody>
+      </p:sp>
+      <p:sp>
+        <p:nvSpPr>
+          <p:cNvPr id="2" name="Title 1">
+            <a:extLst>
+              <a:ext uri="{FF2B5EF4-FFF2-40B4-BE49-F238E27FC236}">
+                <a16:creationId xmlns:a16="http://schemas.microsoft.com/office/drawing/2014/main" id="{5016E772-CEE5-4684-AC41-A8E0FFCC47FE}"/>
+              </a:ext>
+            </a:extLst>
+          </p:cNvPr>
+          <p:cNvSpPr>
+            <a:spLocks noGrp="1"/>
+          </p:cNvSpPr>
+          <p:nvPr>
+            <p:ph type="title"/>
+          </p:nvPr>
+        </p:nvSpPr>
+        <p:spPr>
+          <a:xfrm>
+            <a:off x="1116701" y="2452526"/>
+            <a:ext cx="4248318" cy="1952947"/>
+          </a:xfrm>
+          <a:noFill/>
+        </p:spPr>
+        <p:txBody>
+          <a:bodyPr vert="horz" lIns="91440" tIns="45720" rIns="91440" bIns="45720" rtlCol="0" anchor="ctr">
             <a:normAutofit/>
           </a:bodyPr>
           <a:lstStyle/>
           <a:p>
-            <a:pPr marL="457200" lvl="1" indent="0">
-              <a:buNone/>
-            </a:pPr>
-            <a:r>
-              <a:rPr lang="en-US" sz="1600" dirty="0" err="1">
+            <a:pPr algn="ctr"/>
+            <a:r>
+              <a:rPr lang="en-US" sz="3600" kern="1200">
                 <a:solidFill>
-                  <a:srgbClr val="00B050"/>
+                  <a:srgbClr val="080808"/>
                 </a:solidFill>
+                <a:latin typeface="+mj-lt"/>
+                <a:ea typeface="+mj-ea"/>
+                <a:cs typeface="+mj-cs"/>
               </a:rPr>
-              <a:t>Aabhar</a:t>
-            </a:r>
-            <a:endParaRPr lang="en-US" sz="1600" dirty="0">
-              <a:solidFill>
-                <a:srgbClr val="00B050"/>
-              </a:solidFill>
-            </a:endParaRPr>
-          </a:p>
-          <a:p>
-            <a:pPr marL="457200" lvl="1" indent="0">
-              <a:buNone/>
-            </a:pPr>
-            <a:r>
-              <a:rPr lang="en-US" sz="1600" dirty="0">
-                <a:solidFill>
-                  <a:srgbClr val="00B050"/>
-                </a:solidFill>
-              </a:rPr>
-              <a:t>Thank You</a:t>
-            </a:r>
-          </a:p>
-          <a:p>
-            <a:pPr marL="457200" lvl="1" indent="0">
-              <a:buNone/>
-            </a:pPr>
-            <a:r>
-              <a:rPr lang="en-US" sz="1600" dirty="0" err="1">
-                <a:solidFill>
-                  <a:srgbClr val="00B050"/>
-                </a:solidFill>
-              </a:rPr>
-              <a:t>Sukriya</a:t>
-            </a:r>
-            <a:r>
-              <a:rPr lang="en-US" sz="1600" dirty="0">
-                <a:solidFill>
-                  <a:srgbClr val="00B050"/>
-                </a:solidFill>
-              </a:rPr>
-              <a:t> </a:t>
-            </a:r>
+              <a:t>facts_generator</a:t>
+            </a:r>
+          </a:p>
+        </p:txBody>
+      </p:sp>
+      <p:sp>
+        <p:nvSpPr>
+          <p:cNvPr id="41" name="Freeform: Shape 31">
+            <a:extLst>
+              <a:ext uri="{FF2B5EF4-FFF2-40B4-BE49-F238E27FC236}">
+                <a16:creationId xmlns:a16="http://schemas.microsoft.com/office/drawing/2014/main" id="{6D6E3EFD-925A-40CD-8E14-FDD4E6DDC686}"/>
+              </a:ext>
+              <a:ext uri="{C183D7F6-B498-43B3-948B-1728B52AA6E4}">
+                <adec:decorative xmlns:adec="http://schemas.microsoft.com/office/drawing/2017/decorative" val="1"/>
+              </a:ext>
+            </a:extLst>
+          </p:cNvPr>
+          <p:cNvSpPr>
+            <a:spLocks noGrp="1" noRot="1" noChangeAspect="1" noMove="1" noResize="1" noEditPoints="1" noAdjustHandles="1" noChangeArrowheads="1" noChangeShapeType="1" noTextEdit="1"/>
+          </p:cNvSpPr>
+          <p:nvPr>
+            <p:extLst>
+              <p:ext uri="{386F3935-93C4-4BCD-93E2-E3B085C9AB24}">
+                <p16:designElem xmlns:p16="http://schemas.microsoft.com/office/powerpoint/2015/main" val="1"/>
+              </p:ext>
+            </p:extLst>
+          </p:nvPr>
+        </p:nvSpPr>
+        <p:spPr>
+          <a:xfrm>
+            <a:off x="5021661" y="-1"/>
+            <a:ext cx="7170340" cy="5062213"/>
+          </a:xfrm>
+          <a:custGeom>
+            <a:avLst/>
+            <a:gdLst>
+              <a:gd name="connsiteX0" fmla="*/ 7170340 w 7170340"/>
+              <a:gd name="connsiteY0" fmla="*/ 0 h 5062213"/>
+              <a:gd name="connsiteX1" fmla="*/ 7170340 w 7170340"/>
+              <a:gd name="connsiteY1" fmla="*/ 2954084 h 5062213"/>
+              <a:gd name="connsiteX2" fmla="*/ 5062211 w 7170340"/>
+              <a:gd name="connsiteY2" fmla="*/ 5062213 h 5062213"/>
+              <a:gd name="connsiteX3" fmla="*/ 0 w 7170340"/>
+              <a:gd name="connsiteY3" fmla="*/ 2 h 5062213"/>
+            </a:gdLst>
+            <a:ahLst/>
+            <a:cxnLst>
+              <a:cxn ang="0">
+                <a:pos x="connsiteX0" y="connsiteY0"/>
+              </a:cxn>
+              <a:cxn ang="0">
+                <a:pos x="connsiteX1" y="connsiteY1"/>
+              </a:cxn>
+              <a:cxn ang="0">
+                <a:pos x="connsiteX2" y="connsiteY2"/>
+              </a:cxn>
+              <a:cxn ang="0">
+                <a:pos x="connsiteX3" y="connsiteY3"/>
+              </a:cxn>
+            </a:cxnLst>
+            <a:rect l="l" t="t" r="r" b="b"/>
+            <a:pathLst>
+              <a:path w="7170340" h="5062213">
+                <a:moveTo>
+                  <a:pt x="7170340" y="0"/>
+                </a:moveTo>
+                <a:lnTo>
+                  <a:pt x="7170340" y="2954084"/>
+                </a:lnTo>
+                <a:lnTo>
+                  <a:pt x="5062211" y="5062213"/>
+                </a:lnTo>
+                <a:lnTo>
+                  <a:pt x="0" y="2"/>
+                </a:lnTo>
+                <a:close/>
+              </a:path>
+            </a:pathLst>
+          </a:custGeom>
+          <a:solidFill>
+            <a:srgbClr val="FFFFFF"/>
+          </a:solidFill>
+          <a:ln>
+            <a:solidFill>
+              <a:srgbClr val="FFFFFF"/>
+            </a:solidFill>
+          </a:ln>
+        </p:spPr>
+        <p:style>
+          <a:lnRef idx="2">
+            <a:schemeClr val="accent1">
+              <a:shade val="50000"/>
+            </a:schemeClr>
+          </a:lnRef>
+          <a:fillRef idx="1">
+            <a:schemeClr val="accent1"/>
+          </a:fillRef>
+          <a:effectRef idx="0">
+            <a:schemeClr val="accent1"/>
+          </a:effectRef>
+          <a:fontRef idx="minor">
+            <a:schemeClr val="lt1"/>
+          </a:fontRef>
+        </p:style>
+        <p:txBody>
+          <a:bodyPr wrap="square" rtlCol="0" anchor="ctr">
+            <a:noAutofit/>
+          </a:bodyPr>
+          <a:lstStyle/>
+          <a:p>
+            <a:pPr algn="ctr"/>
+            <a:endParaRPr lang="en-US"/>
+          </a:p>
+        </p:txBody>
+      </p:sp>
+      <p:pic>
+        <p:nvPicPr>
+          <p:cNvPr id="6" name="Picture 5" descr="A picture containing graphical user interface&#10;&#10;Description automatically generated">
+            <a:extLst>
+              <a:ext uri="{FF2B5EF4-FFF2-40B4-BE49-F238E27FC236}">
+                <a16:creationId xmlns:a16="http://schemas.microsoft.com/office/drawing/2014/main" id="{E17B1C99-37B2-4D9A-91D0-506519F32644}"/>
+              </a:ext>
+            </a:extLst>
+          </p:cNvPr>
+          <p:cNvPicPr>
+            <a:picLocks noChangeAspect="1"/>
+          </p:cNvPicPr>
+          <p:nvPr/>
+        </p:nvPicPr>
+        <p:blipFill>
+          <a:blip r:embed="rId2">
+            <a:extLst>
+              <a:ext uri="{28A0092B-C50C-407E-A947-70E740481C1C}">
+                <a14:useLocalDpi xmlns:a14="http://schemas.microsoft.com/office/drawing/2010/main" val="0"/>
+              </a:ext>
+            </a:extLst>
+          </a:blip>
+          <a:stretch>
+            <a:fillRect/>
+          </a:stretch>
+        </p:blipFill>
+        <p:spPr>
+          <a:xfrm>
+            <a:off x="7982858" y="488723"/>
+            <a:ext cx="3887408" cy="2186667"/>
+          </a:xfrm>
+          <a:prstGeom prst="rect">
+            <a:avLst/>
+          </a:prstGeom>
+        </p:spPr>
+      </p:pic>
+      <p:sp>
+        <p:nvSpPr>
+          <p:cNvPr id="34" name="Rectangle 33">
+            <a:extLst>
+              <a:ext uri="{FF2B5EF4-FFF2-40B4-BE49-F238E27FC236}">
+                <a16:creationId xmlns:a16="http://schemas.microsoft.com/office/drawing/2014/main" id="{3A91C067-F707-44D1-A9C2-9913E6ADC689}"/>
+              </a:ext>
+              <a:ext uri="{C183D7F6-B498-43B3-948B-1728B52AA6E4}">
+                <adec:decorative xmlns:adec="http://schemas.microsoft.com/office/drawing/2017/decorative" val="1"/>
+              </a:ext>
+            </a:extLst>
+          </p:cNvPr>
+          <p:cNvSpPr>
+            <a:spLocks noGrp="1" noRot="1" noChangeAspect="1" noMove="1" noResize="1" noEditPoints="1" noAdjustHandles="1" noChangeArrowheads="1" noChangeShapeType="1" noTextEdit="1"/>
+          </p:cNvSpPr>
+          <p:nvPr>
+            <p:extLst>
+              <p:ext uri="{386F3935-93C4-4BCD-93E2-E3B085C9AB24}">
+                <p16:designElem xmlns:p16="http://schemas.microsoft.com/office/powerpoint/2015/main" val="1"/>
+              </p:ext>
+            </p:extLst>
+          </p:nvPr>
+        </p:nvSpPr>
+        <p:spPr>
+          <a:xfrm rot="2700000">
+            <a:off x="10209280" y="4010957"/>
+            <a:ext cx="870888" cy="870888"/>
+          </a:xfrm>
+          <a:prstGeom prst="rect">
+            <a:avLst/>
+          </a:prstGeom>
+          <a:solidFill>
+            <a:schemeClr val="accent4">
+              <a:alpha val="30000"/>
+            </a:schemeClr>
+          </a:solidFill>
+          <a:ln>
+            <a:noFill/>
+          </a:ln>
+        </p:spPr>
+        <p:style>
+          <a:lnRef idx="2">
+            <a:schemeClr val="accent1">
+              <a:shade val="50000"/>
+            </a:schemeClr>
+          </a:lnRef>
+          <a:fillRef idx="1">
+            <a:schemeClr val="accent1"/>
+          </a:fillRef>
+          <a:effectRef idx="0">
+            <a:schemeClr val="accent1"/>
+          </a:effectRef>
+          <a:fontRef idx="minor">
+            <a:schemeClr val="lt1"/>
+          </a:fontRef>
+        </p:style>
+        <p:txBody>
+          <a:bodyPr rtlCol="0" anchor="ctr"/>
+          <a:lstStyle/>
+          <a:p>
+            <a:pPr algn="ctr"/>
+            <a:endParaRPr lang="en-US"/>
+          </a:p>
+        </p:txBody>
+      </p:sp>
+      <p:sp>
+        <p:nvSpPr>
+          <p:cNvPr id="36" name="Rectangle 35">
+            <a:extLst>
+              <a:ext uri="{FF2B5EF4-FFF2-40B4-BE49-F238E27FC236}">
+                <a16:creationId xmlns:a16="http://schemas.microsoft.com/office/drawing/2014/main" id="{DC580C66-5435-4F00-873E-679D3D5049C0}"/>
+              </a:ext>
+              <a:ext uri="{C183D7F6-B498-43B3-948B-1728B52AA6E4}">
+                <adec:decorative xmlns:adec="http://schemas.microsoft.com/office/drawing/2017/decorative" val="1"/>
+              </a:ext>
+            </a:extLst>
+          </p:cNvPr>
+          <p:cNvSpPr>
+            <a:spLocks noGrp="1" noRot="1" noChangeAspect="1" noMove="1" noResize="1" noEditPoints="1" noAdjustHandles="1" noChangeArrowheads="1" noChangeShapeType="1" noTextEdit="1"/>
+          </p:cNvSpPr>
+          <p:nvPr>
+            <p:extLst>
+              <p:ext uri="{386F3935-93C4-4BCD-93E2-E3B085C9AB24}">
+                <p16:designElem xmlns:p16="http://schemas.microsoft.com/office/powerpoint/2015/main" val="1"/>
+              </p:ext>
+            </p:extLst>
+          </p:nvPr>
+        </p:nvSpPr>
+        <p:spPr>
+          <a:xfrm rot="2700000">
+            <a:off x="6801243" y="5848285"/>
+            <a:ext cx="714978" cy="714978"/>
+          </a:xfrm>
+          <a:prstGeom prst="rect">
+            <a:avLst/>
+          </a:prstGeom>
+          <a:solidFill>
+            <a:schemeClr val="accent4">
+              <a:alpha val="30000"/>
+            </a:schemeClr>
+          </a:solidFill>
+          <a:ln>
+            <a:noFill/>
+          </a:ln>
+        </p:spPr>
+        <p:style>
+          <a:lnRef idx="2">
+            <a:schemeClr val="accent1">
+              <a:shade val="50000"/>
+            </a:schemeClr>
+          </a:lnRef>
+          <a:fillRef idx="1">
+            <a:schemeClr val="accent1"/>
+          </a:fillRef>
+          <a:effectRef idx="0">
+            <a:schemeClr val="accent1"/>
+          </a:effectRef>
+          <a:fontRef idx="minor">
+            <a:schemeClr val="lt1"/>
+          </a:fontRef>
+        </p:style>
+        <p:txBody>
+          <a:bodyPr rtlCol="0" anchor="ctr"/>
+          <a:lstStyle/>
+          <a:p>
+            <a:pPr algn="ctr"/>
+            <a:endParaRPr lang="en-US"/>
+          </a:p>
+        </p:txBody>
+      </p:sp>
+      <p:sp>
+        <p:nvSpPr>
+          <p:cNvPr id="38" name="Isosceles Triangle 37">
+            <a:extLst>
+              <a:ext uri="{FF2B5EF4-FFF2-40B4-BE49-F238E27FC236}">
+                <a16:creationId xmlns:a16="http://schemas.microsoft.com/office/drawing/2014/main" id="{B4AFD177-1A38-4FAE-87D4-840AE22C861C}"/>
+              </a:ext>
+              <a:ext uri="{C183D7F6-B498-43B3-948B-1728B52AA6E4}">
+                <adec:decorative xmlns:adec="http://schemas.microsoft.com/office/drawing/2017/decorative" val="1"/>
+              </a:ext>
+            </a:extLst>
+          </p:cNvPr>
+          <p:cNvSpPr>
+            <a:spLocks noGrp="1" noRot="1" noChangeAspect="1" noMove="1" noResize="1" noEditPoints="1" noAdjustHandles="1" noChangeArrowheads="1" noChangeShapeType="1" noTextEdit="1"/>
+          </p:cNvSpPr>
+          <p:nvPr>
+            <p:extLst>
+              <p:ext uri="{386F3935-93C4-4BCD-93E2-E3B085C9AB24}">
+                <p16:designElem xmlns:p16="http://schemas.microsoft.com/office/powerpoint/2015/main" val="1"/>
+              </p:ext>
+            </p:extLst>
+          </p:nvPr>
+        </p:nvSpPr>
+        <p:spPr>
+          <a:xfrm>
+            <a:off x="5032383" y="5474491"/>
+            <a:ext cx="2767017" cy="1383509"/>
+          </a:xfrm>
+          <a:prstGeom prst="triangle">
+            <a:avLst/>
+          </a:prstGeom>
+          <a:solidFill>
+            <a:schemeClr val="accent4">
+              <a:alpha val="30000"/>
+            </a:schemeClr>
+          </a:solidFill>
+          <a:ln>
+            <a:noFill/>
+          </a:ln>
+        </p:spPr>
+        <p:style>
+          <a:lnRef idx="2">
+            <a:schemeClr val="accent1">
+              <a:shade val="50000"/>
+            </a:schemeClr>
+          </a:lnRef>
+          <a:fillRef idx="1">
+            <a:schemeClr val="accent1"/>
+          </a:fillRef>
+          <a:effectRef idx="0">
+            <a:schemeClr val="accent1"/>
+          </a:effectRef>
+          <a:fontRef idx="minor">
+            <a:schemeClr val="lt1"/>
+          </a:fontRef>
+        </p:style>
+        <p:txBody>
+          <a:bodyPr rtlCol="0" anchor="ctr"/>
+          <a:lstStyle/>
+          <a:p>
+            <a:pPr algn="ctr"/>
+            <a:endParaRPr lang="en-US"/>
+          </a:p>
+        </p:txBody>
+      </p:sp>
+      <p:sp>
+        <p:nvSpPr>
+          <p:cNvPr id="40" name="Rectangle 39">
+            <a:extLst>
+              <a:ext uri="{FF2B5EF4-FFF2-40B4-BE49-F238E27FC236}">
+                <a16:creationId xmlns:a16="http://schemas.microsoft.com/office/drawing/2014/main" id="{52329D9A-3D48-4B69-939D-2A480F14786F}"/>
+              </a:ext>
+              <a:ext uri="{C183D7F6-B498-43B3-948B-1728B52AA6E4}">
+                <adec:decorative xmlns:adec="http://schemas.microsoft.com/office/drawing/2017/decorative" val="1"/>
+              </a:ext>
+            </a:extLst>
+          </p:cNvPr>
+          <p:cNvSpPr>
+            <a:spLocks noGrp="1" noRot="1" noChangeAspect="1" noMove="1" noResize="1" noEditPoints="1" noAdjustHandles="1" noChangeArrowheads="1" noChangeShapeType="1" noTextEdit="1"/>
+          </p:cNvSpPr>
+          <p:nvPr>
+            <p:extLst>
+              <p:ext uri="{386F3935-93C4-4BCD-93E2-E3B085C9AB24}">
+                <p16:designElem xmlns:p16="http://schemas.microsoft.com/office/powerpoint/2015/main" val="1"/>
+              </p:ext>
+            </p:extLst>
+          </p:nvPr>
+        </p:nvSpPr>
+        <p:spPr>
+          <a:xfrm rot="2700000">
+            <a:off x="8574659" y="5394406"/>
+            <a:ext cx="856138" cy="856138"/>
+          </a:xfrm>
+          <a:prstGeom prst="rect">
+            <a:avLst/>
+          </a:prstGeom>
+          <a:solidFill>
+            <a:schemeClr val="accent1">
+              <a:alpha val="30000"/>
+            </a:schemeClr>
+          </a:solidFill>
+          <a:ln>
+            <a:noFill/>
+          </a:ln>
+        </p:spPr>
+        <p:style>
+          <a:lnRef idx="2">
+            <a:schemeClr val="accent1">
+              <a:shade val="50000"/>
+            </a:schemeClr>
+          </a:lnRef>
+          <a:fillRef idx="1">
+            <a:schemeClr val="accent1"/>
+          </a:fillRef>
+          <a:effectRef idx="0">
+            <a:schemeClr val="accent1"/>
+          </a:effectRef>
+          <a:fontRef idx="minor">
+            <a:schemeClr val="lt1"/>
+          </a:fontRef>
+        </p:style>
+        <p:txBody>
+          <a:bodyPr rtlCol="0" anchor="ctr"/>
+          <a:lstStyle/>
+          <a:p>
+            <a:pPr algn="ctr"/>
+            <a:endParaRPr lang="en-US"/>
+          </a:p>
+        </p:txBody>
+      </p:sp>
+      <p:sp>
+        <p:nvSpPr>
+          <p:cNvPr id="42" name="Rectangle 41">
+            <a:extLst>
+              <a:ext uri="{FF2B5EF4-FFF2-40B4-BE49-F238E27FC236}">
+                <a16:creationId xmlns:a16="http://schemas.microsoft.com/office/drawing/2014/main" id="{2D5CC4CB-7B78-480A-A0AE-A8A35C08E190}"/>
+              </a:ext>
+              <a:ext uri="{C183D7F6-B498-43B3-948B-1728B52AA6E4}">
+                <adec:decorative xmlns:adec="http://schemas.microsoft.com/office/drawing/2017/decorative" val="1"/>
+              </a:ext>
+            </a:extLst>
+          </p:cNvPr>
+          <p:cNvSpPr>
+            <a:spLocks noGrp="1" noRot="1" noChangeAspect="1" noMove="1" noResize="1" noEditPoints="1" noAdjustHandles="1" noChangeArrowheads="1" noChangeShapeType="1" noTextEdit="1"/>
+          </p:cNvSpPr>
+          <p:nvPr>
+            <p:extLst>
+              <p:ext uri="{386F3935-93C4-4BCD-93E2-E3B085C9AB24}">
+                <p16:designElem xmlns:p16="http://schemas.microsoft.com/office/powerpoint/2015/main" val="1"/>
+              </p:ext>
+            </p:extLst>
+          </p:nvPr>
+        </p:nvSpPr>
+        <p:spPr>
+          <a:xfrm rot="2700000">
+            <a:off x="8496085" y="5398229"/>
+            <a:ext cx="381459" cy="381459"/>
+          </a:xfrm>
+          <a:prstGeom prst="rect">
+            <a:avLst/>
+          </a:prstGeom>
+          <a:solidFill>
+            <a:schemeClr val="accent1">
+              <a:alpha val="30000"/>
+            </a:schemeClr>
+          </a:solidFill>
+          <a:ln>
+            <a:noFill/>
+          </a:ln>
+        </p:spPr>
+        <p:style>
+          <a:lnRef idx="2">
+            <a:schemeClr val="accent1">
+              <a:shade val="50000"/>
+            </a:schemeClr>
+          </a:lnRef>
+          <a:fillRef idx="1">
+            <a:schemeClr val="accent1"/>
+          </a:fillRef>
+          <a:effectRef idx="0">
+            <a:schemeClr val="accent1"/>
+          </a:effectRef>
+          <a:fontRef idx="minor">
+            <a:schemeClr val="lt1"/>
+          </a:fontRef>
+        </p:style>
+        <p:txBody>
+          <a:bodyPr rtlCol="0" anchor="ctr"/>
+          <a:lstStyle/>
+          <a:p>
+            <a:pPr algn="ctr"/>
+            <a:endParaRPr lang="en-US"/>
           </a:p>
         </p:txBody>
       </p:sp>
